--- a/CS310 - Software Engineering/Ch6 - updated.pptx
+++ b/CS310 - Software Engineering/Ch6 - updated.pptx
@@ -5,10 +5,10 @@
     <p:sldMasterId id="2147483684" r:id="rId1"/>
   </p:sldMasterIdLst>
   <p:notesMasterIdLst>
-    <p:notesMasterId r:id="rId55"/>
+    <p:notesMasterId r:id="rId34"/>
   </p:notesMasterIdLst>
   <p:handoutMasterIdLst>
-    <p:handoutMasterId r:id="rId56"/>
+    <p:handoutMasterId r:id="rId35"/>
   </p:handoutMasterIdLst>
   <p:sldIdLst>
     <p:sldId id="256" r:id="rId2"/>
@@ -19,51 +19,30 @@
     <p:sldId id="279" r:id="rId7"/>
     <p:sldId id="322" r:id="rId8"/>
     <p:sldId id="323" r:id="rId9"/>
-    <p:sldId id="324" r:id="rId10"/>
-    <p:sldId id="257" r:id="rId11"/>
-    <p:sldId id="280" r:id="rId12"/>
-    <p:sldId id="285" r:id="rId13"/>
-    <p:sldId id="286" r:id="rId14"/>
-    <p:sldId id="298" r:id="rId15"/>
-    <p:sldId id="312" r:id="rId16"/>
-    <p:sldId id="319" r:id="rId17"/>
-    <p:sldId id="299" r:id="rId18"/>
-    <p:sldId id="325" r:id="rId19"/>
-    <p:sldId id="258" r:id="rId20"/>
-    <p:sldId id="259" r:id="rId21"/>
-    <p:sldId id="260" r:id="rId22"/>
-    <p:sldId id="261" r:id="rId23"/>
-    <p:sldId id="262" r:id="rId24"/>
-    <p:sldId id="263" r:id="rId25"/>
-    <p:sldId id="328" r:id="rId26"/>
-    <p:sldId id="329" r:id="rId27"/>
-    <p:sldId id="264" r:id="rId28"/>
-    <p:sldId id="265" r:id="rId29"/>
-    <p:sldId id="326" r:id="rId30"/>
-    <p:sldId id="267" r:id="rId31"/>
-    <p:sldId id="268" r:id="rId32"/>
-    <p:sldId id="269" r:id="rId33"/>
-    <p:sldId id="330" r:id="rId34"/>
-    <p:sldId id="300" r:id="rId35"/>
-    <p:sldId id="301" r:id="rId36"/>
-    <p:sldId id="302" r:id="rId37"/>
-    <p:sldId id="303" r:id="rId38"/>
-    <p:sldId id="304" r:id="rId39"/>
-    <p:sldId id="270" r:id="rId40"/>
-    <p:sldId id="271" r:id="rId41"/>
-    <p:sldId id="305" r:id="rId42"/>
-    <p:sldId id="272" r:id="rId43"/>
-    <p:sldId id="273" r:id="rId44"/>
-    <p:sldId id="313" r:id="rId45"/>
-    <p:sldId id="314" r:id="rId46"/>
-    <p:sldId id="327" r:id="rId47"/>
-    <p:sldId id="306" r:id="rId48"/>
-    <p:sldId id="274" r:id="rId49"/>
-    <p:sldId id="315" r:id="rId50"/>
-    <p:sldId id="316" r:id="rId51"/>
-    <p:sldId id="275" r:id="rId52"/>
-    <p:sldId id="276" r:id="rId53"/>
-    <p:sldId id="307" r:id="rId54"/>
+    <p:sldId id="299" r:id="rId10"/>
+    <p:sldId id="325" r:id="rId11"/>
+    <p:sldId id="258" r:id="rId12"/>
+    <p:sldId id="259" r:id="rId13"/>
+    <p:sldId id="260" r:id="rId14"/>
+    <p:sldId id="261" r:id="rId15"/>
+    <p:sldId id="262" r:id="rId16"/>
+    <p:sldId id="263" r:id="rId17"/>
+    <p:sldId id="328" r:id="rId18"/>
+    <p:sldId id="329" r:id="rId19"/>
+    <p:sldId id="264" r:id="rId20"/>
+    <p:sldId id="265" r:id="rId21"/>
+    <p:sldId id="326" r:id="rId22"/>
+    <p:sldId id="267" r:id="rId23"/>
+    <p:sldId id="268" r:id="rId24"/>
+    <p:sldId id="269" r:id="rId25"/>
+    <p:sldId id="327" r:id="rId26"/>
+    <p:sldId id="306" r:id="rId27"/>
+    <p:sldId id="274" r:id="rId28"/>
+    <p:sldId id="315" r:id="rId29"/>
+    <p:sldId id="316" r:id="rId30"/>
+    <p:sldId id="275" r:id="rId31"/>
+    <p:sldId id="276" r:id="rId32"/>
+    <p:sldId id="307" r:id="rId33"/>
   </p:sldIdLst>
   <p:sldSz cx="9144000" cy="6858000" type="screen4x3"/>
   <p:notesSz cx="6858000" cy="9144000"/>
@@ -264,7 +243,7 @@
             <a:fld id="{9461AE22-D430-DF41-AE07-97EBDE150D96}" type="datetimeFigureOut">
               <a:rPr lang="en-US" smtClean="0"/>
               <a:pPr/>
-              <a:t>3/18/2019</a:t>
+              <a:t>7/19/2019</a:t>
             </a:fld>
             <a:endParaRPr lang="en-US"/>
           </a:p>
@@ -432,7 +411,7 @@
             <a:fld id="{9F161D37-7FE1-344E-983F-A3588F4C587F}" type="datetimeFigureOut">
               <a:rPr lang="en-US" smtClean="0"/>
               <a:pPr/>
-              <a:t>3/18/2019</a:t>
+              <a:t>7/19/2019</a:t>
             </a:fld>
             <a:endParaRPr lang="en-US"/>
           </a:p>
@@ -498,35 +477,35 @@
           <a:p>
             <a:pPr lvl="0"/>
             <a:r>
-              <a:rPr lang="en-GB" smtClean="0"/>
+              <a:rPr lang="en-GB"/>
               <a:t>Click to edit Master text styles</a:t>
             </a:r>
           </a:p>
           <a:p>
             <a:pPr lvl="1"/>
             <a:r>
-              <a:rPr lang="en-GB" smtClean="0"/>
+              <a:rPr lang="en-GB"/>
               <a:t>Second level</a:t>
             </a:r>
           </a:p>
           <a:p>
             <a:pPr lvl="2"/>
             <a:r>
-              <a:rPr lang="en-GB" smtClean="0"/>
+              <a:rPr lang="en-GB"/>
               <a:t>Third level</a:t>
             </a:r>
           </a:p>
           <a:p>
             <a:pPr lvl="3"/>
             <a:r>
-              <a:rPr lang="en-GB" smtClean="0"/>
+              <a:rPr lang="en-GB"/>
               <a:t>Fourth level</a:t>
             </a:r>
           </a:p>
           <a:p>
             <a:pPr lvl="4"/>
             <a:r>
-              <a:rPr lang="en-GB" smtClean="0"/>
+              <a:rPr lang="en-GB"/>
               <a:t>Fifth level</a:t>
             </a:r>
             <a:endParaRPr lang="en-US"/>
@@ -742,7 +721,7 @@
           <a:lstStyle/>
           <a:p>
             <a:r>
-              <a:rPr lang="en-US" smtClean="0"/>
+              <a:rPr lang="en-US"/>
               <a:t>Click to edit Master title style</a:t>
             </a:r>
             <a:endParaRPr lang="en-CA"/>
@@ -861,7 +840,7 @@
           </a:lstStyle>
           <a:p>
             <a:r>
-              <a:rPr lang="en-US" smtClean="0"/>
+              <a:rPr lang="en-US"/>
               <a:t>Click to edit Master subtitle style</a:t>
             </a:r>
             <a:endParaRPr lang="en-CA"/>
@@ -886,7 +865,7 @@
             <a:fld id="{49217A13-8541-BA4E-9FC7-62BA6FA2AB68}" type="datetime1">
               <a:rPr lang="en-US" smtClean="0"/>
               <a:pPr/>
-              <a:t>3/18/2019</a:t>
+              <a:t>7/19/2019</a:t>
             </a:fld>
             <a:endParaRPr lang="en-US"/>
           </a:p>
@@ -908,10 +887,9 @@
           <a:lstStyle/>
           <a:p>
             <a:r>
-              <a:rPr lang="en-US" smtClean="0"/>
+              <a:rPr lang="en-US"/>
               <a:t>Chapter 6 Architectural design</a:t>
             </a:r>
-            <a:endParaRPr lang="en-US"/>
           </a:p>
         </p:txBody>
       </p:sp>
@@ -985,7 +963,7 @@
           <a:lstStyle/>
           <a:p>
             <a:r>
-              <a:rPr lang="en-US" smtClean="0"/>
+              <a:rPr lang="en-US"/>
               <a:t>Click to edit Master title style</a:t>
             </a:r>
             <a:endParaRPr lang="en-CA"/>
@@ -1009,35 +987,35 @@
           <a:p>
             <a:pPr lvl="0"/>
             <a:r>
-              <a:rPr lang="en-US" smtClean="0"/>
+              <a:rPr lang="en-US"/>
               <a:t>Click to edit Master text styles</a:t>
             </a:r>
           </a:p>
           <a:p>
             <a:pPr lvl="1"/>
             <a:r>
-              <a:rPr lang="en-US" smtClean="0"/>
+              <a:rPr lang="en-US"/>
               <a:t>Second level</a:t>
             </a:r>
           </a:p>
           <a:p>
             <a:pPr lvl="2"/>
             <a:r>
-              <a:rPr lang="en-US" smtClean="0"/>
+              <a:rPr lang="en-US"/>
               <a:t>Third level</a:t>
             </a:r>
           </a:p>
           <a:p>
             <a:pPr lvl="3"/>
             <a:r>
-              <a:rPr lang="en-US" smtClean="0"/>
+              <a:rPr lang="en-US"/>
               <a:t>Fourth level</a:t>
             </a:r>
           </a:p>
           <a:p>
             <a:pPr lvl="4"/>
             <a:r>
-              <a:rPr lang="en-US" smtClean="0"/>
+              <a:rPr lang="en-US"/>
               <a:t>Fifth level</a:t>
             </a:r>
             <a:endParaRPr lang="en-CA"/>
@@ -1062,7 +1040,7 @@
             <a:fld id="{27CFDB78-C1D5-3D42-B90E-0A3CE7B29FF7}" type="datetime1">
               <a:rPr lang="en-US" smtClean="0"/>
               <a:pPr/>
-              <a:t>3/18/2019</a:t>
+              <a:t>7/19/2019</a:t>
             </a:fld>
             <a:endParaRPr lang="en-US"/>
           </a:p>
@@ -1084,10 +1062,9 @@
           <a:lstStyle/>
           <a:p>
             <a:r>
-              <a:rPr lang="en-US" smtClean="0"/>
+              <a:rPr lang="en-US"/>
               <a:t>Chapter 6 Architectural design</a:t>
             </a:r>
-            <a:endParaRPr lang="en-US"/>
           </a:p>
         </p:txBody>
       </p:sp>
@@ -1166,7 +1143,7 @@
           <a:lstStyle/>
           <a:p>
             <a:r>
-              <a:rPr lang="en-US" smtClean="0"/>
+              <a:rPr lang="en-US"/>
               <a:t>Click to edit Master title style</a:t>
             </a:r>
             <a:endParaRPr lang="en-CA"/>
@@ -1195,35 +1172,35 @@
           <a:p>
             <a:pPr lvl="0"/>
             <a:r>
-              <a:rPr lang="en-US" smtClean="0"/>
+              <a:rPr lang="en-US"/>
               <a:t>Click to edit Master text styles</a:t>
             </a:r>
           </a:p>
           <a:p>
             <a:pPr lvl="1"/>
             <a:r>
-              <a:rPr lang="en-US" smtClean="0"/>
+              <a:rPr lang="en-US"/>
               <a:t>Second level</a:t>
             </a:r>
           </a:p>
           <a:p>
             <a:pPr lvl="2"/>
             <a:r>
-              <a:rPr lang="en-US" smtClean="0"/>
+              <a:rPr lang="en-US"/>
               <a:t>Third level</a:t>
             </a:r>
           </a:p>
           <a:p>
             <a:pPr lvl="3"/>
             <a:r>
-              <a:rPr lang="en-US" smtClean="0"/>
+              <a:rPr lang="en-US"/>
               <a:t>Fourth level</a:t>
             </a:r>
           </a:p>
           <a:p>
             <a:pPr lvl="4"/>
             <a:r>
-              <a:rPr lang="en-US" smtClean="0"/>
+              <a:rPr lang="en-US"/>
               <a:t>Fifth level</a:t>
             </a:r>
             <a:endParaRPr lang="en-CA"/>
@@ -1248,7 +1225,7 @@
             <a:fld id="{C8FAFCA8-D331-5045-8DFF-65F34F24F754}" type="datetime1">
               <a:rPr lang="en-US" smtClean="0"/>
               <a:pPr/>
-              <a:t>3/18/2019</a:t>
+              <a:t>7/19/2019</a:t>
             </a:fld>
             <a:endParaRPr lang="en-US"/>
           </a:p>
@@ -1270,10 +1247,9 @@
           <a:lstStyle/>
           <a:p>
             <a:r>
-              <a:rPr lang="en-US" smtClean="0"/>
+              <a:rPr lang="en-US"/>
               <a:t>Chapter 6 Architectural design</a:t>
             </a:r>
-            <a:endParaRPr lang="en-US"/>
           </a:p>
         </p:txBody>
       </p:sp>
@@ -1353,7 +1329,7 @@
           </a:lstStyle>
           <a:p>
             <a:r>
-              <a:rPr lang="en-US" smtClean="0"/>
+              <a:rPr lang="en-US"/>
               <a:t>Click to edit Master title style</a:t>
             </a:r>
             <a:endParaRPr lang="en-CA"/>
@@ -1395,35 +1371,35 @@
           <a:p>
             <a:pPr lvl="0"/>
             <a:r>
-              <a:rPr lang="en-US" smtClean="0"/>
+              <a:rPr lang="en-US"/>
               <a:t>Click to edit Master text styles</a:t>
             </a:r>
           </a:p>
           <a:p>
             <a:pPr lvl="1"/>
             <a:r>
-              <a:rPr lang="en-US" smtClean="0"/>
+              <a:rPr lang="en-US"/>
               <a:t>Second level</a:t>
             </a:r>
           </a:p>
           <a:p>
             <a:pPr lvl="2"/>
             <a:r>
-              <a:rPr lang="en-US" smtClean="0"/>
+              <a:rPr lang="en-US"/>
               <a:t>Third level</a:t>
             </a:r>
           </a:p>
           <a:p>
             <a:pPr lvl="3"/>
             <a:r>
-              <a:rPr lang="en-US" smtClean="0"/>
+              <a:rPr lang="en-US"/>
               <a:t>Fourth level</a:t>
             </a:r>
           </a:p>
           <a:p>
             <a:pPr lvl="4"/>
             <a:r>
-              <a:rPr lang="en-US" smtClean="0"/>
+              <a:rPr lang="en-US"/>
               <a:t>Fifth level</a:t>
             </a:r>
             <a:endParaRPr lang="en-CA"/>
@@ -1448,7 +1424,7 @@
             <a:fld id="{5D312FD5-DDAA-944B-BEB2-DEE80D21E975}" type="datetime1">
               <a:rPr lang="en-US" smtClean="0"/>
               <a:pPr/>
-              <a:t>3/18/2019</a:t>
+              <a:t>7/19/2019</a:t>
             </a:fld>
             <a:endParaRPr lang="en-US"/>
           </a:p>
@@ -1470,10 +1446,9 @@
           <a:lstStyle/>
           <a:p>
             <a:r>
-              <a:rPr lang="en-US" smtClean="0"/>
+              <a:rPr lang="en-US"/>
               <a:t>Chapter 6 Architectural design</a:t>
             </a:r>
-            <a:endParaRPr lang="en-US"/>
           </a:p>
         </p:txBody>
       </p:sp>
@@ -1556,7 +1531,7 @@
           </a:lstStyle>
           <a:p>
             <a:r>
-              <a:rPr lang="en-US" smtClean="0"/>
+              <a:rPr lang="en-US"/>
               <a:t>Click to edit Master title style</a:t>
             </a:r>
             <a:endParaRPr lang="en-CA"/>
@@ -1676,7 +1651,7 @@
           <a:p>
             <a:pPr lvl="0"/>
             <a:r>
-              <a:rPr lang="en-US" smtClean="0"/>
+              <a:rPr lang="en-US"/>
               <a:t>Click to edit Master text styles</a:t>
             </a:r>
           </a:p>
@@ -1700,7 +1675,7 @@
             <a:fld id="{D8B89362-A6FE-B648-87DF-A4175DAA694E}" type="datetime1">
               <a:rPr lang="en-US" smtClean="0"/>
               <a:pPr/>
-              <a:t>3/18/2019</a:t>
+              <a:t>7/19/2019</a:t>
             </a:fld>
             <a:endParaRPr lang="en-US"/>
           </a:p>
@@ -1722,10 +1697,9 @@
           <a:lstStyle/>
           <a:p>
             <a:r>
-              <a:rPr lang="en-US" smtClean="0"/>
+              <a:rPr lang="en-US"/>
               <a:t>Chapter 6 Architectural design</a:t>
             </a:r>
-            <a:endParaRPr lang="en-US"/>
           </a:p>
         </p:txBody>
       </p:sp>
@@ -1799,7 +1773,7 @@
           <a:lstStyle/>
           <a:p>
             <a:r>
-              <a:rPr lang="en-US" smtClean="0"/>
+              <a:rPr lang="en-US"/>
               <a:t>Click to edit Master title style</a:t>
             </a:r>
             <a:endParaRPr lang="en-CA"/>
@@ -1856,35 +1830,35 @@
           <a:p>
             <a:pPr lvl="0"/>
             <a:r>
-              <a:rPr lang="en-US" smtClean="0"/>
+              <a:rPr lang="en-US"/>
               <a:t>Click to edit Master text styles</a:t>
             </a:r>
           </a:p>
           <a:p>
             <a:pPr lvl="1"/>
             <a:r>
-              <a:rPr lang="en-US" smtClean="0"/>
+              <a:rPr lang="en-US"/>
               <a:t>Second level</a:t>
             </a:r>
           </a:p>
           <a:p>
             <a:pPr lvl="2"/>
             <a:r>
-              <a:rPr lang="en-US" smtClean="0"/>
+              <a:rPr lang="en-US"/>
               <a:t>Third level</a:t>
             </a:r>
           </a:p>
           <a:p>
             <a:pPr lvl="3"/>
             <a:r>
-              <a:rPr lang="en-US" smtClean="0"/>
+              <a:rPr lang="en-US"/>
               <a:t>Fourth level</a:t>
             </a:r>
           </a:p>
           <a:p>
             <a:pPr lvl="4"/>
             <a:r>
-              <a:rPr lang="en-US" smtClean="0"/>
+              <a:rPr lang="en-US"/>
               <a:t>Fifth level</a:t>
             </a:r>
             <a:endParaRPr lang="en-CA"/>
@@ -1941,35 +1915,35 @@
           <a:p>
             <a:pPr lvl="0"/>
             <a:r>
-              <a:rPr lang="en-US" smtClean="0"/>
+              <a:rPr lang="en-US"/>
               <a:t>Click to edit Master text styles</a:t>
             </a:r>
           </a:p>
           <a:p>
             <a:pPr lvl="1"/>
             <a:r>
-              <a:rPr lang="en-US" smtClean="0"/>
+              <a:rPr lang="en-US"/>
               <a:t>Second level</a:t>
             </a:r>
           </a:p>
           <a:p>
             <a:pPr lvl="2"/>
             <a:r>
-              <a:rPr lang="en-US" smtClean="0"/>
+              <a:rPr lang="en-US"/>
               <a:t>Third level</a:t>
             </a:r>
           </a:p>
           <a:p>
             <a:pPr lvl="3"/>
             <a:r>
-              <a:rPr lang="en-US" smtClean="0"/>
+              <a:rPr lang="en-US"/>
               <a:t>Fourth level</a:t>
             </a:r>
           </a:p>
           <a:p>
             <a:pPr lvl="4"/>
             <a:r>
-              <a:rPr lang="en-US" smtClean="0"/>
+              <a:rPr lang="en-US"/>
               <a:t>Fifth level</a:t>
             </a:r>
             <a:endParaRPr lang="en-CA"/>
@@ -1994,7 +1968,7 @@
             <a:fld id="{DD663B98-6F6E-1747-A617-94472A9A1C1A}" type="datetime1">
               <a:rPr lang="en-US" smtClean="0"/>
               <a:pPr/>
-              <a:t>3/18/2019</a:t>
+              <a:t>7/19/2019</a:t>
             </a:fld>
             <a:endParaRPr lang="en-US"/>
           </a:p>
@@ -2016,10 +1990,9 @@
           <a:lstStyle/>
           <a:p>
             <a:r>
-              <a:rPr lang="en-US" smtClean="0"/>
+              <a:rPr lang="en-US"/>
               <a:t>Chapter 6 Architectural design</a:t>
             </a:r>
-            <a:endParaRPr lang="en-US"/>
           </a:p>
         </p:txBody>
       </p:sp>
@@ -2097,7 +2070,7 @@
           </a:lstStyle>
           <a:p>
             <a:r>
-              <a:rPr lang="en-US" smtClean="0"/>
+              <a:rPr lang="en-US"/>
               <a:t>Click to edit Master title style</a:t>
             </a:r>
             <a:endParaRPr lang="en-CA"/>
@@ -2163,7 +2136,7 @@
           <a:p>
             <a:pPr lvl="0"/>
             <a:r>
-              <a:rPr lang="en-US" smtClean="0"/>
+              <a:rPr lang="en-US"/>
               <a:t>Click to edit Master text styles</a:t>
             </a:r>
           </a:p>
@@ -2219,35 +2192,35 @@
           <a:p>
             <a:pPr lvl="0"/>
             <a:r>
-              <a:rPr lang="en-US" smtClean="0"/>
+              <a:rPr lang="en-US"/>
               <a:t>Click to edit Master text styles</a:t>
             </a:r>
           </a:p>
           <a:p>
             <a:pPr lvl="1"/>
             <a:r>
-              <a:rPr lang="en-US" smtClean="0"/>
+              <a:rPr lang="en-US"/>
               <a:t>Second level</a:t>
             </a:r>
           </a:p>
           <a:p>
             <a:pPr lvl="2"/>
             <a:r>
-              <a:rPr lang="en-US" smtClean="0"/>
+              <a:rPr lang="en-US"/>
               <a:t>Third level</a:t>
             </a:r>
           </a:p>
           <a:p>
             <a:pPr lvl="3"/>
             <a:r>
-              <a:rPr lang="en-US" smtClean="0"/>
+              <a:rPr lang="en-US"/>
               <a:t>Fourth level</a:t>
             </a:r>
           </a:p>
           <a:p>
             <a:pPr lvl="4"/>
             <a:r>
-              <a:rPr lang="en-US" smtClean="0"/>
+              <a:rPr lang="en-US"/>
               <a:t>Fifth level</a:t>
             </a:r>
             <a:endParaRPr lang="en-CA"/>
@@ -2313,7 +2286,7 @@
           <a:p>
             <a:pPr lvl="0"/>
             <a:r>
-              <a:rPr lang="en-US" smtClean="0"/>
+              <a:rPr lang="en-US"/>
               <a:t>Click to edit Master text styles</a:t>
             </a:r>
           </a:p>
@@ -2369,35 +2342,35 @@
           <a:p>
             <a:pPr lvl="0"/>
             <a:r>
-              <a:rPr lang="en-US" smtClean="0"/>
+              <a:rPr lang="en-US"/>
               <a:t>Click to edit Master text styles</a:t>
             </a:r>
           </a:p>
           <a:p>
             <a:pPr lvl="1"/>
             <a:r>
-              <a:rPr lang="en-US" smtClean="0"/>
+              <a:rPr lang="en-US"/>
               <a:t>Second level</a:t>
             </a:r>
           </a:p>
           <a:p>
             <a:pPr lvl="2"/>
             <a:r>
-              <a:rPr lang="en-US" smtClean="0"/>
+              <a:rPr lang="en-US"/>
               <a:t>Third level</a:t>
             </a:r>
           </a:p>
           <a:p>
             <a:pPr lvl="3"/>
             <a:r>
-              <a:rPr lang="en-US" smtClean="0"/>
+              <a:rPr lang="en-US"/>
               <a:t>Fourth level</a:t>
             </a:r>
           </a:p>
           <a:p>
             <a:pPr lvl="4"/>
             <a:r>
-              <a:rPr lang="en-US" smtClean="0"/>
+              <a:rPr lang="en-US"/>
               <a:t>Fifth level</a:t>
             </a:r>
             <a:endParaRPr lang="en-CA"/>
@@ -2422,7 +2395,7 @@
             <a:fld id="{976E1879-43D4-E643-953F-9B2E0A41F5FE}" type="datetime1">
               <a:rPr lang="en-US" smtClean="0"/>
               <a:pPr/>
-              <a:t>3/18/2019</a:t>
+              <a:t>7/19/2019</a:t>
             </a:fld>
             <a:endParaRPr lang="en-US"/>
           </a:p>
@@ -2444,10 +2417,9 @@
           <a:lstStyle/>
           <a:p>
             <a:r>
-              <a:rPr lang="en-US" smtClean="0"/>
+              <a:rPr lang="en-US"/>
               <a:t>Chapter 6 Architectural design</a:t>
             </a:r>
-            <a:endParaRPr lang="en-US"/>
           </a:p>
         </p:txBody>
       </p:sp>
@@ -2521,7 +2493,7 @@
           <a:lstStyle/>
           <a:p>
             <a:r>
-              <a:rPr lang="en-US" smtClean="0"/>
+              <a:rPr lang="en-US"/>
               <a:t>Click to edit Master title style</a:t>
             </a:r>
             <a:endParaRPr lang="en-CA"/>
@@ -2546,7 +2518,7 @@
             <a:fld id="{38F607FF-2096-B149-8341-73A9536A7A09}" type="datetime1">
               <a:rPr lang="en-US" smtClean="0"/>
               <a:pPr/>
-              <a:t>3/18/2019</a:t>
+              <a:t>7/19/2019</a:t>
             </a:fld>
             <a:endParaRPr lang="en-US"/>
           </a:p>
@@ -2568,10 +2540,9 @@
           <a:lstStyle/>
           <a:p>
             <a:r>
-              <a:rPr lang="en-US" smtClean="0"/>
+              <a:rPr lang="en-US"/>
               <a:t>Chapter 6 Architectural design</a:t>
             </a:r>
-            <a:endParaRPr lang="en-US"/>
           </a:p>
         </p:txBody>
       </p:sp>
@@ -2647,7 +2618,7 @@
             <a:fld id="{31BC4FD6-2458-FF46-8DA3-167153C6C762}" type="datetime1">
               <a:rPr lang="en-US" smtClean="0"/>
               <a:pPr/>
-              <a:t>3/18/2019</a:t>
+              <a:t>7/19/2019</a:t>
             </a:fld>
             <a:endParaRPr lang="en-US"/>
           </a:p>
@@ -2669,10 +2640,9 @@
           <a:lstStyle/>
           <a:p>
             <a:r>
-              <a:rPr lang="en-US" smtClean="0"/>
+              <a:rPr lang="en-US"/>
               <a:t>Chapter 6 Architectural design</a:t>
             </a:r>
-            <a:endParaRPr lang="en-US"/>
           </a:p>
         </p:txBody>
       </p:sp>
@@ -2755,7 +2725,7 @@
           </a:lstStyle>
           <a:p>
             <a:r>
-              <a:rPr lang="en-US" smtClean="0"/>
+              <a:rPr lang="en-US"/>
               <a:t>Click to edit Master title style</a:t>
             </a:r>
             <a:endParaRPr lang="en-CA"/>
@@ -2812,35 +2782,35 @@
           <a:p>
             <a:pPr lvl="0"/>
             <a:r>
-              <a:rPr lang="en-US" smtClean="0"/>
+              <a:rPr lang="en-US"/>
               <a:t>Click to edit Master text styles</a:t>
             </a:r>
           </a:p>
           <a:p>
             <a:pPr lvl="1"/>
             <a:r>
-              <a:rPr lang="en-US" smtClean="0"/>
+              <a:rPr lang="en-US"/>
               <a:t>Second level</a:t>
             </a:r>
           </a:p>
           <a:p>
             <a:pPr lvl="2"/>
             <a:r>
-              <a:rPr lang="en-US" smtClean="0"/>
+              <a:rPr lang="en-US"/>
               <a:t>Third level</a:t>
             </a:r>
           </a:p>
           <a:p>
             <a:pPr lvl="3"/>
             <a:r>
-              <a:rPr lang="en-US" smtClean="0"/>
+              <a:rPr lang="en-US"/>
               <a:t>Fourth level</a:t>
             </a:r>
           </a:p>
           <a:p>
             <a:pPr lvl="4"/>
             <a:r>
-              <a:rPr lang="en-US" smtClean="0"/>
+              <a:rPr lang="en-US"/>
               <a:t>Fifth level</a:t>
             </a:r>
             <a:endParaRPr lang="en-CA"/>
@@ -2906,7 +2876,7 @@
           <a:p>
             <a:pPr lvl="0"/>
             <a:r>
-              <a:rPr lang="en-US" smtClean="0"/>
+              <a:rPr lang="en-US"/>
               <a:t>Click to edit Master text styles</a:t>
             </a:r>
           </a:p>
@@ -2930,7 +2900,7 @@
             <a:fld id="{E17D1C2D-0785-1E4D-909A-8C797CA18639}" type="datetime1">
               <a:rPr lang="en-US" smtClean="0"/>
               <a:pPr/>
-              <a:t>3/18/2019</a:t>
+              <a:t>7/19/2019</a:t>
             </a:fld>
             <a:endParaRPr lang="en-US"/>
           </a:p>
@@ -2952,10 +2922,9 @@
           <a:lstStyle/>
           <a:p>
             <a:r>
-              <a:rPr lang="en-US" smtClean="0"/>
+              <a:rPr lang="en-US"/>
               <a:t>Chapter 6 Architectural design</a:t>
             </a:r>
-            <a:endParaRPr lang="en-US"/>
           </a:p>
         </p:txBody>
       </p:sp>
@@ -3038,7 +3007,7 @@
           </a:lstStyle>
           <a:p>
             <a:r>
-              <a:rPr lang="en-US" smtClean="0"/>
+              <a:rPr lang="en-US"/>
               <a:t>Click to edit Master title style</a:t>
             </a:r>
             <a:endParaRPr lang="en-CA"/>
@@ -3165,7 +3134,7 @@
           <a:p>
             <a:pPr lvl="0"/>
             <a:r>
-              <a:rPr lang="en-US" smtClean="0"/>
+              <a:rPr lang="en-US"/>
               <a:t>Click to edit Master text styles</a:t>
             </a:r>
           </a:p>
@@ -3189,7 +3158,7 @@
             <a:fld id="{D494BBA1-4CF6-384D-A728-BECE54AB728D}" type="datetime1">
               <a:rPr lang="en-US" smtClean="0"/>
               <a:pPr/>
-              <a:t>3/18/2019</a:t>
+              <a:t>7/19/2019</a:t>
             </a:fld>
             <a:endParaRPr lang="en-US"/>
           </a:p>
@@ -3211,10 +3180,9 @@
           <a:lstStyle/>
           <a:p>
             <a:r>
-              <a:rPr lang="en-US" smtClean="0"/>
+              <a:rPr lang="en-US"/>
               <a:t>Chapter 6 Architectural design</a:t>
             </a:r>
-            <a:endParaRPr lang="en-US"/>
           </a:p>
         </p:txBody>
       </p:sp>
@@ -3303,7 +3271,7 @@
           <a:lstStyle/>
           <a:p>
             <a:r>
-              <a:rPr lang="en-US" smtClean="0"/>
+              <a:rPr lang="en-US"/>
               <a:t>Click to edit Master title style</a:t>
             </a:r>
             <a:endParaRPr lang="en-CA"/>
@@ -3337,35 +3305,35 @@
           <a:p>
             <a:pPr lvl="0"/>
             <a:r>
-              <a:rPr lang="en-US" smtClean="0"/>
+              <a:rPr lang="en-US"/>
               <a:t>Click to edit Master text styles</a:t>
             </a:r>
           </a:p>
           <a:p>
             <a:pPr lvl="1"/>
             <a:r>
-              <a:rPr lang="en-US" smtClean="0"/>
+              <a:rPr lang="en-US"/>
               <a:t>Second level</a:t>
             </a:r>
           </a:p>
           <a:p>
             <a:pPr lvl="2"/>
             <a:r>
-              <a:rPr lang="en-US" smtClean="0"/>
+              <a:rPr lang="en-US"/>
               <a:t>Third level</a:t>
             </a:r>
           </a:p>
           <a:p>
             <a:pPr lvl="3"/>
             <a:r>
-              <a:rPr lang="en-US" smtClean="0"/>
+              <a:rPr lang="en-US"/>
               <a:t>Fourth level</a:t>
             </a:r>
           </a:p>
           <a:p>
             <a:pPr lvl="4"/>
             <a:r>
-              <a:rPr lang="en-US" smtClean="0"/>
+              <a:rPr lang="en-US"/>
               <a:t>Fifth level</a:t>
             </a:r>
             <a:endParaRPr lang="en-CA"/>
@@ -3408,7 +3376,7 @@
             <a:fld id="{2FDD6090-0B40-3E4E-9459-5F58D30273C3}" type="datetime1">
               <a:rPr lang="en-US" smtClean="0"/>
               <a:pPr/>
-              <a:t>3/18/2019</a:t>
+              <a:t>7/19/2019</a:t>
             </a:fld>
             <a:endParaRPr lang="en-US"/>
           </a:p>
@@ -3448,10 +3416,9 @@
           </a:lstStyle>
           <a:p>
             <a:r>
-              <a:rPr lang="en-US" smtClean="0"/>
+              <a:rPr lang="en-US"/>
               <a:t>Chapter 6 Architectural design</a:t>
             </a:r>
-            <a:endParaRPr lang="en-US"/>
           </a:p>
         </p:txBody>
       </p:sp>
@@ -3810,10 +3777,9 @@
           <a:lstStyle/>
           <a:p>
             <a:r>
-              <a:rPr lang="en-US" dirty="0" smtClean="0"/>
+              <a:rPr lang="en-US" dirty="0"/>
               <a:t>Chapter 6 – Architectural Design</a:t>
             </a:r>
-            <a:endParaRPr lang="en-US" dirty="0"/>
           </a:p>
         </p:txBody>
       </p:sp>
@@ -3833,10 +3799,9 @@
           <a:lstStyle/>
           <a:p>
             <a:r>
-              <a:rPr lang="en-US" smtClean="0"/>
+              <a:rPr lang="en-US"/>
               <a:t>Chapter 6 Architectural design</a:t>
             </a:r>
-            <a:endParaRPr lang="en-US"/>
           </a:p>
         </p:txBody>
       </p:sp>
@@ -4059,7 +4024,7 @@
               <a:defRPr/>
             </a:pPr>
             <a:r>
-              <a:rPr kumimoji="0" lang="en-US" sz="3200" b="0" i="0" u="none" strike="noStrike" kern="1200" cap="none" spc="0" normalizeH="0" baseline="0" noProof="0" dirty="0" smtClean="0">
+              <a:rPr kumimoji="0" lang="en-US" sz="3200" b="0" i="0" u="none" strike="noStrike" kern="1200" cap="none" spc="0" normalizeH="0" baseline="0" noProof="0" dirty="0">
                 <a:ln>
                   <a:noFill/>
                 </a:ln>
@@ -4097,7 +4062,7 @@
               <a:defRPr/>
             </a:pPr>
             <a:r>
-              <a:rPr kumimoji="0" lang="en-US" sz="3200" b="0" i="0" u="none" strike="noStrike" kern="1200" cap="none" spc="0" normalizeH="0" baseline="0" noProof="0" dirty="0" smtClean="0">
+              <a:rPr kumimoji="0" lang="en-US" sz="3200" b="0" i="0" u="none" strike="noStrike" kern="1200" cap="none" spc="0" normalizeH="0" baseline="0" noProof="0" dirty="0">
                 <a:ln>
                   <a:noFill/>
                 </a:ln>
@@ -4135,7 +4100,7 @@
               <a:defRPr/>
             </a:pPr>
             <a:r>
-              <a:rPr kumimoji="0" lang="en-US" sz="3200" b="0" i="0" u="none" strike="noStrike" kern="1200" cap="none" spc="0" normalizeH="0" baseline="0" noProof="0" dirty="0" smtClean="0">
+              <a:rPr kumimoji="0" lang="en-US" sz="3200" b="0" i="0" u="none" strike="noStrike" kern="1200" cap="none" spc="0" normalizeH="0" baseline="0" noProof="0" dirty="0">
                 <a:ln>
                   <a:noFill/>
                 </a:ln>
@@ -4155,7 +4120,7 @@
               <a:t>ssalqahtani@imamu.edu.sa</a:t>
             </a:r>
             <a:r>
-              <a:rPr kumimoji="0" lang="en-US" sz="3200" b="0" i="0" u="none" strike="noStrike" kern="1200" cap="none" spc="0" normalizeH="0" baseline="0" noProof="0" dirty="0" smtClean="0">
+              <a:rPr kumimoji="0" lang="en-US" sz="3200" b="0" i="0" u="none" strike="noStrike" kern="1200" cap="none" spc="0" normalizeH="0" baseline="0" noProof="0" dirty="0">
                 <a:ln>
                   <a:noFill/>
                 </a:ln>
@@ -4173,22 +4138,6 @@
               </a:rPr>
               <a:t> </a:t>
             </a:r>
-            <a:endParaRPr kumimoji="0" lang="en-US" sz="3200" b="0" i="0" u="none" strike="noStrike" kern="1200" cap="none" spc="0" normalizeH="0" baseline="0" noProof="0" dirty="0">
-              <a:ln>
-                <a:noFill/>
-              </a:ln>
-              <a:solidFill>
-                <a:sysClr val="windowText" lastClr="000000">
-                  <a:tint val="75000"/>
-                </a:sysClr>
-              </a:solidFill>
-              <a:effectLst/>
-              <a:uLnTx/>
-              <a:uFillTx/>
-              <a:latin typeface="Century Gothic"/>
-              <a:ea typeface="+mn-ea"/>
-              <a:cs typeface="+mn-cs"/>
-            </a:endParaRPr>
           </a:p>
         </p:txBody>
       </p:sp>
@@ -4231,7 +4180,7 @@
               <a:defRPr/>
             </a:pPr>
             <a:r>
-              <a:rPr kumimoji="0" lang="en-US" altLang="en-US" sz="1400" b="0" i="0" u="none" strike="noStrike" kern="0" cap="none" spc="0" normalizeH="0" baseline="0" noProof="0" dirty="0" smtClean="0">
+              <a:rPr kumimoji="0" lang="en-US" altLang="en-US" sz="1400" b="0" i="0" u="none" strike="noStrike" kern="0" cap="none" spc="0" normalizeH="0" baseline="0" noProof="0" dirty="0">
                 <a:ln>
                   <a:noFill/>
                 </a:ln>
@@ -4245,7 +4194,7 @@
               <a:t>Note: These are a slightly modified version of Ch6 slides available from the author’s site </a:t>
             </a:r>
             <a:r>
-              <a:rPr kumimoji="0" lang="en-US" altLang="en-US" sz="1400" b="0" i="0" u="none" strike="noStrike" kern="0" cap="none" spc="0" normalizeH="0" baseline="0" noProof="0" dirty="0" smtClean="0">
+              <a:rPr kumimoji="0" lang="en-US" altLang="en-US" sz="1400" b="0" i="0" u="none" strike="noStrike" kern="0" cap="none" spc="0" normalizeH="0" baseline="0" noProof="0" dirty="0">
                 <a:ln>
                   <a:noFill/>
                 </a:ln>
@@ -4259,7 +4208,7 @@
               </a:rPr>
               <a:t>http://www.cs.st-andrews.ac.uk/~ifs/Books/SE9/</a:t>
             </a:r>
-            <a:endParaRPr kumimoji="0" lang="en-US" altLang="en-US" sz="1400" b="0" i="0" u="none" strike="noStrike" kern="0" cap="none" spc="0" normalizeH="0" baseline="0" noProof="0" dirty="0" smtClean="0">
+            <a:endParaRPr kumimoji="0" lang="en-US" altLang="en-US" sz="1400" b="0" i="0" u="none" strike="noStrike" kern="0" cap="none" spc="0" normalizeH="0" baseline="0" noProof="0" dirty="0">
               <a:ln>
                 <a:noFill/>
               </a:ln>
@@ -4278,13 +4227,6 @@
   <p:clrMapOvr>
     <a:masterClrMapping/>
   </p:clrMapOvr>
-  <p:timing>
-    <p:tnLst>
-      <p:par>
-        <p:cTn id="1" dur="indefinite" restart="never" nodeType="tmRoot"/>
-      </p:par>
-    </p:tnLst>
-  </p:timing>
 </p:sld>
 </file>
 
@@ -4317,22 +4259,102 @@
         </p:nvSpPr>
         <p:spPr/>
         <p:txBody>
+          <a:bodyPr/>
+          <a:lstStyle/>
+          <a:p>
+            <a:r>
+              <a:rPr lang="en-US" dirty="0"/>
+              <a:t>Architectural patterns</a:t>
+            </a:r>
+            <a:endParaRPr lang="en-CA" dirty="0"/>
+          </a:p>
+        </p:txBody>
+      </p:sp>
+      <p:sp>
+        <p:nvSpPr>
+          <p:cNvPr id="3" name="Content Placeholder 2"/>
+          <p:cNvSpPr>
+            <a:spLocks noGrp="1"/>
+          </p:cNvSpPr>
+          <p:nvPr>
+            <p:ph idx="1"/>
+          </p:nvPr>
+        </p:nvSpPr>
+        <p:spPr/>
+        <p:txBody>
           <a:bodyPr>
-            <a:normAutofit fontScale="90000"/>
+            <a:normAutofit fontScale="85000" lnSpcReduction="20000"/>
           </a:bodyPr>
           <a:lstStyle/>
           <a:p>
-            <a:r>
-              <a:rPr lang="en-US" dirty="0" smtClean="0"/>
-              <a:t>The architecture of a packing robot control system</a:t>
-            </a:r>
-            <a:endParaRPr lang="en-US" dirty="0"/>
-          </a:p>
-        </p:txBody>
-      </p:sp>
-      <p:sp>
-        <p:nvSpPr>
-          <p:cNvPr id="5" name="Footer Placeholder 4"/>
+            <a:pPr marL="742950" indent="-742950">
+              <a:buFont typeface="+mj-lt"/>
+              <a:buAutoNum type="arabicPeriod"/>
+            </a:pPr>
+            <a:r>
+              <a:rPr lang="en-CA" dirty="0"/>
+              <a:t>The Model-View-Control (MVC) pattern</a:t>
+            </a:r>
+          </a:p>
+          <a:p>
+            <a:pPr marL="742950" indent="-742950">
+              <a:buFont typeface="+mj-lt"/>
+              <a:buAutoNum type="arabicPeriod"/>
+            </a:pPr>
+            <a:r>
+              <a:rPr lang="en-CA" dirty="0"/>
+              <a:t>Layered architecture pattern</a:t>
+            </a:r>
+          </a:p>
+          <a:p>
+            <a:pPr marL="742950" indent="-742950">
+              <a:buFont typeface="+mj-lt"/>
+              <a:buAutoNum type="arabicPeriod"/>
+            </a:pPr>
+            <a:r>
+              <a:rPr lang="en-CA" dirty="0"/>
+              <a:t>Repository architecture pattern</a:t>
+            </a:r>
+          </a:p>
+          <a:p>
+            <a:pPr marL="742950" indent="-742950">
+              <a:buFont typeface="+mj-lt"/>
+              <a:buAutoNum type="arabicPeriod"/>
+            </a:pPr>
+            <a:r>
+              <a:rPr lang="en-CA" dirty="0"/>
+              <a:t>Client-Server architecture pattern</a:t>
+            </a:r>
+          </a:p>
+          <a:p>
+            <a:pPr marL="742950" indent="-742950">
+              <a:buFont typeface="+mj-lt"/>
+              <a:buAutoNum type="arabicPeriod"/>
+            </a:pPr>
+            <a:r>
+              <a:rPr lang="en-CA" dirty="0"/>
+              <a:t>Pipe and filter architecture pattern</a:t>
+            </a:r>
+          </a:p>
+          <a:p>
+            <a:pPr marL="742950" indent="-742950">
+              <a:buFont typeface="+mj-lt"/>
+              <a:buAutoNum type="arabicPeriod"/>
+            </a:pPr>
+            <a:endParaRPr lang="en-CA" dirty="0"/>
+          </a:p>
+          <a:p>
+            <a:pPr marL="742950" indent="-742950">
+              <a:buFont typeface="+mj-lt"/>
+              <a:buAutoNum type="arabicPeriod"/>
+            </a:pPr>
+            <a:endParaRPr lang="en-CA" dirty="0"/>
+          </a:p>
+        </p:txBody>
+      </p:sp>
+      <p:sp>
+        <p:nvSpPr>
+          <p:cNvPr id="4" name="Footer Placeholder 3"/>
           <p:cNvSpPr>
             <a:spLocks noGrp="1"/>
           </p:cNvSpPr>
@@ -4346,16 +4368,15 @@
           <a:lstStyle/>
           <a:p>
             <a:r>
-              <a:rPr lang="en-US" smtClean="0"/>
+              <a:rPr lang="en-US"/>
               <a:t>Chapter 6 Architectural design</a:t>
             </a:r>
-            <a:endParaRPr lang="en-US"/>
-          </a:p>
-        </p:txBody>
-      </p:sp>
-      <p:sp>
-        <p:nvSpPr>
-          <p:cNvPr id="4" name="Slide Number Placeholder 3"/>
+          </a:p>
+        </p:txBody>
+      </p:sp>
+      <p:sp>
+        <p:nvSpPr>
+          <p:cNvPr id="5" name="Slide Number Placeholder 4"/>
           <p:cNvSpPr>
             <a:spLocks noGrp="1"/>
           </p:cNvSpPr>
@@ -4377,59 +4398,16 @@
           </a:p>
         </p:txBody>
       </p:sp>
-      <p:pic>
-        <p:nvPicPr>
-          <p:cNvPr id="1026" name="Picture 2" descr="Image result for The architecture of a packing robot control system"/>
-          <p:cNvPicPr>
-            <a:picLocks noChangeAspect="1" noChangeArrowheads="1"/>
-          </p:cNvPicPr>
-          <p:nvPr/>
-        </p:nvPicPr>
-        <p:blipFill>
-          <a:blip r:embed="rId2">
-            <a:extLst>
-              <a:ext uri="{28A0092B-C50C-407E-A947-70E740481C1C}">
-                <a14:useLocalDpi xmlns:a14="http://schemas.microsoft.com/office/drawing/2010/main" val="0"/>
-              </a:ext>
-            </a:extLst>
-          </a:blip>
-          <a:srcRect/>
-          <a:stretch>
-            <a:fillRect/>
-          </a:stretch>
-        </p:blipFill>
-        <p:spPr bwMode="auto">
-          <a:xfrm>
-            <a:off x="1876425" y="1769745"/>
-            <a:ext cx="4970145" cy="4490269"/>
-          </a:xfrm>
-          <a:prstGeom prst="rect">
-            <a:avLst/>
-          </a:prstGeom>
-          <a:noFill/>
-          <a:extLst>
-            <a:ext uri="{909E8E84-426E-40DD-AFC4-6F175D3DCCD1}">
-              <a14:hiddenFill xmlns:a14="http://schemas.microsoft.com/office/drawing/2010/main">
-                <a:solidFill>
-                  <a:srgbClr val="FFFFFF"/>
-                </a:solidFill>
-              </a14:hiddenFill>
-            </a:ext>
-          </a:extLst>
-        </p:spPr>
-      </p:pic>
     </p:spTree>
+    <p:extLst>
+      <p:ext uri="{BB962C8B-B14F-4D97-AF65-F5344CB8AC3E}">
+        <p14:creationId xmlns:p14="http://schemas.microsoft.com/office/powerpoint/2010/main" val="1043852357"/>
+      </p:ext>
+    </p:extLst>
   </p:cSld>
   <p:clrMapOvr>
     <a:masterClrMapping/>
   </p:clrMapOvr>
-  <p:timing>
-    <p:tnLst>
-      <p:par>
-        <p:cTn id="1" dur="indefinite" restart="never" nodeType="tmRoot"/>
-      </p:par>
-    </p:tnLst>
-  </p:timing>
 </p:sld>
 </file>
 
@@ -4452,9 +4430,9 @@
       </p:grpSpPr>
       <p:sp>
         <p:nvSpPr>
-          <p:cNvPr id="45058" name="Rectangle 2"/>
-          <p:cNvSpPr>
-            <a:spLocks noGrp="1" noChangeArrowheads="1"/>
+          <p:cNvPr id="2" name="Title 1"/>
+          <p:cNvSpPr>
+            <a:spLocks noGrp="1"/>
           </p:cNvSpPr>
           <p:nvPr>
             <p:ph type="title"/>
@@ -4468,1358 +4446,11 @@
           <a:lstStyle/>
           <a:p>
             <a:r>
+              <a:rPr lang="en-US" dirty="0"/>
+              <a:t>The Model-View-Controller (MVC) pattern</a:t>
+            </a:r>
+            <a:r>
               <a:rPr lang="en-GB" dirty="0"/>
-              <a:t>Advantages of explicit architecture</a:t>
-            </a:r>
-          </a:p>
-        </p:txBody>
-      </p:sp>
-      <p:sp>
-        <p:nvSpPr>
-          <p:cNvPr id="45059" name="Rectangle 3"/>
-          <p:cNvSpPr>
-            <a:spLocks noGrp="1" noChangeArrowheads="1"/>
-          </p:cNvSpPr>
-          <p:nvPr>
-            <p:ph idx="1"/>
-          </p:nvPr>
-        </p:nvSpPr>
-        <p:spPr/>
-        <p:txBody>
-          <a:bodyPr>
-            <a:normAutofit fontScale="70000" lnSpcReduction="20000"/>
-          </a:bodyPr>
-          <a:lstStyle/>
-          <a:p>
-            <a:pPr>
-              <a:lnSpc>
-                <a:spcPct val="90000"/>
-              </a:lnSpc>
-            </a:pPr>
-            <a:r>
-              <a:rPr lang="en-GB" b="1" dirty="0"/>
-              <a:t>Stakeholder communication</a:t>
-            </a:r>
-          </a:p>
-          <a:p>
-            <a:pPr lvl="1">
-              <a:lnSpc>
-                <a:spcPct val="90000"/>
-              </a:lnSpc>
-            </a:pPr>
-            <a:r>
-              <a:rPr lang="en-GB" dirty="0"/>
-              <a:t>Architecture may be used as a focus of discussion by system stakeholders.</a:t>
-            </a:r>
-          </a:p>
-          <a:p>
-            <a:pPr>
-              <a:lnSpc>
-                <a:spcPct val="90000"/>
-              </a:lnSpc>
-            </a:pPr>
-            <a:r>
-              <a:rPr lang="en-GB" b="1" dirty="0"/>
-              <a:t>System analysis</a:t>
-            </a:r>
-          </a:p>
-          <a:p>
-            <a:pPr lvl="1">
-              <a:lnSpc>
-                <a:spcPct val="90000"/>
-              </a:lnSpc>
-            </a:pPr>
-            <a:r>
-              <a:rPr lang="en-GB" dirty="0"/>
-              <a:t>Means that analysis of whether the system can meet its non-functional requirements is possible.</a:t>
-            </a:r>
-          </a:p>
-          <a:p>
-            <a:pPr>
-              <a:lnSpc>
-                <a:spcPct val="90000"/>
-              </a:lnSpc>
-            </a:pPr>
-            <a:r>
-              <a:rPr lang="en-GB" b="1" dirty="0"/>
-              <a:t>Large-scale reuse</a:t>
-            </a:r>
-          </a:p>
-          <a:p>
-            <a:pPr lvl="1">
-              <a:lnSpc>
-                <a:spcPct val="90000"/>
-              </a:lnSpc>
-            </a:pPr>
-            <a:r>
-              <a:rPr lang="en-GB" dirty="0"/>
-              <a:t>The architecture may be reusable across a range of </a:t>
-            </a:r>
-            <a:r>
-              <a:rPr lang="en-GB" dirty="0" smtClean="0"/>
-              <a:t>systems</a:t>
-            </a:r>
-          </a:p>
-          <a:p>
-            <a:pPr lvl="1">
-              <a:lnSpc>
-                <a:spcPct val="90000"/>
-              </a:lnSpc>
-            </a:pPr>
-            <a:r>
-              <a:rPr lang="en-GB" dirty="0" smtClean="0"/>
-              <a:t>Product-line architectures may be developed.</a:t>
-            </a:r>
-            <a:endParaRPr lang="en-GB" dirty="0"/>
-          </a:p>
-        </p:txBody>
-      </p:sp>
-      <p:sp>
-        <p:nvSpPr>
-          <p:cNvPr id="5" name="Footer Placeholder 4"/>
-          <p:cNvSpPr>
-            <a:spLocks noGrp="1"/>
-          </p:cNvSpPr>
-          <p:nvPr>
-            <p:ph type="ftr" sz="quarter" idx="11"/>
-          </p:nvPr>
-        </p:nvSpPr>
-        <p:spPr/>
-        <p:txBody>
-          <a:bodyPr/>
-          <a:lstStyle/>
-          <a:p>
-            <a:r>
-              <a:rPr lang="en-US" smtClean="0"/>
-              <a:t>Chapter 6 Architectural design</a:t>
-            </a:r>
-            <a:endParaRPr lang="en-US"/>
-          </a:p>
-        </p:txBody>
-      </p:sp>
-      <p:sp>
-        <p:nvSpPr>
-          <p:cNvPr id="4" name="Slide Number Placeholder 3"/>
-          <p:cNvSpPr>
-            <a:spLocks noGrp="1"/>
-          </p:cNvSpPr>
-          <p:nvPr>
-            <p:ph type="sldNum" sz="quarter" idx="12"/>
-          </p:nvPr>
-        </p:nvSpPr>
-        <p:spPr/>
-        <p:txBody>
-          <a:bodyPr/>
-          <a:lstStyle/>
-          <a:p>
-            <a:fld id="{EC33B370-F672-B743-B3AF-248A63C17270}" type="slidenum">
-              <a:rPr lang="en-US" smtClean="0"/>
-              <a:pPr/>
-              <a:t>11</a:t>
-            </a:fld>
-            <a:endParaRPr lang="en-US"/>
-          </a:p>
-        </p:txBody>
-      </p:sp>
-    </p:spTree>
-  </p:cSld>
-  <p:clrMapOvr>
-    <a:masterClrMapping/>
-  </p:clrMapOvr>
-  <p:timing>
-    <p:tnLst>
-      <p:par>
-        <p:cTn id="1" dur="indefinite" restart="never" nodeType="tmRoot"/>
-      </p:par>
-    </p:tnLst>
-  </p:timing>
-</p:sld>
-</file>
-
-<file path=ppt/slides/slide12.xml><?xml version="1.0" encoding="utf-8"?>
-<p:sld xmlns:a="http://schemas.openxmlformats.org/drawingml/2006/main" xmlns:r="http://schemas.openxmlformats.org/officeDocument/2006/relationships" xmlns:p="http://schemas.openxmlformats.org/presentationml/2006/main">
-  <p:cSld>
-    <p:spTree>
-      <p:nvGrpSpPr>
-        <p:cNvPr id="1" name=""/>
-        <p:cNvGrpSpPr/>
-        <p:nvPr/>
-      </p:nvGrpSpPr>
-      <p:grpSpPr>
-        <a:xfrm>
-          <a:off x="0" y="0"/>
-          <a:ext cx="0" cy="0"/>
-          <a:chOff x="0" y="0"/>
-          <a:chExt cx="0" cy="0"/>
-        </a:xfrm>
-      </p:grpSpPr>
-      <p:sp>
-        <p:nvSpPr>
-          <p:cNvPr id="58370" name="Rectangle 2"/>
-          <p:cNvSpPr>
-            <a:spLocks noGrp="1" noChangeArrowheads="1"/>
-          </p:cNvSpPr>
-          <p:nvPr>
-            <p:ph type="title"/>
-          </p:nvPr>
-        </p:nvSpPr>
-        <p:spPr/>
-        <p:txBody>
-          <a:bodyPr>
-            <a:normAutofit fontScale="90000"/>
-          </a:bodyPr>
-          <a:lstStyle/>
-          <a:p>
-            <a:r>
-              <a:rPr lang="en-US"/>
-              <a:t>Architectural design decisions</a:t>
-            </a:r>
-          </a:p>
-        </p:txBody>
-      </p:sp>
-      <p:sp>
-        <p:nvSpPr>
-          <p:cNvPr id="58371" name="Rectangle 3"/>
-          <p:cNvSpPr>
-            <a:spLocks noGrp="1" noChangeArrowheads="1"/>
-          </p:cNvSpPr>
-          <p:nvPr>
-            <p:ph idx="1"/>
-          </p:nvPr>
-        </p:nvSpPr>
-        <p:spPr/>
-        <p:txBody>
-          <a:bodyPr>
-            <a:normAutofit fontScale="85000" lnSpcReduction="20000"/>
-          </a:bodyPr>
-          <a:lstStyle/>
-          <a:p>
-            <a:r>
-              <a:rPr lang="en-US" dirty="0"/>
-              <a:t>Architectural design is a creative process so the process differs depending on the type of system being developed.</a:t>
-            </a:r>
-          </a:p>
-          <a:p>
-            <a:r>
-              <a:rPr lang="en-US" dirty="0"/>
-              <a:t>However, a number of common decisions span all design </a:t>
-            </a:r>
-            <a:r>
-              <a:rPr lang="en-US" dirty="0" smtClean="0"/>
-              <a:t>processes and these decisions </a:t>
-            </a:r>
-            <a:r>
-              <a:rPr lang="en-US" b="1" dirty="0" smtClean="0">
-                <a:solidFill>
-                  <a:srgbClr val="FF0000"/>
-                </a:solidFill>
-              </a:rPr>
-              <a:t>affect the non-functional characteristics </a:t>
-            </a:r>
-            <a:r>
-              <a:rPr lang="en-US" dirty="0" smtClean="0"/>
-              <a:t>of the system.</a:t>
-            </a:r>
-            <a:endParaRPr lang="en-US" dirty="0"/>
-          </a:p>
-        </p:txBody>
-      </p:sp>
-      <p:sp>
-        <p:nvSpPr>
-          <p:cNvPr id="5" name="Footer Placeholder 4"/>
-          <p:cNvSpPr>
-            <a:spLocks noGrp="1"/>
-          </p:cNvSpPr>
-          <p:nvPr>
-            <p:ph type="ftr" sz="quarter" idx="11"/>
-          </p:nvPr>
-        </p:nvSpPr>
-        <p:spPr/>
-        <p:txBody>
-          <a:bodyPr/>
-          <a:lstStyle/>
-          <a:p>
-            <a:r>
-              <a:rPr lang="en-US" smtClean="0"/>
-              <a:t>Chapter 6 Architectural design</a:t>
-            </a:r>
-            <a:endParaRPr lang="en-US"/>
-          </a:p>
-        </p:txBody>
-      </p:sp>
-      <p:sp>
-        <p:nvSpPr>
-          <p:cNvPr id="4" name="Slide Number Placeholder 3"/>
-          <p:cNvSpPr>
-            <a:spLocks noGrp="1"/>
-          </p:cNvSpPr>
-          <p:nvPr>
-            <p:ph type="sldNum" sz="quarter" idx="12"/>
-          </p:nvPr>
-        </p:nvSpPr>
-        <p:spPr/>
-        <p:txBody>
-          <a:bodyPr/>
-          <a:lstStyle/>
-          <a:p>
-            <a:fld id="{EC33B370-F672-B743-B3AF-248A63C17270}" type="slidenum">
-              <a:rPr lang="en-US" smtClean="0"/>
-              <a:pPr/>
-              <a:t>12</a:t>
-            </a:fld>
-            <a:endParaRPr lang="en-US"/>
-          </a:p>
-        </p:txBody>
-      </p:sp>
-    </p:spTree>
-  </p:cSld>
-  <p:clrMapOvr>
-    <a:masterClrMapping/>
-  </p:clrMapOvr>
-  <p:timing>
-    <p:tnLst>
-      <p:par>
-        <p:cTn id="1" dur="indefinite" restart="never" nodeType="tmRoot"/>
-      </p:par>
-    </p:tnLst>
-  </p:timing>
-</p:sld>
-</file>
-
-<file path=ppt/slides/slide13.xml><?xml version="1.0" encoding="utf-8"?>
-<p:sld xmlns:a="http://schemas.openxmlformats.org/drawingml/2006/main" xmlns:r="http://schemas.openxmlformats.org/officeDocument/2006/relationships" xmlns:p="http://schemas.openxmlformats.org/presentationml/2006/main">
-  <p:cSld>
-    <p:spTree>
-      <p:nvGrpSpPr>
-        <p:cNvPr id="1" name=""/>
-        <p:cNvGrpSpPr/>
-        <p:nvPr/>
-      </p:nvGrpSpPr>
-      <p:grpSpPr>
-        <a:xfrm>
-          <a:off x="0" y="0"/>
-          <a:ext cx="0" cy="0"/>
-          <a:chOff x="0" y="0"/>
-          <a:chExt cx="0" cy="0"/>
-        </a:xfrm>
-      </p:grpSpPr>
-      <p:sp>
-        <p:nvSpPr>
-          <p:cNvPr id="59394" name="Rectangle 2"/>
-          <p:cNvSpPr>
-            <a:spLocks noGrp="1" noChangeArrowheads="1"/>
-          </p:cNvSpPr>
-          <p:nvPr>
-            <p:ph type="title"/>
-          </p:nvPr>
-        </p:nvSpPr>
-        <p:spPr/>
-        <p:txBody>
-          <a:bodyPr>
-            <a:normAutofit fontScale="90000"/>
-          </a:bodyPr>
-          <a:lstStyle/>
-          <a:p>
-            <a:r>
-              <a:rPr lang="en-US"/>
-              <a:t>Architectural design decisions</a:t>
-            </a:r>
-          </a:p>
-        </p:txBody>
-      </p:sp>
-      <p:sp>
-        <p:nvSpPr>
-          <p:cNvPr id="59395" name="Rectangle 3"/>
-          <p:cNvSpPr>
-            <a:spLocks noGrp="1" noChangeArrowheads="1"/>
-          </p:cNvSpPr>
-          <p:nvPr>
-            <p:ph idx="1"/>
-          </p:nvPr>
-        </p:nvSpPr>
-        <p:spPr/>
-        <p:txBody>
-          <a:bodyPr/>
-          <a:lstStyle/>
-          <a:p>
-            <a:r>
-              <a:rPr lang="en-US" sz="2400" dirty="0"/>
-              <a:t>Is there a generic application architecture that can be used?</a:t>
-            </a:r>
-          </a:p>
-          <a:p>
-            <a:r>
-              <a:rPr lang="en-US" sz="2400" dirty="0"/>
-              <a:t>How will the system be distributed?</a:t>
-            </a:r>
-          </a:p>
-          <a:p>
-            <a:r>
-              <a:rPr lang="en-US" sz="2400" dirty="0"/>
-              <a:t>What architectural styles are appropriate?</a:t>
-            </a:r>
-          </a:p>
-          <a:p>
-            <a:r>
-              <a:rPr lang="en-US" sz="2400" dirty="0"/>
-              <a:t>What approach will be used to structure the system?</a:t>
-            </a:r>
-          </a:p>
-          <a:p>
-            <a:r>
-              <a:rPr lang="en-US" sz="2400" dirty="0"/>
-              <a:t>How will the system be decomposed into modules?</a:t>
-            </a:r>
-          </a:p>
-          <a:p>
-            <a:r>
-              <a:rPr lang="en-US" sz="2400" dirty="0"/>
-              <a:t>What control strategy should be used?</a:t>
-            </a:r>
-          </a:p>
-          <a:p>
-            <a:r>
-              <a:rPr lang="en-US" sz="2400" dirty="0"/>
-              <a:t>How will the architectural design be evaluated?</a:t>
-            </a:r>
-          </a:p>
-          <a:p>
-            <a:r>
-              <a:rPr lang="en-US" sz="2400" dirty="0"/>
-              <a:t>How should the architecture be documented?</a:t>
-            </a:r>
-          </a:p>
-        </p:txBody>
-      </p:sp>
-      <p:sp>
-        <p:nvSpPr>
-          <p:cNvPr id="5" name="Footer Placeholder 4"/>
-          <p:cNvSpPr>
-            <a:spLocks noGrp="1"/>
-          </p:cNvSpPr>
-          <p:nvPr>
-            <p:ph type="ftr" sz="quarter" idx="11"/>
-          </p:nvPr>
-        </p:nvSpPr>
-        <p:spPr/>
-        <p:txBody>
-          <a:bodyPr/>
-          <a:lstStyle/>
-          <a:p>
-            <a:r>
-              <a:rPr lang="en-US" smtClean="0"/>
-              <a:t>Chapter 6 Architectural design</a:t>
-            </a:r>
-            <a:endParaRPr lang="en-US"/>
-          </a:p>
-        </p:txBody>
-      </p:sp>
-      <p:sp>
-        <p:nvSpPr>
-          <p:cNvPr id="4" name="Slide Number Placeholder 3"/>
-          <p:cNvSpPr>
-            <a:spLocks noGrp="1"/>
-          </p:cNvSpPr>
-          <p:nvPr>
-            <p:ph type="sldNum" sz="quarter" idx="12"/>
-          </p:nvPr>
-        </p:nvSpPr>
-        <p:spPr/>
-        <p:txBody>
-          <a:bodyPr/>
-          <a:lstStyle/>
-          <a:p>
-            <a:fld id="{EC33B370-F672-B743-B3AF-248A63C17270}" type="slidenum">
-              <a:rPr lang="en-US" smtClean="0"/>
-              <a:pPr/>
-              <a:t>13</a:t>
-            </a:fld>
-            <a:endParaRPr lang="en-US"/>
-          </a:p>
-        </p:txBody>
-      </p:sp>
-    </p:spTree>
-  </p:cSld>
-  <p:clrMapOvr>
-    <a:masterClrMapping/>
-  </p:clrMapOvr>
-  <p:timing>
-    <p:tnLst>
-      <p:par>
-        <p:cTn id="1" dur="indefinite" restart="never" nodeType="tmRoot"/>
-      </p:par>
-    </p:tnLst>
-  </p:timing>
-</p:sld>
-</file>
-
-<file path=ppt/slides/slide14.xml><?xml version="1.0" encoding="utf-8"?>
-<p:sld xmlns:a="http://schemas.openxmlformats.org/drawingml/2006/main" xmlns:r="http://schemas.openxmlformats.org/officeDocument/2006/relationships" xmlns:p="http://schemas.openxmlformats.org/presentationml/2006/main">
-  <p:cSld>
-    <p:spTree>
-      <p:nvGrpSpPr>
-        <p:cNvPr id="1" name=""/>
-        <p:cNvGrpSpPr/>
-        <p:nvPr/>
-      </p:nvGrpSpPr>
-      <p:grpSpPr>
-        <a:xfrm>
-          <a:off x="0" y="0"/>
-          <a:ext cx="0" cy="0"/>
-          <a:chOff x="0" y="0"/>
-          <a:chExt cx="0" cy="0"/>
-        </a:xfrm>
-      </p:grpSpPr>
-      <p:sp>
-        <p:nvSpPr>
-          <p:cNvPr id="2" name="Title 1"/>
-          <p:cNvSpPr>
-            <a:spLocks noGrp="1"/>
-          </p:cNvSpPr>
-          <p:nvPr>
-            <p:ph type="title"/>
-          </p:nvPr>
-        </p:nvSpPr>
-        <p:spPr/>
-        <p:txBody>
-          <a:bodyPr/>
-          <a:lstStyle/>
-          <a:p>
-            <a:r>
-              <a:rPr lang="en-US" dirty="0" smtClean="0"/>
-              <a:t>Architectural views</a:t>
-            </a:r>
-            <a:endParaRPr lang="en-US" dirty="0"/>
-          </a:p>
-        </p:txBody>
-      </p:sp>
-      <p:sp>
-        <p:nvSpPr>
-          <p:cNvPr id="3" name="Content Placeholder 2"/>
-          <p:cNvSpPr>
-            <a:spLocks noGrp="1"/>
-          </p:cNvSpPr>
-          <p:nvPr>
-            <p:ph idx="1"/>
-          </p:nvPr>
-        </p:nvSpPr>
-        <p:spPr/>
-        <p:txBody>
-          <a:bodyPr>
-            <a:normAutofit fontScale="55000" lnSpcReduction="20000"/>
-          </a:bodyPr>
-          <a:lstStyle/>
-          <a:p>
-            <a:r>
-              <a:rPr lang="en-US" dirty="0" smtClean="0"/>
-              <a:t>What views or perspectives are useful when designing and documenting a system’s architecture?</a:t>
-            </a:r>
-            <a:endParaRPr lang="en-GB" dirty="0" smtClean="0"/>
-          </a:p>
-          <a:p>
-            <a:r>
-              <a:rPr lang="en-US" dirty="0" smtClean="0"/>
-              <a:t>What notations should be used for describing architectural models?</a:t>
-            </a:r>
-          </a:p>
-          <a:p>
-            <a:r>
-              <a:rPr lang="en-US" dirty="0" smtClean="0"/>
-              <a:t>Each architectural model only shows one view or perspective of the system. </a:t>
-            </a:r>
-          </a:p>
-          <a:p>
-            <a:pPr lvl="1"/>
-            <a:r>
-              <a:rPr lang="en-US" dirty="0" smtClean="0"/>
-              <a:t>It might show how a system is decomposed into modules, how the run-time processes interact or the different ways in which system components are distributed across a network. For both design and documentation, you usually need to present multiple views of the software architecture.</a:t>
-            </a:r>
-            <a:r>
-              <a:rPr lang="en-GB" dirty="0" smtClean="0"/>
-              <a:t> </a:t>
-            </a:r>
-          </a:p>
-          <a:p>
-            <a:endParaRPr lang="en-US" dirty="0"/>
-          </a:p>
-        </p:txBody>
-      </p:sp>
-      <p:sp>
-        <p:nvSpPr>
-          <p:cNvPr id="5" name="Footer Placeholder 4"/>
-          <p:cNvSpPr>
-            <a:spLocks noGrp="1"/>
-          </p:cNvSpPr>
-          <p:nvPr>
-            <p:ph type="ftr" sz="quarter" idx="11"/>
-          </p:nvPr>
-        </p:nvSpPr>
-        <p:spPr/>
-        <p:txBody>
-          <a:bodyPr/>
-          <a:lstStyle/>
-          <a:p>
-            <a:r>
-              <a:rPr lang="en-US" smtClean="0"/>
-              <a:t>Chapter 6 Architectural design</a:t>
-            </a:r>
-            <a:endParaRPr lang="en-US"/>
-          </a:p>
-        </p:txBody>
-      </p:sp>
-      <p:sp>
-        <p:nvSpPr>
-          <p:cNvPr id="4" name="Slide Number Placeholder 3"/>
-          <p:cNvSpPr>
-            <a:spLocks noGrp="1"/>
-          </p:cNvSpPr>
-          <p:nvPr>
-            <p:ph type="sldNum" sz="quarter" idx="12"/>
-          </p:nvPr>
-        </p:nvSpPr>
-        <p:spPr/>
-        <p:txBody>
-          <a:bodyPr/>
-          <a:lstStyle/>
-          <a:p>
-            <a:fld id="{EC33B370-F672-B743-B3AF-248A63C17270}" type="slidenum">
-              <a:rPr lang="en-US" smtClean="0"/>
-              <a:pPr/>
-              <a:t>14</a:t>
-            </a:fld>
-            <a:endParaRPr lang="en-US"/>
-          </a:p>
-        </p:txBody>
-      </p:sp>
-    </p:spTree>
-  </p:cSld>
-  <p:clrMapOvr>
-    <a:masterClrMapping/>
-  </p:clrMapOvr>
-  <p:timing>
-    <p:tnLst>
-      <p:par>
-        <p:cTn id="1" dur="indefinite" restart="never" nodeType="tmRoot"/>
-      </p:par>
-    </p:tnLst>
-  </p:timing>
-</p:sld>
-</file>
-
-<file path=ppt/slides/slide15.xml><?xml version="1.0" encoding="utf-8"?>
-<p:sld xmlns:a="http://schemas.openxmlformats.org/drawingml/2006/main" xmlns:r="http://schemas.openxmlformats.org/officeDocument/2006/relationships" xmlns:p="http://schemas.openxmlformats.org/presentationml/2006/main">
-  <p:cSld>
-    <p:spTree>
-      <p:nvGrpSpPr>
-        <p:cNvPr id="1" name=""/>
-        <p:cNvGrpSpPr/>
-        <p:nvPr/>
-      </p:nvGrpSpPr>
-      <p:grpSpPr>
-        <a:xfrm>
-          <a:off x="0" y="0"/>
-          <a:ext cx="0" cy="0"/>
-          <a:chOff x="0" y="0"/>
-          <a:chExt cx="0" cy="0"/>
-        </a:xfrm>
-      </p:grpSpPr>
-      <p:sp>
-        <p:nvSpPr>
-          <p:cNvPr id="2" name="Title 1"/>
-          <p:cNvSpPr>
-            <a:spLocks noGrp="1"/>
-          </p:cNvSpPr>
-          <p:nvPr>
-            <p:ph type="title"/>
-          </p:nvPr>
-        </p:nvSpPr>
-        <p:spPr/>
-        <p:txBody>
-          <a:bodyPr>
-            <a:normAutofit fontScale="90000"/>
-          </a:bodyPr>
-          <a:lstStyle/>
-          <a:p>
-            <a:r>
-              <a:rPr lang="en-US" dirty="0" smtClean="0"/>
-              <a:t>4 + 1 view model of software architecture</a:t>
-            </a:r>
-            <a:endParaRPr lang="en-US" dirty="0"/>
-          </a:p>
-        </p:txBody>
-      </p:sp>
-      <p:sp>
-        <p:nvSpPr>
-          <p:cNvPr id="3" name="Content Placeholder 2"/>
-          <p:cNvSpPr>
-            <a:spLocks noGrp="1"/>
-          </p:cNvSpPr>
-          <p:nvPr>
-            <p:ph idx="1"/>
-          </p:nvPr>
-        </p:nvSpPr>
-        <p:spPr/>
-        <p:txBody>
-          <a:bodyPr>
-            <a:normAutofit fontScale="55000" lnSpcReduction="20000"/>
-          </a:bodyPr>
-          <a:lstStyle/>
-          <a:p>
-            <a:r>
-              <a:rPr lang="en-US" b="1" dirty="0" smtClean="0">
-                <a:solidFill>
-                  <a:srgbClr val="FF0000"/>
-                </a:solidFill>
-              </a:rPr>
-              <a:t>A logical view</a:t>
-            </a:r>
-            <a:r>
-              <a:rPr lang="en-US" dirty="0" smtClean="0"/>
-              <a:t>, which shows the key abstractions in the system as objects or object classes. </a:t>
-            </a:r>
-            <a:endParaRPr lang="en-GB" dirty="0" smtClean="0"/>
-          </a:p>
-          <a:p>
-            <a:r>
-              <a:rPr lang="en-US" b="1" dirty="0" smtClean="0">
-                <a:solidFill>
-                  <a:srgbClr val="FF0000"/>
-                </a:solidFill>
-              </a:rPr>
-              <a:t>A process view</a:t>
-            </a:r>
-            <a:r>
-              <a:rPr lang="en-US" dirty="0" smtClean="0">
-                <a:solidFill>
-                  <a:srgbClr val="FF0000"/>
-                </a:solidFill>
-              </a:rPr>
-              <a:t>, </a:t>
-            </a:r>
-            <a:r>
-              <a:rPr lang="en-US" dirty="0" smtClean="0"/>
-              <a:t>which shows how, at run-time, the system is composed of interacting processes. </a:t>
-            </a:r>
-            <a:endParaRPr lang="en-GB" dirty="0" smtClean="0"/>
-          </a:p>
-          <a:p>
-            <a:r>
-              <a:rPr lang="en-US" b="1" dirty="0" smtClean="0">
-                <a:solidFill>
-                  <a:srgbClr val="FF0000"/>
-                </a:solidFill>
-              </a:rPr>
-              <a:t>A development view</a:t>
-            </a:r>
-            <a:r>
-              <a:rPr lang="en-US" dirty="0" smtClean="0"/>
-              <a:t>, which shows how the software is decomposed for development.</a:t>
-            </a:r>
-            <a:endParaRPr lang="en-GB" dirty="0" smtClean="0"/>
-          </a:p>
-          <a:p>
-            <a:r>
-              <a:rPr lang="en-US" b="1" dirty="0" smtClean="0">
-                <a:solidFill>
-                  <a:srgbClr val="FF0000"/>
-                </a:solidFill>
-              </a:rPr>
-              <a:t>A physical view</a:t>
-            </a:r>
-            <a:r>
-              <a:rPr lang="en-US" b="1" dirty="0" smtClean="0"/>
-              <a:t>,</a:t>
-            </a:r>
-            <a:r>
-              <a:rPr lang="en-US" dirty="0" smtClean="0"/>
-              <a:t> which shows the system hardware and how software components are distributed across the processors in the system.</a:t>
-            </a:r>
-          </a:p>
-          <a:p>
-            <a:r>
-              <a:rPr lang="en-US" dirty="0" smtClean="0"/>
-              <a:t>Related using use cases or scenarios (+1) </a:t>
-            </a:r>
-            <a:endParaRPr lang="en-GB" dirty="0" smtClean="0"/>
-          </a:p>
-          <a:p>
-            <a:endParaRPr lang="en-US" dirty="0"/>
-          </a:p>
-        </p:txBody>
-      </p:sp>
-      <p:sp>
-        <p:nvSpPr>
-          <p:cNvPr id="5" name="Footer Placeholder 4"/>
-          <p:cNvSpPr>
-            <a:spLocks noGrp="1"/>
-          </p:cNvSpPr>
-          <p:nvPr>
-            <p:ph type="ftr" sz="quarter" idx="11"/>
-          </p:nvPr>
-        </p:nvSpPr>
-        <p:spPr/>
-        <p:txBody>
-          <a:bodyPr/>
-          <a:lstStyle/>
-          <a:p>
-            <a:r>
-              <a:rPr lang="en-US" smtClean="0"/>
-              <a:t>Chapter 6 Architectural design</a:t>
-            </a:r>
-            <a:endParaRPr lang="en-US"/>
-          </a:p>
-        </p:txBody>
-      </p:sp>
-      <p:sp>
-        <p:nvSpPr>
-          <p:cNvPr id="4" name="Slide Number Placeholder 3"/>
-          <p:cNvSpPr>
-            <a:spLocks noGrp="1"/>
-          </p:cNvSpPr>
-          <p:nvPr>
-            <p:ph type="sldNum" sz="quarter" idx="12"/>
-          </p:nvPr>
-        </p:nvSpPr>
-        <p:spPr/>
-        <p:txBody>
-          <a:bodyPr/>
-          <a:lstStyle/>
-          <a:p>
-            <a:fld id="{EC33B370-F672-B743-B3AF-248A63C17270}" type="slidenum">
-              <a:rPr lang="en-US" smtClean="0"/>
-              <a:pPr/>
-              <a:t>15</a:t>
-            </a:fld>
-            <a:endParaRPr lang="en-US"/>
-          </a:p>
-        </p:txBody>
-      </p:sp>
-    </p:spTree>
-  </p:cSld>
-  <p:clrMapOvr>
-    <a:masterClrMapping/>
-  </p:clrMapOvr>
-  <p:timing>
-    <p:tnLst>
-      <p:par>
-        <p:cTn id="1" dur="indefinite" restart="never" nodeType="tmRoot"/>
-      </p:par>
-    </p:tnLst>
-  </p:timing>
-</p:sld>
-</file>
-
-<file path=ppt/slides/slide16.xml><?xml version="1.0" encoding="utf-8"?>
-<p:sld xmlns:a="http://schemas.openxmlformats.org/drawingml/2006/main" xmlns:r="http://schemas.openxmlformats.org/officeDocument/2006/relationships" xmlns:p="http://schemas.openxmlformats.org/presentationml/2006/main">
-  <p:cSld>
-    <p:spTree>
-      <p:nvGrpSpPr>
-        <p:cNvPr id="1" name=""/>
-        <p:cNvGrpSpPr/>
-        <p:nvPr/>
-      </p:nvGrpSpPr>
-      <p:grpSpPr>
-        <a:xfrm>
-          <a:off x="0" y="0"/>
-          <a:ext cx="0" cy="0"/>
-          <a:chOff x="0" y="0"/>
-          <a:chExt cx="0" cy="0"/>
-        </a:xfrm>
-      </p:grpSpPr>
-      <p:sp>
-        <p:nvSpPr>
-          <p:cNvPr id="2" name="Title 1"/>
-          <p:cNvSpPr>
-            <a:spLocks noGrp="1"/>
-          </p:cNvSpPr>
-          <p:nvPr>
-            <p:ph type="title"/>
-          </p:nvPr>
-        </p:nvSpPr>
-        <p:spPr/>
-        <p:txBody>
-          <a:bodyPr>
-            <a:normAutofit fontScale="90000"/>
-          </a:bodyPr>
-          <a:lstStyle/>
-          <a:p>
-            <a:r>
-              <a:rPr lang="en-US" dirty="0" smtClean="0"/>
-              <a:t>4 + 1 view model of software architecture</a:t>
-            </a:r>
-            <a:endParaRPr lang="en-CA" dirty="0"/>
-          </a:p>
-        </p:txBody>
-      </p:sp>
-      <p:sp>
-        <p:nvSpPr>
-          <p:cNvPr id="4" name="Footer Placeholder 3"/>
-          <p:cNvSpPr>
-            <a:spLocks noGrp="1"/>
-          </p:cNvSpPr>
-          <p:nvPr>
-            <p:ph type="ftr" sz="quarter" idx="11"/>
-          </p:nvPr>
-        </p:nvSpPr>
-        <p:spPr/>
-        <p:txBody>
-          <a:bodyPr/>
-          <a:lstStyle/>
-          <a:p>
-            <a:r>
-              <a:rPr lang="en-US" smtClean="0"/>
-              <a:t>Chapter 6 Architectural design</a:t>
-            </a:r>
-            <a:endParaRPr lang="en-US"/>
-          </a:p>
-        </p:txBody>
-      </p:sp>
-      <p:sp>
-        <p:nvSpPr>
-          <p:cNvPr id="5" name="Slide Number Placeholder 4"/>
-          <p:cNvSpPr>
-            <a:spLocks noGrp="1"/>
-          </p:cNvSpPr>
-          <p:nvPr>
-            <p:ph type="sldNum" sz="quarter" idx="12"/>
-          </p:nvPr>
-        </p:nvSpPr>
-        <p:spPr/>
-        <p:txBody>
-          <a:bodyPr/>
-          <a:lstStyle/>
-          <a:p>
-            <a:fld id="{EC33B370-F672-B743-B3AF-248A63C17270}" type="slidenum">
-              <a:rPr lang="en-US" smtClean="0"/>
-              <a:pPr/>
-              <a:t>16</a:t>
-            </a:fld>
-            <a:endParaRPr lang="en-US"/>
-          </a:p>
-        </p:txBody>
-      </p:sp>
-      <p:pic>
-        <p:nvPicPr>
-          <p:cNvPr id="2050" name="Picture 2" descr="https://upload.wikimedia.org/wikipedia/commons/thumb/e/e6/4%2B1_Architectural_View_Model.svg/1024px-4%2B1_Architectural_View_Model.svg.png"/>
-          <p:cNvPicPr>
-            <a:picLocks noChangeAspect="1" noChangeArrowheads="1"/>
-          </p:cNvPicPr>
-          <p:nvPr/>
-        </p:nvPicPr>
-        <p:blipFill>
-          <a:blip r:embed="rId2">
-            <a:extLst>
-              <a:ext uri="{28A0092B-C50C-407E-A947-70E740481C1C}">
-                <a14:useLocalDpi xmlns:a14="http://schemas.microsoft.com/office/drawing/2010/main" val="0"/>
-              </a:ext>
-            </a:extLst>
-          </a:blip>
-          <a:srcRect/>
-          <a:stretch>
-            <a:fillRect/>
-          </a:stretch>
-        </p:blipFill>
-        <p:spPr bwMode="auto">
-          <a:xfrm>
-            <a:off x="604832" y="1173480"/>
-            <a:ext cx="8081968" cy="5295900"/>
-          </a:xfrm>
-          <a:prstGeom prst="rect">
-            <a:avLst/>
-          </a:prstGeom>
-          <a:noFill/>
-          <a:extLst>
-            <a:ext uri="{909E8E84-426E-40DD-AFC4-6F175D3DCCD1}">
-              <a14:hiddenFill xmlns:a14="http://schemas.microsoft.com/office/drawing/2010/main">
-                <a:solidFill>
-                  <a:srgbClr val="FFFFFF"/>
-                </a:solidFill>
-              </a14:hiddenFill>
-            </a:ext>
-          </a:extLst>
-        </p:spPr>
-      </p:pic>
-    </p:spTree>
-    <p:extLst>
-      <p:ext uri="{BB962C8B-B14F-4D97-AF65-F5344CB8AC3E}">
-        <p14:creationId xmlns:p14="http://schemas.microsoft.com/office/powerpoint/2010/main" val="847965374"/>
-      </p:ext>
-    </p:extLst>
-  </p:cSld>
-  <p:clrMapOvr>
-    <a:masterClrMapping/>
-  </p:clrMapOvr>
-</p:sld>
-</file>
-
-<file path=ppt/slides/slide17.xml><?xml version="1.0" encoding="utf-8"?>
-<p:sld xmlns:a="http://schemas.openxmlformats.org/drawingml/2006/main" xmlns:r="http://schemas.openxmlformats.org/officeDocument/2006/relationships" xmlns:p="http://schemas.openxmlformats.org/presentationml/2006/main">
-  <p:cSld>
-    <p:spTree>
-      <p:nvGrpSpPr>
-        <p:cNvPr id="1" name=""/>
-        <p:cNvGrpSpPr/>
-        <p:nvPr/>
-      </p:nvGrpSpPr>
-      <p:grpSpPr>
-        <a:xfrm>
-          <a:off x="0" y="0"/>
-          <a:ext cx="0" cy="0"/>
-          <a:chOff x="0" y="0"/>
-          <a:chExt cx="0" cy="0"/>
-        </a:xfrm>
-      </p:grpSpPr>
-      <p:sp>
-        <p:nvSpPr>
-          <p:cNvPr id="2" name="Title 1"/>
-          <p:cNvSpPr>
-            <a:spLocks noGrp="1"/>
-          </p:cNvSpPr>
-          <p:nvPr>
-            <p:ph type="title"/>
-          </p:nvPr>
-        </p:nvSpPr>
-        <p:spPr/>
-        <p:txBody>
-          <a:bodyPr/>
-          <a:lstStyle/>
-          <a:p>
-            <a:r>
-              <a:rPr lang="en-US" dirty="0" smtClean="0"/>
-              <a:t>Architectural patterns</a:t>
-            </a:r>
-            <a:endParaRPr lang="en-US" dirty="0"/>
-          </a:p>
-        </p:txBody>
-      </p:sp>
-      <p:sp>
-        <p:nvSpPr>
-          <p:cNvPr id="3" name="Content Placeholder 2"/>
-          <p:cNvSpPr>
-            <a:spLocks noGrp="1"/>
-          </p:cNvSpPr>
-          <p:nvPr>
-            <p:ph idx="1"/>
-          </p:nvPr>
-        </p:nvSpPr>
-        <p:spPr/>
-        <p:txBody>
-          <a:bodyPr>
-            <a:noAutofit/>
-          </a:bodyPr>
-          <a:lstStyle/>
-          <a:p>
-            <a:r>
-              <a:rPr lang="en-US" sz="3600" dirty="0" smtClean="0"/>
-              <a:t>Patterns are a means of representing, sharing and reusing knowledge.</a:t>
-            </a:r>
-          </a:p>
-          <a:p>
-            <a:r>
-              <a:rPr lang="en-US" sz="3600" dirty="0" smtClean="0"/>
-              <a:t>An architectural pattern is a stylized description of good design practice, which has been tried and tested in different environments.</a:t>
-            </a:r>
-          </a:p>
-          <a:p>
-            <a:pPr>
-              <a:buNone/>
-            </a:pPr>
-            <a:endParaRPr lang="en-US" sz="3600" dirty="0"/>
-          </a:p>
-        </p:txBody>
-      </p:sp>
-      <p:sp>
-        <p:nvSpPr>
-          <p:cNvPr id="5" name="Footer Placeholder 4"/>
-          <p:cNvSpPr>
-            <a:spLocks noGrp="1"/>
-          </p:cNvSpPr>
-          <p:nvPr>
-            <p:ph type="ftr" sz="quarter" idx="11"/>
-          </p:nvPr>
-        </p:nvSpPr>
-        <p:spPr/>
-        <p:txBody>
-          <a:bodyPr/>
-          <a:lstStyle/>
-          <a:p>
-            <a:r>
-              <a:rPr lang="en-US" smtClean="0"/>
-              <a:t>Chapter 6 Architectural design</a:t>
-            </a:r>
-            <a:endParaRPr lang="en-US"/>
-          </a:p>
-        </p:txBody>
-      </p:sp>
-      <p:sp>
-        <p:nvSpPr>
-          <p:cNvPr id="4" name="Slide Number Placeholder 3"/>
-          <p:cNvSpPr>
-            <a:spLocks noGrp="1"/>
-          </p:cNvSpPr>
-          <p:nvPr>
-            <p:ph type="sldNum" sz="quarter" idx="12"/>
-          </p:nvPr>
-        </p:nvSpPr>
-        <p:spPr/>
-        <p:txBody>
-          <a:bodyPr/>
-          <a:lstStyle/>
-          <a:p>
-            <a:fld id="{EC33B370-F672-B743-B3AF-248A63C17270}" type="slidenum">
-              <a:rPr lang="en-US" smtClean="0"/>
-              <a:pPr/>
-              <a:t>17</a:t>
-            </a:fld>
-            <a:endParaRPr lang="en-US"/>
-          </a:p>
-        </p:txBody>
-      </p:sp>
-    </p:spTree>
-  </p:cSld>
-  <p:clrMapOvr>
-    <a:masterClrMapping/>
-  </p:clrMapOvr>
-  <p:timing>
-    <p:tnLst>
-      <p:par>
-        <p:cTn id="1" dur="indefinite" restart="never" nodeType="tmRoot"/>
-      </p:par>
-    </p:tnLst>
-  </p:timing>
-</p:sld>
-</file>
-
-<file path=ppt/slides/slide18.xml><?xml version="1.0" encoding="utf-8"?>
-<p:sld xmlns:a="http://schemas.openxmlformats.org/drawingml/2006/main" xmlns:r="http://schemas.openxmlformats.org/officeDocument/2006/relationships" xmlns:p="http://schemas.openxmlformats.org/presentationml/2006/main">
-  <p:cSld>
-    <p:spTree>
-      <p:nvGrpSpPr>
-        <p:cNvPr id="1" name=""/>
-        <p:cNvGrpSpPr/>
-        <p:nvPr/>
-      </p:nvGrpSpPr>
-      <p:grpSpPr>
-        <a:xfrm>
-          <a:off x="0" y="0"/>
-          <a:ext cx="0" cy="0"/>
-          <a:chOff x="0" y="0"/>
-          <a:chExt cx="0" cy="0"/>
-        </a:xfrm>
-      </p:grpSpPr>
-      <p:sp>
-        <p:nvSpPr>
-          <p:cNvPr id="2" name="Title 1"/>
-          <p:cNvSpPr>
-            <a:spLocks noGrp="1"/>
-          </p:cNvSpPr>
-          <p:nvPr>
-            <p:ph type="title"/>
-          </p:nvPr>
-        </p:nvSpPr>
-        <p:spPr/>
-        <p:txBody>
-          <a:bodyPr/>
-          <a:lstStyle/>
-          <a:p>
-            <a:r>
-              <a:rPr lang="en-US" dirty="0"/>
-              <a:t>Architectural patterns</a:t>
-            </a:r>
-            <a:endParaRPr lang="en-CA" dirty="0"/>
-          </a:p>
-        </p:txBody>
-      </p:sp>
-      <p:sp>
-        <p:nvSpPr>
-          <p:cNvPr id="3" name="Content Placeholder 2"/>
-          <p:cNvSpPr>
-            <a:spLocks noGrp="1"/>
-          </p:cNvSpPr>
-          <p:nvPr>
-            <p:ph idx="1"/>
-          </p:nvPr>
-        </p:nvSpPr>
-        <p:spPr/>
-        <p:txBody>
-          <a:bodyPr>
-            <a:normAutofit fontScale="85000" lnSpcReduction="20000"/>
-          </a:bodyPr>
-          <a:lstStyle/>
-          <a:p>
-            <a:pPr marL="742950" indent="-742950">
-              <a:buFont typeface="+mj-lt"/>
-              <a:buAutoNum type="arabicPeriod"/>
-            </a:pPr>
-            <a:r>
-              <a:rPr lang="en-CA" dirty="0" smtClean="0"/>
-              <a:t>The Model-View-Control (MVC) pattern</a:t>
-            </a:r>
-          </a:p>
-          <a:p>
-            <a:pPr marL="742950" indent="-742950">
-              <a:buFont typeface="+mj-lt"/>
-              <a:buAutoNum type="arabicPeriod"/>
-            </a:pPr>
-            <a:r>
-              <a:rPr lang="en-CA" dirty="0" smtClean="0"/>
-              <a:t>Layered architecture pattern</a:t>
-            </a:r>
-          </a:p>
-          <a:p>
-            <a:pPr marL="742950" indent="-742950">
-              <a:buFont typeface="+mj-lt"/>
-              <a:buAutoNum type="arabicPeriod"/>
-            </a:pPr>
-            <a:r>
-              <a:rPr lang="en-CA" dirty="0" smtClean="0"/>
-              <a:t>Repository architecture pattern</a:t>
-            </a:r>
-          </a:p>
-          <a:p>
-            <a:pPr marL="742950" indent="-742950">
-              <a:buFont typeface="+mj-lt"/>
-              <a:buAutoNum type="arabicPeriod"/>
-            </a:pPr>
-            <a:r>
-              <a:rPr lang="en-CA" dirty="0" smtClean="0"/>
-              <a:t>Client-Server architecture pattern</a:t>
-            </a:r>
-          </a:p>
-          <a:p>
-            <a:pPr marL="742950" indent="-742950">
-              <a:buFont typeface="+mj-lt"/>
-              <a:buAutoNum type="arabicPeriod"/>
-            </a:pPr>
-            <a:r>
-              <a:rPr lang="en-CA" dirty="0" smtClean="0"/>
-              <a:t>Pipe and filter </a:t>
-            </a:r>
-            <a:r>
-              <a:rPr lang="en-CA" dirty="0"/>
-              <a:t>architecture </a:t>
-            </a:r>
-            <a:r>
-              <a:rPr lang="en-CA" dirty="0" smtClean="0"/>
-              <a:t>pattern</a:t>
-            </a:r>
-          </a:p>
-          <a:p>
-            <a:pPr marL="742950" indent="-742950">
-              <a:buFont typeface="+mj-lt"/>
-              <a:buAutoNum type="arabicPeriod"/>
-            </a:pPr>
-            <a:endParaRPr lang="en-CA" dirty="0" smtClean="0"/>
-          </a:p>
-          <a:p>
-            <a:pPr marL="742950" indent="-742950">
-              <a:buFont typeface="+mj-lt"/>
-              <a:buAutoNum type="arabicPeriod"/>
-            </a:pPr>
-            <a:endParaRPr lang="en-CA" dirty="0"/>
-          </a:p>
-        </p:txBody>
-      </p:sp>
-      <p:sp>
-        <p:nvSpPr>
-          <p:cNvPr id="4" name="Footer Placeholder 3"/>
-          <p:cNvSpPr>
-            <a:spLocks noGrp="1"/>
-          </p:cNvSpPr>
-          <p:nvPr>
-            <p:ph type="ftr" sz="quarter" idx="11"/>
-          </p:nvPr>
-        </p:nvSpPr>
-        <p:spPr/>
-        <p:txBody>
-          <a:bodyPr/>
-          <a:lstStyle/>
-          <a:p>
-            <a:r>
-              <a:rPr lang="en-US" smtClean="0"/>
-              <a:t>Chapter 6 Architectural design</a:t>
-            </a:r>
-            <a:endParaRPr lang="en-US"/>
-          </a:p>
-        </p:txBody>
-      </p:sp>
-      <p:sp>
-        <p:nvSpPr>
-          <p:cNvPr id="5" name="Slide Number Placeholder 4"/>
-          <p:cNvSpPr>
-            <a:spLocks noGrp="1"/>
-          </p:cNvSpPr>
-          <p:nvPr>
-            <p:ph type="sldNum" sz="quarter" idx="12"/>
-          </p:nvPr>
-        </p:nvSpPr>
-        <p:spPr/>
-        <p:txBody>
-          <a:bodyPr/>
-          <a:lstStyle/>
-          <a:p>
-            <a:fld id="{EC33B370-F672-B743-B3AF-248A63C17270}" type="slidenum">
-              <a:rPr lang="en-US" smtClean="0"/>
-              <a:pPr/>
-              <a:t>18</a:t>
-            </a:fld>
-            <a:endParaRPr lang="en-US"/>
-          </a:p>
-        </p:txBody>
-      </p:sp>
-    </p:spTree>
-    <p:extLst>
-      <p:ext uri="{BB962C8B-B14F-4D97-AF65-F5344CB8AC3E}">
-        <p14:creationId xmlns:p14="http://schemas.microsoft.com/office/powerpoint/2010/main" val="1043852357"/>
-      </p:ext>
-    </p:extLst>
-  </p:cSld>
-  <p:clrMapOvr>
-    <a:masterClrMapping/>
-  </p:clrMapOvr>
-</p:sld>
-</file>
-
-<file path=ppt/slides/slide19.xml><?xml version="1.0" encoding="utf-8"?>
-<p:sld xmlns:a="http://schemas.openxmlformats.org/drawingml/2006/main" xmlns:r="http://schemas.openxmlformats.org/officeDocument/2006/relationships" xmlns:p="http://schemas.openxmlformats.org/presentationml/2006/main">
-  <p:cSld>
-    <p:spTree>
-      <p:nvGrpSpPr>
-        <p:cNvPr id="1" name=""/>
-        <p:cNvGrpSpPr/>
-        <p:nvPr/>
-      </p:nvGrpSpPr>
-      <p:grpSpPr>
-        <a:xfrm>
-          <a:off x="0" y="0"/>
-          <a:ext cx="0" cy="0"/>
-          <a:chOff x="0" y="0"/>
-          <a:chExt cx="0" cy="0"/>
-        </a:xfrm>
-      </p:grpSpPr>
-      <p:sp>
-        <p:nvSpPr>
-          <p:cNvPr id="2" name="Title 1"/>
-          <p:cNvSpPr>
-            <a:spLocks noGrp="1"/>
-          </p:cNvSpPr>
-          <p:nvPr>
-            <p:ph type="title"/>
-          </p:nvPr>
-        </p:nvSpPr>
-        <p:spPr/>
-        <p:txBody>
-          <a:bodyPr>
-            <a:normAutofit fontScale="90000"/>
-          </a:bodyPr>
-          <a:lstStyle/>
-          <a:p>
-            <a:r>
-              <a:rPr lang="en-US" dirty="0" smtClean="0"/>
-              <a:t>The Model-View-Controller (MVC) pattern</a:t>
-            </a:r>
-            <a:r>
-              <a:rPr lang="en-GB" dirty="0" smtClean="0"/>
               <a:t> </a:t>
             </a:r>
             <a:endParaRPr lang="en-US" dirty="0"/>
@@ -5879,7 +4510,7 @@
                         </a:tabLst>
                       </a:pPr>
                       <a:r>
-                        <a:rPr lang="en-GB" sz="1400" b="1" dirty="0" smtClean="0">
+                        <a:rPr lang="en-GB" sz="1400" b="1" dirty="0">
                           <a:solidFill>
                             <a:srgbClr val="000000"/>
                           </a:solidFill>
@@ -5889,14 +4520,6 @@
                         </a:rPr>
                         <a:t>Name</a:t>
                       </a:r>
-                      <a:endParaRPr lang="en-GB" sz="1400" b="1" dirty="0">
-                        <a:solidFill>
-                          <a:srgbClr val="000000"/>
-                        </a:solidFill>
-                        <a:latin typeface="Helvetica"/>
-                        <a:ea typeface="Times New Roman"/>
-                        <a:cs typeface="Helvetica"/>
-                      </a:endParaRPr>
                     </a:p>
                   </a:txBody>
                   <a:tcPr marL="68580" marR="68580" marT="0" marB="0"/>
@@ -5925,27 +4548,8 @@
                           <a:ea typeface="Times New Roman"/>
                           <a:cs typeface="Helvetica"/>
                         </a:rPr>
-                        <a:t>MVC (Model-View-Controller</a:t>
+                        <a:t>MVC (Model-View-Controller)</a:t>
                       </a:r>
-                      <a:r>
-                        <a:rPr lang="en-GB" sz="1400" b="1" dirty="0" smtClean="0">
-                          <a:solidFill>
-                            <a:srgbClr val="000000"/>
-                          </a:solidFill>
-                          <a:latin typeface="Helvetica"/>
-                          <a:ea typeface="Times New Roman"/>
-                          <a:cs typeface="Helvetica"/>
-                        </a:rPr>
-                        <a:t>)</a:t>
-                      </a:r>
-                      <a:endParaRPr lang="en-GB" sz="1400" b="1" dirty="0">
-                        <a:solidFill>
-                          <a:srgbClr val="000000"/>
-                        </a:solidFill>
-                        <a:latin typeface="Helvetica"/>
-                        <a:ea typeface="Times New Roman"/>
-                        <a:cs typeface="Helvetica"/>
-                      </a:endParaRPr>
                     </a:p>
                   </a:txBody>
                   <a:tcPr marL="68580" marR="68580" marT="0" marB="0"/>
@@ -5973,7 +4577,7 @@
                         </a:tabLst>
                       </a:pPr>
                       <a:r>
-                        <a:rPr lang="en-GB" sz="1400" b="1" dirty="0" smtClean="0">
+                        <a:rPr lang="en-GB" sz="1400" b="1" dirty="0">
                           <a:solidFill>
                             <a:srgbClr val="000000"/>
                           </a:solidFill>
@@ -5983,14 +4587,6 @@
                         </a:rPr>
                         <a:t>Description</a:t>
                       </a:r>
-                      <a:endParaRPr lang="en-GB" sz="1400" b="1" dirty="0">
-                        <a:solidFill>
-                          <a:srgbClr val="000000"/>
-                        </a:solidFill>
-                        <a:latin typeface="Helvetica"/>
-                        <a:ea typeface="Times New Roman"/>
-                        <a:cs typeface="Helvetica"/>
-                      </a:endParaRPr>
                     </a:p>
                   </a:txBody>
                   <a:tcPr marL="68580" marR="68580" marT="0" marB="0"/>
@@ -6011,7 +4607,7 @@
                         </a:tabLst>
                       </a:pPr>
                       <a:r>
-                        <a:rPr lang="en-GB" sz="1400" dirty="0" smtClean="0">
+                        <a:rPr lang="en-GB" sz="1400" dirty="0">
                           <a:solidFill>
                             <a:srgbClr val="000000"/>
                           </a:solidFill>
@@ -6021,14 +4617,6 @@
                         </a:rPr>
                         <a:t>Separates presentation and interaction from the system data. The system is structured into three logical components that interact with each other. The Model component manages the system data and associated operations on that data. The View component defines and manages how the data is presented to the user. The Controller component manages user interaction (e.g., key presses, mouse clicks, etc.) and passes these interactions to the View and the Model. See Figure 6.3.</a:t>
                       </a:r>
-                      <a:endParaRPr lang="en-GB" sz="1400" dirty="0">
-                        <a:solidFill>
-                          <a:srgbClr val="000000"/>
-                        </a:solidFill>
-                        <a:latin typeface="Helvetica"/>
-                        <a:ea typeface="Times New Roman"/>
-                        <a:cs typeface="Helvetica"/>
-                      </a:endParaRPr>
                     </a:p>
                   </a:txBody>
                   <a:tcPr marL="68580" marR="68580" marT="0" marB="0"/>
@@ -6056,7 +4644,7 @@
                         </a:tabLst>
                       </a:pPr>
                       <a:r>
-                        <a:rPr lang="en-GB" sz="1400" b="1" dirty="0" smtClean="0">
+                        <a:rPr lang="en-GB" sz="1400" b="1" dirty="0">
                           <a:solidFill>
                             <a:srgbClr val="000000"/>
                           </a:solidFill>
@@ -6086,7 +4674,7 @@
                         </a:tabLst>
                       </a:pPr>
                       <a:r>
-                        <a:rPr lang="en-GB" sz="1400" dirty="0" smtClean="0">
+                        <a:rPr lang="en-GB" sz="1400" dirty="0">
                           <a:solidFill>
                             <a:srgbClr val="000000"/>
                           </a:solidFill>
@@ -6096,14 +4684,6 @@
                         </a:rPr>
                         <a:t>Figure 6.4 shows the architecture of a web-based application system organized using the MVC pattern.</a:t>
                       </a:r>
-                      <a:endParaRPr lang="en-GB" sz="1400" dirty="0">
-                        <a:solidFill>
-                          <a:srgbClr val="000000"/>
-                        </a:solidFill>
-                        <a:latin typeface="Helvetica"/>
-                        <a:ea typeface="Times New Roman"/>
-                        <a:cs typeface="Helvetica"/>
-                      </a:endParaRPr>
                     </a:p>
                   </a:txBody>
                   <a:tcPr marL="68580" marR="68580" marT="0" marB="0"/>
@@ -6303,27 +4883,8 @@
                           <a:ea typeface="Times New Roman"/>
                           <a:cs typeface="Helvetica"/>
                         </a:rPr>
-                        <a:t>Can involve additional code and code complexity when the data model and interactions are simple</a:t>
+                        <a:t>Can involve additional code and code complexity when the data model and interactions are simple.</a:t>
                       </a:r>
-                      <a:r>
-                        <a:rPr lang="en-GB" sz="1400" dirty="0" smtClean="0">
-                          <a:solidFill>
-                            <a:srgbClr val="000000"/>
-                          </a:solidFill>
-                          <a:latin typeface="Helvetica"/>
-                          <a:ea typeface="Times New Roman"/>
-                          <a:cs typeface="Helvetica"/>
-                        </a:rPr>
-                        <a:t>.</a:t>
-                      </a:r>
-                      <a:endParaRPr lang="en-GB" sz="1400" dirty="0">
-                        <a:solidFill>
-                          <a:srgbClr val="000000"/>
-                        </a:solidFill>
-                        <a:latin typeface="Helvetica"/>
-                        <a:ea typeface="Times New Roman"/>
-                        <a:cs typeface="Helvetica"/>
-                      </a:endParaRPr>
                     </a:p>
                   </a:txBody>
                   <a:tcPr marL="68580" marR="68580" marT="0" marB="0"/>
@@ -6354,10 +4915,9 @@
           <a:lstStyle/>
           <a:p>
             <a:r>
-              <a:rPr lang="en-US" smtClean="0"/>
+              <a:rPr lang="en-US"/>
               <a:t>Chapter 6 Architectural design</a:t>
             </a:r>
-            <a:endParaRPr lang="en-US"/>
           </a:p>
         </p:txBody>
       </p:sp>
@@ -6379,7 +4939,7 @@
             <a:fld id="{EC33B370-F672-B743-B3AF-248A63C17270}" type="slidenum">
               <a:rPr lang="en-US" smtClean="0"/>
               <a:pPr/>
-              <a:t>19</a:t>
+              <a:t>11</a:t>
             </a:fld>
             <a:endParaRPr lang="en-US"/>
           </a:p>
@@ -6390,17 +4950,10 @@
   <p:clrMapOvr>
     <a:masterClrMapping/>
   </p:clrMapOvr>
-  <p:timing>
-    <p:tnLst>
-      <p:par>
-        <p:cTn id="1" dur="indefinite" restart="never" nodeType="tmRoot"/>
-      </p:par>
-    </p:tnLst>
-  </p:timing>
 </p:sld>
 </file>
 
-<file path=ppt/slides/slide2.xml><?xml version="1.0" encoding="utf-8"?>
+<file path=ppt/slides/slide12.xml><?xml version="1.0" encoding="utf-8"?>
 <p:sld xmlns:a="http://schemas.openxmlformats.org/drawingml/2006/main" xmlns:r="http://schemas.openxmlformats.org/officeDocument/2006/relationships" xmlns:p="http://schemas.openxmlformats.org/presentationml/2006/main">
   <p:cSld>
     <p:spTree>
@@ -6429,12 +4982,18 @@
         </p:nvSpPr>
         <p:spPr/>
         <p:txBody>
-          <a:bodyPr/>
-          <a:lstStyle/>
-          <a:p>
-            <a:r>
-              <a:rPr lang="en-US" dirty="0" smtClean="0"/>
-              <a:t>Topics covered</a:t>
+          <a:bodyPr>
+            <a:normAutofit fontScale="90000"/>
+          </a:bodyPr>
+          <a:lstStyle/>
+          <a:p>
+            <a:r>
+              <a:rPr lang="en-US" dirty="0"/>
+              <a:t>The organization of the Model-View-Controller</a:t>
+            </a:r>
+            <a:r>
+              <a:rPr lang="en-GB" dirty="0"/>
+              <a:t> </a:t>
             </a:r>
             <a:endParaRPr lang="en-US" dirty="0"/>
           </a:p>
@@ -6442,64 +5001,6 @@
       </p:sp>
       <p:sp>
         <p:nvSpPr>
-          <p:cNvPr id="3" name="Content Placeholder 2"/>
-          <p:cNvSpPr>
-            <a:spLocks noGrp="1"/>
-          </p:cNvSpPr>
-          <p:nvPr>
-            <p:ph idx="1"/>
-          </p:nvPr>
-        </p:nvSpPr>
-        <p:spPr/>
-        <p:txBody>
-          <a:bodyPr>
-            <a:normAutofit/>
-          </a:bodyPr>
-          <a:lstStyle/>
-          <a:p>
-            <a:endParaRPr lang="en-US" sz="4000" dirty="0" smtClean="0"/>
-          </a:p>
-          <a:p>
-            <a:r>
-              <a:rPr lang="en-US" sz="4000" dirty="0" smtClean="0"/>
-              <a:t>What is system architecture? </a:t>
-            </a:r>
-          </a:p>
-          <a:p>
-            <a:r>
-              <a:rPr lang="en-US" sz="4000" dirty="0" smtClean="0"/>
-              <a:t>Architectural design decisions</a:t>
-            </a:r>
-            <a:endParaRPr lang="en-GB" sz="4000" dirty="0" smtClean="0"/>
-          </a:p>
-          <a:p>
-            <a:r>
-              <a:rPr lang="en-US" sz="4000" dirty="0" smtClean="0"/>
-              <a:t>Architectural views</a:t>
-            </a:r>
-            <a:endParaRPr lang="en-GB" sz="4000" dirty="0" smtClean="0"/>
-          </a:p>
-          <a:p>
-            <a:r>
-              <a:rPr lang="en-US" sz="4000" dirty="0" smtClean="0"/>
-              <a:t>Architectural patterns</a:t>
-            </a:r>
-            <a:endParaRPr lang="en-GB" sz="4000" dirty="0" smtClean="0"/>
-          </a:p>
-          <a:p>
-            <a:r>
-              <a:rPr lang="en-US" sz="4000" dirty="0" smtClean="0"/>
-              <a:t>Application architectures</a:t>
-            </a:r>
-            <a:endParaRPr lang="en-GB" sz="4000" dirty="0" smtClean="0"/>
-          </a:p>
-          <a:p>
-            <a:endParaRPr lang="en-US" sz="4000" dirty="0"/>
-          </a:p>
-        </p:txBody>
-      </p:sp>
-      <p:sp>
-        <p:nvSpPr>
           <p:cNvPr id="5" name="Footer Placeholder 4"/>
           <p:cNvSpPr>
             <a:spLocks noGrp="1"/>
@@ -6514,10 +5015,9 @@
           <a:lstStyle/>
           <a:p>
             <a:r>
-              <a:rPr lang="en-US" smtClean="0"/>
+              <a:rPr lang="en-US"/>
               <a:t>Chapter 6 Architectural design</a:t>
             </a:r>
-            <a:endParaRPr lang="en-US"/>
           </a:p>
         </p:txBody>
       </p:sp>
@@ -6539,115 +5039,7 @@
             <a:fld id="{EC33B370-F672-B743-B3AF-248A63C17270}" type="slidenum">
               <a:rPr lang="en-US" smtClean="0"/>
               <a:pPr/>
-              <a:t>2</a:t>
-            </a:fld>
-            <a:endParaRPr lang="en-US"/>
-          </a:p>
-        </p:txBody>
-      </p:sp>
-    </p:spTree>
-  </p:cSld>
-  <p:clrMapOvr>
-    <a:masterClrMapping/>
-  </p:clrMapOvr>
-  <p:timing>
-    <p:tnLst>
-      <p:par>
-        <p:cTn id="1" dur="indefinite" restart="never" nodeType="tmRoot"/>
-      </p:par>
-    </p:tnLst>
-  </p:timing>
-</p:sld>
-</file>
-
-<file path=ppt/slides/slide20.xml><?xml version="1.0" encoding="utf-8"?>
-<p:sld xmlns:a="http://schemas.openxmlformats.org/drawingml/2006/main" xmlns:r="http://schemas.openxmlformats.org/officeDocument/2006/relationships" xmlns:p="http://schemas.openxmlformats.org/presentationml/2006/main">
-  <p:cSld>
-    <p:spTree>
-      <p:nvGrpSpPr>
-        <p:cNvPr id="1" name=""/>
-        <p:cNvGrpSpPr/>
-        <p:nvPr/>
-      </p:nvGrpSpPr>
-      <p:grpSpPr>
-        <a:xfrm>
-          <a:off x="0" y="0"/>
-          <a:ext cx="0" cy="0"/>
-          <a:chOff x="0" y="0"/>
-          <a:chExt cx="0" cy="0"/>
-        </a:xfrm>
-      </p:grpSpPr>
-      <p:sp>
-        <p:nvSpPr>
-          <p:cNvPr id="2" name="Title 1"/>
-          <p:cNvSpPr>
-            <a:spLocks noGrp="1"/>
-          </p:cNvSpPr>
-          <p:nvPr>
-            <p:ph type="title"/>
-          </p:nvPr>
-        </p:nvSpPr>
-        <p:spPr/>
-        <p:txBody>
-          <a:bodyPr>
-            <a:normAutofit fontScale="90000"/>
-          </a:bodyPr>
-          <a:lstStyle/>
-          <a:p>
-            <a:r>
-              <a:rPr lang="en-US" dirty="0" smtClean="0"/>
-              <a:t>The organization of the Model-View-Controller</a:t>
-            </a:r>
-            <a:r>
-              <a:rPr lang="en-GB" dirty="0" smtClean="0"/>
-              <a:t> </a:t>
-            </a:r>
-            <a:endParaRPr lang="en-US" dirty="0"/>
-          </a:p>
-        </p:txBody>
-      </p:sp>
-      <p:sp>
-        <p:nvSpPr>
-          <p:cNvPr id="5" name="Footer Placeholder 4"/>
-          <p:cNvSpPr>
-            <a:spLocks noGrp="1"/>
-          </p:cNvSpPr>
-          <p:nvPr>
-            <p:ph type="ftr" sz="quarter" idx="11"/>
-          </p:nvPr>
-        </p:nvSpPr>
-        <p:spPr/>
-        <p:txBody>
-          <a:bodyPr/>
-          <a:lstStyle/>
-          <a:p>
-            <a:r>
-              <a:rPr lang="en-US" smtClean="0"/>
-              <a:t>Chapter 6 Architectural design</a:t>
-            </a:r>
-            <a:endParaRPr lang="en-US"/>
-          </a:p>
-        </p:txBody>
-      </p:sp>
-      <p:sp>
-        <p:nvSpPr>
-          <p:cNvPr id="4" name="Slide Number Placeholder 3"/>
-          <p:cNvSpPr>
-            <a:spLocks noGrp="1"/>
-          </p:cNvSpPr>
-          <p:nvPr>
-            <p:ph type="sldNum" sz="quarter" idx="12"/>
-          </p:nvPr>
-        </p:nvSpPr>
-        <p:spPr/>
-        <p:txBody>
-          <a:bodyPr/>
-          <a:lstStyle/>
-          <a:p>
-            <a:fld id="{EC33B370-F672-B743-B3AF-248A63C17270}" type="slidenum">
-              <a:rPr lang="en-US" smtClean="0"/>
-              <a:pPr/>
-              <a:t>20</a:t>
+              <a:t>12</a:t>
             </a:fld>
             <a:endParaRPr lang="en-US"/>
           </a:p>
@@ -6699,17 +5091,10 @@
   <p:clrMapOvr>
     <a:masterClrMapping/>
   </p:clrMapOvr>
-  <p:timing>
-    <p:tnLst>
-      <p:par>
-        <p:cTn id="1" dur="indefinite" restart="never" nodeType="tmRoot"/>
-      </p:par>
-    </p:tnLst>
-  </p:timing>
 </p:sld>
 </file>
 
-<file path=ppt/slides/slide21.xml><?xml version="1.0" encoding="utf-8"?>
+<file path=ppt/slides/slide13.xml><?xml version="1.0" encoding="utf-8"?>
 <p:sld xmlns:a="http://schemas.openxmlformats.org/drawingml/2006/main" xmlns:r="http://schemas.openxmlformats.org/officeDocument/2006/relationships" xmlns:p="http://schemas.openxmlformats.org/presentationml/2006/main">
   <p:cSld>
     <p:spTree>
@@ -6744,11 +5129,11 @@
           <a:lstStyle/>
           <a:p>
             <a:r>
-              <a:rPr lang="en-US" dirty="0" smtClean="0"/>
+              <a:rPr lang="en-US" dirty="0"/>
               <a:t>Web application architecture using the MVC pattern</a:t>
             </a:r>
             <a:r>
-              <a:rPr lang="en-GB" dirty="0" smtClean="0"/>
+              <a:rPr lang="en-GB" dirty="0"/>
               <a:t> </a:t>
             </a:r>
             <a:endParaRPr lang="en-US" dirty="0"/>
@@ -6771,10 +5156,9 @@
           <a:lstStyle/>
           <a:p>
             <a:r>
-              <a:rPr lang="en-US" smtClean="0"/>
+              <a:rPr lang="en-US"/>
               <a:t>Chapter 6 Architectural design</a:t>
             </a:r>
-            <a:endParaRPr lang="en-US"/>
           </a:p>
         </p:txBody>
       </p:sp>
@@ -6796,7 +5180,7 @@
             <a:fld id="{EC33B370-F672-B743-B3AF-248A63C17270}" type="slidenum">
               <a:rPr lang="en-US" smtClean="0"/>
               <a:pPr/>
-              <a:t>21</a:t>
+              <a:t>13</a:t>
             </a:fld>
             <a:endParaRPr lang="en-US"/>
           </a:p>
@@ -6848,17 +5232,10 @@
   <p:clrMapOvr>
     <a:masterClrMapping/>
   </p:clrMapOvr>
-  <p:timing>
-    <p:tnLst>
-      <p:par>
-        <p:cTn id="1" dur="indefinite" restart="never" nodeType="tmRoot"/>
-      </p:par>
-    </p:tnLst>
-  </p:timing>
 </p:sld>
 </file>
 
-<file path=ppt/slides/slide22.xml><?xml version="1.0" encoding="utf-8"?>
+<file path=ppt/slides/slide14.xml><?xml version="1.0" encoding="utf-8"?>
 <p:sld xmlns:a="http://schemas.openxmlformats.org/drawingml/2006/main" xmlns:r="http://schemas.openxmlformats.org/officeDocument/2006/relationships" xmlns:p="http://schemas.openxmlformats.org/presentationml/2006/main">
   <p:cSld>
     <p:spTree>
@@ -6893,11 +5270,11 @@
           <a:lstStyle/>
           <a:p>
             <a:r>
-              <a:rPr lang="en-US" dirty="0" smtClean="0"/>
+              <a:rPr lang="en-US" dirty="0"/>
               <a:t>The Layered architecture pattern</a:t>
             </a:r>
             <a:r>
-              <a:rPr lang="en-GB" dirty="0" smtClean="0"/>
+              <a:rPr lang="en-GB" dirty="0"/>
               <a:t> </a:t>
             </a:r>
             <a:endParaRPr lang="en-US" dirty="0"/>
@@ -6957,7 +5334,7 @@
                         </a:tabLst>
                       </a:pPr>
                       <a:r>
-                        <a:rPr lang="en-GB" sz="1400" b="1" dirty="0" smtClean="0">
+                        <a:rPr lang="en-GB" sz="1400" b="1" dirty="0">
                           <a:solidFill>
                             <a:srgbClr val="000000"/>
                           </a:solidFill>
@@ -6967,14 +5344,6 @@
                         </a:rPr>
                         <a:t>Name</a:t>
                       </a:r>
-                      <a:endParaRPr lang="en-GB" sz="1400" b="1" dirty="0">
-                        <a:solidFill>
-                          <a:srgbClr val="000000"/>
-                        </a:solidFill>
-                        <a:latin typeface="Helvetica"/>
-                        <a:ea typeface="Times New Roman"/>
-                        <a:cs typeface="Helvetica"/>
-                      </a:endParaRPr>
                     </a:p>
                   </a:txBody>
                   <a:tcPr marL="68580" marR="68580" marT="0" marB="0"/>
@@ -7003,27 +5372,8 @@
                           <a:ea typeface="Times New Roman"/>
                           <a:cs typeface="Helvetica"/>
                         </a:rPr>
-                        <a:t>Layered </a:t>
+                        <a:t>Layered architecture</a:t>
                       </a:r>
-                      <a:r>
-                        <a:rPr lang="en-GB" sz="1400" b="1" dirty="0" smtClean="0">
-                          <a:solidFill>
-                            <a:srgbClr val="000000"/>
-                          </a:solidFill>
-                          <a:latin typeface="Helvetica"/>
-                          <a:ea typeface="Times New Roman"/>
-                          <a:cs typeface="Helvetica"/>
-                        </a:rPr>
-                        <a:t>architecture</a:t>
-                      </a:r>
-                      <a:endParaRPr lang="en-GB" sz="1400" b="1" dirty="0">
-                        <a:solidFill>
-                          <a:srgbClr val="000000"/>
-                        </a:solidFill>
-                        <a:latin typeface="Helvetica"/>
-                        <a:ea typeface="Times New Roman"/>
-                        <a:cs typeface="Helvetica"/>
-                      </a:endParaRPr>
                     </a:p>
                   </a:txBody>
                   <a:tcPr marL="68580" marR="68580" marT="0" marB="0"/>
@@ -7051,7 +5401,7 @@
                         </a:tabLst>
                       </a:pPr>
                       <a:r>
-                        <a:rPr lang="en-GB" sz="1400" b="1" dirty="0" smtClean="0">
+                        <a:rPr lang="en-GB" sz="1400" b="1" dirty="0">
                           <a:solidFill>
                             <a:srgbClr val="000000"/>
                           </a:solidFill>
@@ -7061,14 +5411,6 @@
                         </a:rPr>
                         <a:t>Description</a:t>
                       </a:r>
-                      <a:endParaRPr lang="en-GB" sz="1400" b="1" dirty="0">
-                        <a:solidFill>
-                          <a:srgbClr val="000000"/>
-                        </a:solidFill>
-                        <a:latin typeface="Helvetica"/>
-                        <a:ea typeface="Times New Roman"/>
-                        <a:cs typeface="Helvetica"/>
-                      </a:endParaRPr>
                     </a:p>
                   </a:txBody>
                   <a:tcPr marL="68580" marR="68580" marT="0" marB="0"/>
@@ -7365,27 +5707,8 @@
                           <a:ea typeface="Times New Roman"/>
                           <a:cs typeface="Helvetica"/>
                         </a:rPr>
-                        <a:t>In practice, providing a clean separation between layers is often difficult and a high-level layer may have to interact directly with lower-level layers rather than through the layer immediately below it. Performance can be a problem because of multiple levels of interpretation of a service request as it is processed at each layer</a:t>
+                        <a:t>In practice, providing a clean separation between layers is often difficult and a high-level layer may have to interact directly with lower-level layers rather than through the layer immediately below it. Performance can be a problem because of multiple levels of interpretation of a service request as it is processed at each layer.</a:t>
                       </a:r>
-                      <a:r>
-                        <a:rPr lang="en-GB" sz="1400" dirty="0" smtClean="0">
-                          <a:solidFill>
-                            <a:srgbClr val="000000"/>
-                          </a:solidFill>
-                          <a:latin typeface="Helvetica"/>
-                          <a:ea typeface="Times New Roman"/>
-                          <a:cs typeface="Helvetica"/>
-                        </a:rPr>
-                        <a:t>.</a:t>
-                      </a:r>
-                      <a:endParaRPr lang="en-GB" sz="1400" dirty="0">
-                        <a:solidFill>
-                          <a:srgbClr val="000000"/>
-                        </a:solidFill>
-                        <a:latin typeface="Helvetica"/>
-                        <a:ea typeface="Times New Roman"/>
-                        <a:cs typeface="Helvetica"/>
-                      </a:endParaRPr>
                     </a:p>
                   </a:txBody>
                   <a:tcPr marL="68580" marR="68580" marT="0" marB="0"/>
@@ -7416,10 +5739,9 @@
           <a:lstStyle/>
           <a:p>
             <a:r>
-              <a:rPr lang="en-US" smtClean="0"/>
+              <a:rPr lang="en-US"/>
               <a:t>Chapter 6 Architectural design</a:t>
             </a:r>
-            <a:endParaRPr lang="en-US"/>
           </a:p>
         </p:txBody>
       </p:sp>
@@ -7441,7 +5763,7 @@
             <a:fld id="{EC33B370-F672-B743-B3AF-248A63C17270}" type="slidenum">
               <a:rPr lang="en-US" smtClean="0"/>
               <a:pPr/>
-              <a:t>22</a:t>
+              <a:t>14</a:t>
             </a:fld>
             <a:endParaRPr lang="en-US"/>
           </a:p>
@@ -7452,17 +5774,10 @@
   <p:clrMapOvr>
     <a:masterClrMapping/>
   </p:clrMapOvr>
-  <p:timing>
-    <p:tnLst>
-      <p:par>
-        <p:cTn id="1" dur="indefinite" restart="never" nodeType="tmRoot"/>
-      </p:par>
-    </p:tnLst>
-  </p:timing>
 </p:sld>
 </file>
 
-<file path=ppt/slides/slide23.xml><?xml version="1.0" encoding="utf-8"?>
+<file path=ppt/slides/slide15.xml><?xml version="1.0" encoding="utf-8"?>
 <p:sld xmlns:a="http://schemas.openxmlformats.org/drawingml/2006/main" xmlns:r="http://schemas.openxmlformats.org/officeDocument/2006/relationships" xmlns:p="http://schemas.openxmlformats.org/presentationml/2006/main">
   <p:cSld>
     <p:spTree>
@@ -7497,11 +5812,11 @@
           <a:lstStyle/>
           <a:p>
             <a:r>
-              <a:rPr lang="en-US" dirty="0" smtClean="0"/>
+              <a:rPr lang="en-US" dirty="0"/>
               <a:t>A generic layered architecture</a:t>
             </a:r>
             <a:r>
-              <a:rPr lang="en-GB" dirty="0" smtClean="0"/>
+              <a:rPr lang="en-GB" dirty="0"/>
               <a:t> </a:t>
             </a:r>
             <a:endParaRPr lang="en-US" dirty="0"/>
@@ -7524,10 +5839,9 @@
           <a:lstStyle/>
           <a:p>
             <a:r>
-              <a:rPr lang="en-US" smtClean="0"/>
+              <a:rPr lang="en-US"/>
               <a:t>Chapter 6 Architectural design</a:t>
             </a:r>
-            <a:endParaRPr lang="en-US"/>
           </a:p>
         </p:txBody>
       </p:sp>
@@ -7549,7 +5863,7 @@
             <a:fld id="{EC33B370-F672-B743-B3AF-248A63C17270}" type="slidenum">
               <a:rPr lang="en-US" smtClean="0"/>
               <a:pPr/>
-              <a:t>23</a:t>
+              <a:t>15</a:t>
             </a:fld>
             <a:endParaRPr lang="en-US"/>
           </a:p>
@@ -7601,17 +5915,10 @@
   <p:clrMapOvr>
     <a:masterClrMapping/>
   </p:clrMapOvr>
-  <p:timing>
-    <p:tnLst>
-      <p:par>
-        <p:cTn id="1" dur="indefinite" restart="never" nodeType="tmRoot"/>
-      </p:par>
-    </p:tnLst>
-  </p:timing>
 </p:sld>
 </file>
 
-<file path=ppt/slides/slide24.xml><?xml version="1.0" encoding="utf-8"?>
+<file path=ppt/slides/slide16.xml><?xml version="1.0" encoding="utf-8"?>
 <p:sld xmlns:a="http://schemas.openxmlformats.org/drawingml/2006/main" xmlns:r="http://schemas.openxmlformats.org/officeDocument/2006/relationships" xmlns:p="http://schemas.openxmlformats.org/presentationml/2006/main">
   <p:cSld>
     <p:spTree>
@@ -7646,11 +5953,11 @@
           <a:lstStyle/>
           <a:p>
             <a:r>
-              <a:rPr lang="en-US" dirty="0" smtClean="0"/>
+              <a:rPr lang="en-US" dirty="0"/>
               <a:t>The architecture of the LIBSYS system</a:t>
             </a:r>
             <a:r>
-              <a:rPr lang="en-GB" dirty="0" smtClean="0"/>
+              <a:rPr lang="en-GB" dirty="0"/>
               <a:t> </a:t>
             </a:r>
             <a:endParaRPr lang="en-US" dirty="0"/>
@@ -7673,10 +5980,9 @@
           <a:lstStyle/>
           <a:p>
             <a:r>
-              <a:rPr lang="en-US" smtClean="0"/>
+              <a:rPr lang="en-US"/>
               <a:t>Chapter 6 Architectural design</a:t>
             </a:r>
-            <a:endParaRPr lang="en-US"/>
           </a:p>
         </p:txBody>
       </p:sp>
@@ -7698,7 +6004,7 @@
             <a:fld id="{EC33B370-F672-B743-B3AF-248A63C17270}" type="slidenum">
               <a:rPr lang="en-US" smtClean="0"/>
               <a:pPr/>
-              <a:t>24</a:t>
+              <a:t>16</a:t>
             </a:fld>
             <a:endParaRPr lang="en-US"/>
           </a:p>
@@ -7750,17 +6056,10 @@
   <p:clrMapOvr>
     <a:masterClrMapping/>
   </p:clrMapOvr>
-  <p:timing>
-    <p:tnLst>
-      <p:par>
-        <p:cTn id="1" dur="indefinite" restart="never" nodeType="tmRoot"/>
-      </p:par>
-    </p:tnLst>
-  </p:timing>
 </p:sld>
 </file>
 
-<file path=ppt/slides/slide25.xml><?xml version="1.0" encoding="utf-8"?>
+<file path=ppt/slides/slide17.xml><?xml version="1.0" encoding="utf-8"?>
 <p:sld xmlns:a="http://schemas.openxmlformats.org/drawingml/2006/main" xmlns:r="http://schemas.openxmlformats.org/officeDocument/2006/relationships" xmlns:p="http://schemas.openxmlformats.org/presentationml/2006/main">
   <p:cSld>
     <p:spTree>
@@ -7793,10 +6092,9 @@
           <a:lstStyle/>
           <a:p>
             <a:r>
-              <a:rPr lang="en-US" dirty="0" smtClean="0"/>
+              <a:rPr lang="en-US" dirty="0"/>
               <a:t>Key points</a:t>
             </a:r>
-            <a:endParaRPr lang="en-US" dirty="0"/>
           </a:p>
         </p:txBody>
       </p:sp>
@@ -7823,39 +6121,39 @@
           <a:lstStyle/>
           <a:p>
             <a:r>
-              <a:rPr lang="en-US" dirty="0" smtClean="0"/>
+              <a:rPr lang="en-US" dirty="0"/>
               <a:t>A software architecture is a description of how a software system is organized. </a:t>
             </a:r>
-            <a:endParaRPr lang="en-GB" dirty="0" smtClean="0"/>
-          </a:p>
-          <a:p>
-            <a:r>
-              <a:rPr lang="en-US" dirty="0" smtClean="0"/>
+            <a:endParaRPr lang="en-GB" dirty="0"/>
+          </a:p>
+          <a:p>
+            <a:r>
+              <a:rPr lang="en-US" dirty="0"/>
               <a:t>Architectural design decisions include decisions on the type of application, the distribution of the system, the architectural styles to be used.</a:t>
             </a:r>
-            <a:endParaRPr lang="en-GB" dirty="0" smtClean="0"/>
-          </a:p>
-          <a:p>
-            <a:r>
-              <a:rPr lang="en-US" dirty="0" smtClean="0"/>
+            <a:endParaRPr lang="en-GB" dirty="0"/>
+          </a:p>
+          <a:p>
+            <a:r>
+              <a:rPr lang="en-US" dirty="0"/>
               <a:t>Architectures may be documented from several different perspectives or </a:t>
             </a:r>
             <a:r>
-              <a:rPr lang="en-US" dirty="0" err="1" smtClean="0"/>
+              <a:rPr lang="en-US" dirty="0" err="1"/>
               <a:t>viewssuch</a:t>
             </a:r>
             <a:r>
-              <a:rPr lang="en-US" dirty="0" smtClean="0"/>
+              <a:rPr lang="en-US" dirty="0"/>
               <a:t> as a conceptual view, a logical view, a process view, and a development view.</a:t>
             </a:r>
-            <a:endParaRPr lang="en-GB" dirty="0" smtClean="0"/>
-          </a:p>
-          <a:p>
-            <a:r>
-              <a:rPr lang="en-US" dirty="0" smtClean="0"/>
+            <a:endParaRPr lang="en-GB" dirty="0"/>
+          </a:p>
+          <a:p>
+            <a:r>
+              <a:rPr lang="en-US" dirty="0"/>
               <a:t>Architectural patterns are a means of reusing knowledge about generic system architectures. They describe the architecture, explain when it may be used and describe its advantages and disadvantages.</a:t>
             </a:r>
-            <a:endParaRPr lang="en-GB" dirty="0" smtClean="0"/>
+            <a:endParaRPr lang="en-GB" dirty="0"/>
           </a:p>
         </p:txBody>
       </p:sp>
@@ -7875,10 +6173,9 @@
           <a:lstStyle/>
           <a:p>
             <a:r>
-              <a:rPr lang="en-US" smtClean="0"/>
+              <a:rPr lang="en-US"/>
               <a:t>Chapter 6 Architectural design</a:t>
             </a:r>
-            <a:endParaRPr lang="en-US"/>
           </a:p>
         </p:txBody>
       </p:sp>
@@ -7900,7 +6197,7 @@
             <a:fld id="{EC33B370-F672-B743-B3AF-248A63C17270}" type="slidenum">
               <a:rPr lang="en-US" smtClean="0"/>
               <a:pPr/>
-              <a:t>25</a:t>
+              <a:t>17</a:t>
             </a:fld>
             <a:endParaRPr lang="en-US"/>
           </a:p>
@@ -7916,17 +6213,10 @@
   <p:clrMapOvr>
     <a:masterClrMapping/>
   </p:clrMapOvr>
-  <p:timing>
-    <p:tnLst>
-      <p:par>
-        <p:cTn id="1" dur="indefinite" restart="never" nodeType="tmRoot"/>
-      </p:par>
-    </p:tnLst>
-  </p:timing>
 </p:sld>
 </file>
 
-<file path=ppt/slides/slide26.xml><?xml version="1.0" encoding="utf-8"?>
+<file path=ppt/slides/slide18.xml><?xml version="1.0" encoding="utf-8"?>
 <p:sld xmlns:a="http://schemas.openxmlformats.org/drawingml/2006/main" xmlns:r="http://schemas.openxmlformats.org/officeDocument/2006/relationships" xmlns:p="http://schemas.openxmlformats.org/presentationml/2006/main">
   <p:cSld>
     <p:spTree>
@@ -7959,10 +6249,9 @@
           <a:lstStyle/>
           <a:p>
             <a:r>
-              <a:rPr lang="en-US" dirty="0" smtClean="0"/>
+              <a:rPr lang="en-US" dirty="0"/>
               <a:t>Chapter 6 – Architectural Design</a:t>
             </a:r>
-            <a:endParaRPr lang="en-US" dirty="0"/>
           </a:p>
         </p:txBody>
       </p:sp>
@@ -7982,10 +6271,9 @@
           <a:lstStyle/>
           <a:p>
             <a:r>
-              <a:rPr lang="en-US" dirty="0" smtClean="0"/>
+              <a:rPr lang="en-US" dirty="0"/>
               <a:t>Lecture 2</a:t>
             </a:r>
-            <a:endParaRPr lang="en-US" dirty="0"/>
           </a:p>
         </p:txBody>
       </p:sp>
@@ -8007,7 +6295,7 @@
             <a:fld id="{EC33B370-F672-B743-B3AF-248A63C17270}" type="slidenum">
               <a:rPr lang="en-US" smtClean="0"/>
               <a:pPr/>
-              <a:t>26</a:t>
+              <a:t>18</a:t>
             </a:fld>
             <a:endParaRPr lang="en-US"/>
           </a:p>
@@ -8029,10 +6317,9 @@
           <a:lstStyle/>
           <a:p>
             <a:r>
-              <a:rPr lang="en-US" smtClean="0"/>
+              <a:rPr lang="en-US"/>
               <a:t>Chapter 6 Architectural design</a:t>
             </a:r>
-            <a:endParaRPr lang="en-US"/>
           </a:p>
         </p:txBody>
       </p:sp>
@@ -8046,17 +6333,10 @@
   <p:clrMapOvr>
     <a:masterClrMapping/>
   </p:clrMapOvr>
-  <p:timing>
-    <p:tnLst>
-      <p:par>
-        <p:cTn id="1" dur="indefinite" restart="never" nodeType="tmRoot"/>
-      </p:par>
-    </p:tnLst>
-  </p:timing>
 </p:sld>
 </file>
 
-<file path=ppt/slides/slide27.xml><?xml version="1.0" encoding="utf-8"?>
+<file path=ppt/slides/slide19.xml><?xml version="1.0" encoding="utf-8"?>
 <p:sld xmlns:a="http://schemas.openxmlformats.org/drawingml/2006/main" xmlns:r="http://schemas.openxmlformats.org/officeDocument/2006/relationships" xmlns:p="http://schemas.openxmlformats.org/presentationml/2006/main">
   <p:cSld>
     <p:spTree>
@@ -8089,11 +6369,11 @@
           <a:lstStyle/>
           <a:p>
             <a:r>
-              <a:rPr lang="en-US" dirty="0" smtClean="0"/>
+              <a:rPr lang="en-US" dirty="0"/>
               <a:t>The Repository pattern</a:t>
             </a:r>
             <a:r>
-              <a:rPr lang="en-GB" dirty="0" smtClean="0"/>
+              <a:rPr lang="en-GB" dirty="0"/>
               <a:t> </a:t>
             </a:r>
             <a:endParaRPr lang="en-US" dirty="0"/>
@@ -8153,7 +6433,7 @@
                         </a:tabLst>
                       </a:pPr>
                       <a:r>
-                        <a:rPr lang="en-GB" sz="1400" b="1" dirty="0" smtClean="0">
+                        <a:rPr lang="en-GB" sz="1400" b="1" dirty="0">
                           <a:solidFill>
                             <a:srgbClr val="000000"/>
                           </a:solidFill>
@@ -8163,14 +6443,6 @@
                         </a:rPr>
                         <a:t>Name</a:t>
                       </a:r>
-                      <a:endParaRPr lang="en-GB" sz="1400" b="1" dirty="0">
-                        <a:solidFill>
-                          <a:srgbClr val="000000"/>
-                        </a:solidFill>
-                        <a:latin typeface="Helvetica"/>
-                        <a:ea typeface="Times New Roman"/>
-                        <a:cs typeface="Helvetica"/>
-                      </a:endParaRPr>
                     </a:p>
                   </a:txBody>
                   <a:tcPr marL="68580" marR="68580" marT="0" marB="0"/>
@@ -8199,27 +6471,8 @@
                           <a:ea typeface="Times New Roman"/>
                           <a:cs typeface="Helvetica"/>
                         </a:rPr>
-                        <a:t>Repository</a:t>
+                        <a:t>Repository </a:t>
                       </a:r>
-                      <a:r>
-                        <a:rPr lang="en-GB" sz="1400" b="1" dirty="0" smtClean="0">
-                          <a:solidFill>
-                            <a:srgbClr val="000000"/>
-                          </a:solidFill>
-                          <a:latin typeface="Helvetica"/>
-                          <a:ea typeface="Times New Roman"/>
-                          <a:cs typeface="Helvetica"/>
-                        </a:rPr>
-                        <a:t> </a:t>
-                      </a:r>
-                      <a:endParaRPr lang="en-GB" sz="1400" b="1" dirty="0">
-                        <a:solidFill>
-                          <a:srgbClr val="000000"/>
-                        </a:solidFill>
-                        <a:latin typeface="Helvetica"/>
-                        <a:ea typeface="Times New Roman"/>
-                        <a:cs typeface="Helvetica"/>
-                      </a:endParaRPr>
                     </a:p>
                   </a:txBody>
                   <a:tcPr marL="68580" marR="68580" marT="0" marB="0"/>
@@ -8247,7 +6500,7 @@
                         </a:tabLst>
                       </a:pPr>
                       <a:r>
-                        <a:rPr lang="en-GB" sz="1400" b="1" dirty="0" smtClean="0">
+                        <a:rPr lang="en-GB" sz="1400" b="1" dirty="0">
                           <a:solidFill>
                             <a:srgbClr val="000000"/>
                           </a:solidFill>
@@ -8593,27 +6846,8 @@
                           <a:ea typeface="Times New Roman"/>
                           <a:cs typeface="Helvetica"/>
                         </a:rPr>
-                        <a:t>The repository is a single point of failure so problems in the repository affect the whole system. May be inefficiencies in organizing all communication through the repository. Distributing the repository across several computers may be difficult</a:t>
+                        <a:t>The repository is a single point of failure so problems in the repository affect the whole system. May be inefficiencies in organizing all communication through the repository. Distributing the repository across several computers may be difficult.</a:t>
                       </a:r>
-                      <a:r>
-                        <a:rPr lang="en-GB" sz="1400" dirty="0" smtClean="0">
-                          <a:solidFill>
-                            <a:srgbClr val="000000"/>
-                          </a:solidFill>
-                          <a:latin typeface="Helvetica"/>
-                          <a:ea typeface="Times New Roman"/>
-                          <a:cs typeface="Helvetica"/>
-                        </a:rPr>
-                        <a:t>.</a:t>
-                      </a:r>
-                      <a:endParaRPr lang="en-GB" sz="1400" dirty="0">
-                        <a:solidFill>
-                          <a:srgbClr val="000000"/>
-                        </a:solidFill>
-                        <a:latin typeface="Helvetica"/>
-                        <a:ea typeface="Times New Roman"/>
-                        <a:cs typeface="Helvetica"/>
-                      </a:endParaRPr>
                     </a:p>
                   </a:txBody>
                   <a:tcPr marL="68580" marR="68580" marT="0" marB="0"/>
@@ -8644,10 +6878,9 @@
           <a:lstStyle/>
           <a:p>
             <a:r>
-              <a:rPr lang="en-US" smtClean="0"/>
+              <a:rPr lang="en-US"/>
               <a:t>Chapter 6 Architectural design</a:t>
             </a:r>
-            <a:endParaRPr lang="en-US"/>
           </a:p>
         </p:txBody>
       </p:sp>
@@ -8669,7 +6902,7 @@
             <a:fld id="{EC33B370-F672-B743-B3AF-248A63C17270}" type="slidenum">
               <a:rPr lang="en-US" smtClean="0"/>
               <a:pPr/>
-              <a:t>27</a:t>
+              <a:t>19</a:t>
             </a:fld>
             <a:endParaRPr lang="en-US"/>
           </a:p>
@@ -8680,17 +6913,10 @@
   <p:clrMapOvr>
     <a:masterClrMapping/>
   </p:clrMapOvr>
-  <p:timing>
-    <p:tnLst>
-      <p:par>
-        <p:cTn id="1" dur="indefinite" restart="never" nodeType="tmRoot"/>
-      </p:par>
-    </p:tnLst>
-  </p:timing>
 </p:sld>
 </file>
 
-<file path=ppt/slides/slide28.xml><?xml version="1.0" encoding="utf-8"?>
+<file path=ppt/slides/slide2.xml><?xml version="1.0" encoding="utf-8"?>
 <p:sld xmlns:a="http://schemas.openxmlformats.org/drawingml/2006/main" xmlns:r="http://schemas.openxmlformats.org/officeDocument/2006/relationships" xmlns:p="http://schemas.openxmlformats.org/presentationml/2006/main">
   <p:cSld>
     <p:spTree>
@@ -8719,17 +6945,168 @@
         </p:nvSpPr>
         <p:spPr/>
         <p:txBody>
+          <a:bodyPr/>
+          <a:lstStyle/>
+          <a:p>
+            <a:r>
+              <a:rPr lang="en-US" dirty="0"/>
+              <a:t>Topics covered</a:t>
+            </a:r>
+          </a:p>
+        </p:txBody>
+      </p:sp>
+      <p:sp>
+        <p:nvSpPr>
+          <p:cNvPr id="3" name="Content Placeholder 2"/>
+          <p:cNvSpPr>
+            <a:spLocks noGrp="1"/>
+          </p:cNvSpPr>
+          <p:nvPr>
+            <p:ph idx="1"/>
+          </p:nvPr>
+        </p:nvSpPr>
+        <p:spPr/>
+        <p:txBody>
+          <a:bodyPr>
+            <a:normAutofit/>
+          </a:bodyPr>
+          <a:lstStyle/>
+          <a:p>
+            <a:endParaRPr lang="en-US" sz="4000" dirty="0"/>
+          </a:p>
+          <a:p>
+            <a:r>
+              <a:rPr lang="en-US" sz="4000" dirty="0"/>
+              <a:t>What is system architecture? </a:t>
+            </a:r>
+          </a:p>
+          <a:p>
+            <a:r>
+              <a:rPr lang="en-US" sz="4000" dirty="0"/>
+              <a:t>Architectural design decisions</a:t>
+            </a:r>
+            <a:endParaRPr lang="en-GB" sz="4000" dirty="0"/>
+          </a:p>
+          <a:p>
+            <a:r>
+              <a:rPr lang="en-US" sz="4000" dirty="0"/>
+              <a:t>Architectural views</a:t>
+            </a:r>
+            <a:endParaRPr lang="en-GB" sz="4000" dirty="0"/>
+          </a:p>
+          <a:p>
+            <a:r>
+              <a:rPr lang="en-US" sz="4000" dirty="0"/>
+              <a:t>Architectural patterns</a:t>
+            </a:r>
+            <a:endParaRPr lang="en-GB" sz="4000" dirty="0"/>
+          </a:p>
+          <a:p>
+            <a:r>
+              <a:rPr lang="en-US" sz="4000" dirty="0"/>
+              <a:t>Application architectures</a:t>
+            </a:r>
+            <a:endParaRPr lang="en-GB" sz="4000" dirty="0"/>
+          </a:p>
+          <a:p>
+            <a:endParaRPr lang="en-US" sz="4000" dirty="0"/>
+          </a:p>
+        </p:txBody>
+      </p:sp>
+      <p:sp>
+        <p:nvSpPr>
+          <p:cNvPr id="5" name="Footer Placeholder 4"/>
+          <p:cNvSpPr>
+            <a:spLocks noGrp="1"/>
+          </p:cNvSpPr>
+          <p:nvPr>
+            <p:ph type="ftr" sz="quarter" idx="11"/>
+          </p:nvPr>
+        </p:nvSpPr>
+        <p:spPr/>
+        <p:txBody>
+          <a:bodyPr/>
+          <a:lstStyle/>
+          <a:p>
+            <a:r>
+              <a:rPr lang="en-US"/>
+              <a:t>Chapter 6 Architectural design</a:t>
+            </a:r>
+          </a:p>
+        </p:txBody>
+      </p:sp>
+      <p:sp>
+        <p:nvSpPr>
+          <p:cNvPr id="4" name="Slide Number Placeholder 3"/>
+          <p:cNvSpPr>
+            <a:spLocks noGrp="1"/>
+          </p:cNvSpPr>
+          <p:nvPr>
+            <p:ph type="sldNum" sz="quarter" idx="12"/>
+          </p:nvPr>
+        </p:nvSpPr>
+        <p:spPr/>
+        <p:txBody>
+          <a:bodyPr/>
+          <a:lstStyle/>
+          <a:p>
+            <a:fld id="{EC33B370-F672-B743-B3AF-248A63C17270}" type="slidenum">
+              <a:rPr lang="en-US" smtClean="0"/>
+              <a:pPr/>
+              <a:t>2</a:t>
+            </a:fld>
+            <a:endParaRPr lang="en-US"/>
+          </a:p>
+        </p:txBody>
+      </p:sp>
+    </p:spTree>
+  </p:cSld>
+  <p:clrMapOvr>
+    <a:masterClrMapping/>
+  </p:clrMapOvr>
+</p:sld>
+</file>
+
+<file path=ppt/slides/slide20.xml><?xml version="1.0" encoding="utf-8"?>
+<p:sld xmlns:a="http://schemas.openxmlformats.org/drawingml/2006/main" xmlns:r="http://schemas.openxmlformats.org/officeDocument/2006/relationships" xmlns:p="http://schemas.openxmlformats.org/presentationml/2006/main">
+  <p:cSld>
+    <p:spTree>
+      <p:nvGrpSpPr>
+        <p:cNvPr id="1" name=""/>
+        <p:cNvGrpSpPr/>
+        <p:nvPr/>
+      </p:nvGrpSpPr>
+      <p:grpSpPr>
+        <a:xfrm>
+          <a:off x="0" y="0"/>
+          <a:ext cx="0" cy="0"/>
+          <a:chOff x="0" y="0"/>
+          <a:chExt cx="0" cy="0"/>
+        </a:xfrm>
+      </p:grpSpPr>
+      <p:sp>
+        <p:nvSpPr>
+          <p:cNvPr id="2" name="Title 1"/>
+          <p:cNvSpPr>
+            <a:spLocks noGrp="1"/>
+          </p:cNvSpPr>
+          <p:nvPr>
+            <p:ph type="title"/>
+          </p:nvPr>
+        </p:nvSpPr>
+        <p:spPr/>
+        <p:txBody>
           <a:bodyPr>
             <a:normAutofit fontScale="90000"/>
           </a:bodyPr>
           <a:lstStyle/>
           <a:p>
             <a:r>
-              <a:rPr lang="en-US" dirty="0" smtClean="0"/>
+              <a:rPr lang="en-US" dirty="0"/>
               <a:t>A repository architecture for an IDE</a:t>
             </a:r>
             <a:r>
-              <a:rPr lang="en-GB" dirty="0" smtClean="0"/>
+              <a:rPr lang="en-GB" dirty="0"/>
               <a:t> </a:t>
             </a:r>
             <a:endParaRPr lang="en-US" dirty="0"/>
@@ -8752,10 +7129,9 @@
           <a:lstStyle/>
           <a:p>
             <a:r>
-              <a:rPr lang="en-US" smtClean="0"/>
+              <a:rPr lang="en-US"/>
               <a:t>Chapter 6 Architectural design</a:t>
             </a:r>
-            <a:endParaRPr lang="en-US"/>
           </a:p>
         </p:txBody>
       </p:sp>
@@ -8777,7 +7153,7 @@
             <a:fld id="{EC33B370-F672-B743-B3AF-248A63C17270}" type="slidenum">
               <a:rPr lang="en-US" smtClean="0"/>
               <a:pPr/>
-              <a:t>28</a:t>
+              <a:t>20</a:t>
             </a:fld>
             <a:endParaRPr lang="en-US"/>
           </a:p>
@@ -8829,17 +7205,10 @@
   <p:clrMapOvr>
     <a:masterClrMapping/>
   </p:clrMapOvr>
-  <p:timing>
-    <p:tnLst>
-      <p:par>
-        <p:cTn id="1" dur="indefinite" restart="never" nodeType="tmRoot"/>
-      </p:par>
-    </p:tnLst>
-  </p:timing>
 </p:sld>
 </file>
 
-<file path=ppt/slides/slide29.xml><?xml version="1.0" encoding="utf-8"?>
+<file path=ppt/slides/slide21.xml><?xml version="1.0" encoding="utf-8"?>
 <p:sld xmlns:a="http://schemas.openxmlformats.org/drawingml/2006/main" xmlns:r="http://schemas.openxmlformats.org/officeDocument/2006/relationships" xmlns:p="http://schemas.openxmlformats.org/presentationml/2006/main">
   <p:cSld>
     <p:spTree>
@@ -8872,11 +7241,11 @@
           <a:lstStyle/>
           <a:p>
             <a:r>
-              <a:rPr lang="en-US" dirty="0" smtClean="0"/>
+              <a:rPr lang="en-US" dirty="0"/>
               <a:t>The Client–server pattern</a:t>
             </a:r>
             <a:r>
-              <a:rPr lang="en-GB" dirty="0" smtClean="0"/>
+              <a:rPr lang="en-GB" dirty="0"/>
               <a:t> </a:t>
             </a:r>
             <a:endParaRPr lang="en-US" dirty="0"/>
@@ -8936,7 +7305,7 @@
                         </a:tabLst>
                       </a:pPr>
                       <a:r>
-                        <a:rPr lang="en-GB" sz="1400" b="1" dirty="0" smtClean="0">
+                        <a:rPr lang="en-GB" sz="1400" b="1" dirty="0">
                           <a:solidFill>
                             <a:srgbClr val="000000"/>
                           </a:solidFill>
@@ -8946,14 +7315,6 @@
                         </a:rPr>
                         <a:t>Name</a:t>
                       </a:r>
-                      <a:endParaRPr lang="en-GB" sz="1400" b="1" dirty="0">
-                        <a:solidFill>
-                          <a:srgbClr val="000000"/>
-                        </a:solidFill>
-                        <a:latin typeface="Helvetica"/>
-                        <a:ea typeface="Times New Roman"/>
-                        <a:cs typeface="Helvetica"/>
-                      </a:endParaRPr>
                     </a:p>
                   </a:txBody>
                   <a:tcPr marL="68580" marR="68580" marT="0" marB="0"/>
@@ -8982,27 +7343,8 @@
                           <a:ea typeface="Times New Roman"/>
                           <a:cs typeface="Helvetica"/>
                         </a:rPr>
-                        <a:t>Client-</a:t>
+                        <a:t>Client-server</a:t>
                       </a:r>
-                      <a:r>
-                        <a:rPr lang="en-GB" sz="1400" b="1" dirty="0" smtClean="0">
-                          <a:solidFill>
-                            <a:srgbClr val="000000"/>
-                          </a:solidFill>
-                          <a:latin typeface="Helvetica"/>
-                          <a:ea typeface="Times New Roman"/>
-                          <a:cs typeface="Helvetica"/>
-                        </a:rPr>
-                        <a:t>server</a:t>
-                      </a:r>
-                      <a:endParaRPr lang="en-GB" sz="1400" b="1" dirty="0">
-                        <a:solidFill>
-                          <a:srgbClr val="000000"/>
-                        </a:solidFill>
-                        <a:latin typeface="Helvetica"/>
-                        <a:ea typeface="Times New Roman"/>
-                        <a:cs typeface="Helvetica"/>
-                      </a:endParaRPr>
                     </a:p>
                   </a:txBody>
                   <a:tcPr marL="68580" marR="68580" marT="0" marB="0"/>
@@ -9030,7 +7372,7 @@
                         </a:tabLst>
                       </a:pPr>
                       <a:r>
-                        <a:rPr lang="en-GB" sz="1400" b="1" dirty="0" smtClean="0">
+                        <a:rPr lang="en-GB" sz="1400" b="1" dirty="0">
                           <a:solidFill>
                             <a:srgbClr val="000000"/>
                           </a:solidFill>
@@ -9376,27 +7718,8 @@
                           <a:ea typeface="Times New Roman"/>
                           <a:cs typeface="Helvetica"/>
                         </a:rPr>
-                        <a:t>Each service is a single point of failure so susceptible to denial of service attacks or server failure. Performance may be unpredictable because it depends on the network as well as the system. May be management problems if servers are owned by different organizations</a:t>
+                        <a:t>Each service is a single point of failure so susceptible to denial of service attacks or server failure. Performance may be unpredictable because it depends on the network as well as the system. May be management problems if servers are owned by different organizations.</a:t>
                       </a:r>
-                      <a:r>
-                        <a:rPr lang="en-GB" sz="1400" dirty="0" smtClean="0">
-                          <a:solidFill>
-                            <a:srgbClr val="000000"/>
-                          </a:solidFill>
-                          <a:latin typeface="Helvetica"/>
-                          <a:ea typeface="Times New Roman"/>
-                          <a:cs typeface="Helvetica"/>
-                        </a:rPr>
-                        <a:t>.</a:t>
-                      </a:r>
-                      <a:endParaRPr lang="en-GB" sz="1400" dirty="0">
-                        <a:solidFill>
-                          <a:srgbClr val="000000"/>
-                        </a:solidFill>
-                        <a:latin typeface="Helvetica"/>
-                        <a:ea typeface="Times New Roman"/>
-                        <a:cs typeface="Helvetica"/>
-                      </a:endParaRPr>
                     </a:p>
                   </a:txBody>
                   <a:tcPr marL="68580" marR="68580" marT="0" marB="0"/>
@@ -9429,7 +7752,7 @@
             <a:fld id="{EC33B370-F672-B743-B3AF-248A63C17270}" type="slidenum">
               <a:rPr lang="en-US" smtClean="0"/>
               <a:pPr/>
-              <a:t>29</a:t>
+              <a:t>21</a:t>
             </a:fld>
             <a:endParaRPr lang="en-US"/>
           </a:p>
@@ -9451,10 +7774,9 @@
           <a:lstStyle/>
           <a:p>
             <a:r>
-              <a:rPr lang="en-US" smtClean="0"/>
+              <a:rPr lang="en-US"/>
               <a:t>Chapter 6 Architectural design</a:t>
             </a:r>
-            <a:endParaRPr lang="en-US"/>
           </a:p>
         </p:txBody>
       </p:sp>
@@ -9468,17 +7790,10 @@
   <p:clrMapOvr>
     <a:masterClrMapping/>
   </p:clrMapOvr>
-  <p:timing>
-    <p:tnLst>
-      <p:par>
-        <p:cTn id="1" dur="indefinite" restart="never" nodeType="tmRoot"/>
-      </p:par>
-    </p:tnLst>
-  </p:timing>
 </p:sld>
 </file>
 
-<file path=ppt/slides/slide3.xml><?xml version="1.0" encoding="utf-8"?>
+<file path=ppt/slides/slide22.xml><?xml version="1.0" encoding="utf-8"?>
 <p:sld xmlns:a="http://schemas.openxmlformats.org/drawingml/2006/main" xmlns:r="http://schemas.openxmlformats.org/officeDocument/2006/relationships" xmlns:p="http://schemas.openxmlformats.org/presentationml/2006/main">
   <p:cSld>
     <p:spTree>
@@ -9497,9 +7812,9 @@
       </p:grpSpPr>
       <p:sp>
         <p:nvSpPr>
-          <p:cNvPr id="44034" name="Rectangle 2"/>
-          <p:cNvSpPr>
-            <a:spLocks noGrp="1" noChangeArrowheads="1"/>
+          <p:cNvPr id="2" name="Title 1"/>
+          <p:cNvSpPr>
+            <a:spLocks noGrp="1"/>
           </p:cNvSpPr>
           <p:nvPr>
             <p:ph type="title"/>
@@ -9507,84 +7822,26 @@
         </p:nvSpPr>
         <p:spPr/>
         <p:txBody>
-          <a:bodyPr/>
-          <a:lstStyle/>
-          <a:p>
-            <a:r>
-              <a:rPr lang="en-GB"/>
-              <a:t>Software architecture</a:t>
-            </a:r>
-          </a:p>
-        </p:txBody>
-      </p:sp>
-      <p:sp>
-        <p:nvSpPr>
-          <p:cNvPr id="44035" name="Rectangle 3"/>
-          <p:cNvSpPr>
-            <a:spLocks noGrp="1" noChangeArrowheads="1"/>
-          </p:cNvSpPr>
-          <p:nvPr>
-            <p:ph idx="1"/>
-          </p:nvPr>
-        </p:nvSpPr>
-        <p:spPr/>
-        <p:txBody>
           <a:bodyPr>
-            <a:normAutofit fontScale="85000" lnSpcReduction="20000"/>
+            <a:normAutofit fontScale="90000"/>
           </a:bodyPr>
           <a:lstStyle/>
           <a:p>
             <a:r>
+              <a:rPr lang="en-US" dirty="0"/>
+              <a:t>A client–server architecture for a film library</a:t>
+            </a:r>
+            <a:r>
               <a:rPr lang="en-GB" dirty="0"/>
-              <a:t>The design process for identifying the sub-systems making up a system and the framework for sub-system control and communication is </a:t>
-            </a:r>
-            <a:r>
-              <a:rPr lang="en-GB" dirty="0">
-                <a:solidFill>
-                  <a:schemeClr val="accent1"/>
-                </a:solidFill>
-              </a:rPr>
-              <a:t>architectural design</a:t>
-            </a:r>
-            <a:r>
-              <a:rPr lang="en-GB" i="1" dirty="0"/>
-              <a:t>.</a:t>
-            </a:r>
-          </a:p>
-          <a:p>
-            <a:r>
-              <a:rPr lang="en-GB" dirty="0"/>
-              <a:t>The output of this design process is a description of the</a:t>
-            </a:r>
-            <a:r>
-              <a:rPr lang="en-GB" i="1" dirty="0"/>
               <a:t> </a:t>
             </a:r>
-            <a:r>
-              <a:rPr lang="en-GB" dirty="0">
-                <a:solidFill>
-                  <a:schemeClr val="accent1"/>
-                </a:solidFill>
-              </a:rPr>
-              <a:t>software architecture</a:t>
-            </a:r>
-            <a:r>
-              <a:rPr lang="en-GB" dirty="0" smtClean="0">
-                <a:solidFill>
-                  <a:schemeClr val="accent1"/>
-                </a:solidFill>
-              </a:rPr>
-              <a:t>.</a:t>
-            </a:r>
-          </a:p>
-          <a:p>
-            <a:endParaRPr lang="en-GB" dirty="0"/>
-          </a:p>
-        </p:txBody>
-      </p:sp>
-      <p:sp>
-        <p:nvSpPr>
-          <p:cNvPr id="5" name="Footer Placeholder 4"/>
+            <a:endParaRPr lang="en-US" dirty="0"/>
+          </a:p>
+        </p:txBody>
+      </p:sp>
+      <p:sp>
+        <p:nvSpPr>
+          <p:cNvPr id="6" name="Footer Placeholder 5"/>
           <p:cNvSpPr>
             <a:spLocks noGrp="1"/>
           </p:cNvSpPr>
@@ -9598,16 +7855,15 @@
           <a:lstStyle/>
           <a:p>
             <a:r>
-              <a:rPr lang="en-US" smtClean="0"/>
+              <a:rPr lang="en-US"/>
               <a:t>Chapter 6 Architectural design</a:t>
             </a:r>
-            <a:endParaRPr lang="en-US"/>
-          </a:p>
-        </p:txBody>
-      </p:sp>
-      <p:sp>
-        <p:nvSpPr>
-          <p:cNvPr id="4" name="Slide Number Placeholder 3"/>
+          </a:p>
+        </p:txBody>
+      </p:sp>
+      <p:sp>
+        <p:nvSpPr>
+          <p:cNvPr id="5" name="Slide Number Placeholder 4"/>
           <p:cNvSpPr>
             <a:spLocks noGrp="1"/>
           </p:cNvSpPr>
@@ -9623,115 +7879,7 @@
             <a:fld id="{EC33B370-F672-B743-B3AF-248A63C17270}" type="slidenum">
               <a:rPr lang="en-US" smtClean="0"/>
               <a:pPr/>
-              <a:t>3</a:t>
-            </a:fld>
-            <a:endParaRPr lang="en-US"/>
-          </a:p>
-        </p:txBody>
-      </p:sp>
-    </p:spTree>
-  </p:cSld>
-  <p:clrMapOvr>
-    <a:masterClrMapping/>
-  </p:clrMapOvr>
-  <p:timing>
-    <p:tnLst>
-      <p:par>
-        <p:cTn id="1" dur="indefinite" restart="never" nodeType="tmRoot"/>
-      </p:par>
-    </p:tnLst>
-  </p:timing>
-</p:sld>
-</file>
-
-<file path=ppt/slides/slide30.xml><?xml version="1.0" encoding="utf-8"?>
-<p:sld xmlns:a="http://schemas.openxmlformats.org/drawingml/2006/main" xmlns:r="http://schemas.openxmlformats.org/officeDocument/2006/relationships" xmlns:p="http://schemas.openxmlformats.org/presentationml/2006/main">
-  <p:cSld>
-    <p:spTree>
-      <p:nvGrpSpPr>
-        <p:cNvPr id="1" name=""/>
-        <p:cNvGrpSpPr/>
-        <p:nvPr/>
-      </p:nvGrpSpPr>
-      <p:grpSpPr>
-        <a:xfrm>
-          <a:off x="0" y="0"/>
-          <a:ext cx="0" cy="0"/>
-          <a:chOff x="0" y="0"/>
-          <a:chExt cx="0" cy="0"/>
-        </a:xfrm>
-      </p:grpSpPr>
-      <p:sp>
-        <p:nvSpPr>
-          <p:cNvPr id="2" name="Title 1"/>
-          <p:cNvSpPr>
-            <a:spLocks noGrp="1"/>
-          </p:cNvSpPr>
-          <p:nvPr>
-            <p:ph type="title"/>
-          </p:nvPr>
-        </p:nvSpPr>
-        <p:spPr/>
-        <p:txBody>
-          <a:bodyPr>
-            <a:normAutofit fontScale="90000"/>
-          </a:bodyPr>
-          <a:lstStyle/>
-          <a:p>
-            <a:r>
-              <a:rPr lang="en-US" dirty="0" smtClean="0"/>
-              <a:t>A client–server architecture for a film library</a:t>
-            </a:r>
-            <a:r>
-              <a:rPr lang="en-GB" dirty="0" smtClean="0"/>
-              <a:t> </a:t>
-            </a:r>
-            <a:endParaRPr lang="en-US" dirty="0"/>
-          </a:p>
-        </p:txBody>
-      </p:sp>
-      <p:sp>
-        <p:nvSpPr>
-          <p:cNvPr id="6" name="Footer Placeholder 5"/>
-          <p:cNvSpPr>
-            <a:spLocks noGrp="1"/>
-          </p:cNvSpPr>
-          <p:nvPr>
-            <p:ph type="ftr" sz="quarter" idx="11"/>
-          </p:nvPr>
-        </p:nvSpPr>
-        <p:spPr/>
-        <p:txBody>
-          <a:bodyPr/>
-          <a:lstStyle/>
-          <a:p>
-            <a:r>
-              <a:rPr lang="en-US" smtClean="0"/>
-              <a:t>Chapter 6 Architectural design</a:t>
-            </a:r>
-            <a:endParaRPr lang="en-US"/>
-          </a:p>
-        </p:txBody>
-      </p:sp>
-      <p:sp>
-        <p:nvSpPr>
-          <p:cNvPr id="5" name="Slide Number Placeholder 4"/>
-          <p:cNvSpPr>
-            <a:spLocks noGrp="1"/>
-          </p:cNvSpPr>
-          <p:nvPr>
-            <p:ph type="sldNum" sz="quarter" idx="12"/>
-          </p:nvPr>
-        </p:nvSpPr>
-        <p:spPr/>
-        <p:txBody>
-          <a:bodyPr/>
-          <a:lstStyle/>
-          <a:p>
-            <a:fld id="{EC33B370-F672-B743-B3AF-248A63C17270}" type="slidenum">
-              <a:rPr lang="en-US" smtClean="0"/>
-              <a:pPr/>
-              <a:t>30</a:t>
+              <a:t>22</a:t>
             </a:fld>
             <a:endParaRPr lang="en-US"/>
           </a:p>
@@ -9783,17 +7931,10 @@
   <p:clrMapOvr>
     <a:masterClrMapping/>
   </p:clrMapOvr>
-  <p:timing>
-    <p:tnLst>
-      <p:par>
-        <p:cTn id="1" dur="indefinite" restart="never" nodeType="tmRoot"/>
-      </p:par>
-    </p:tnLst>
-  </p:timing>
 </p:sld>
 </file>
 
-<file path=ppt/slides/slide31.xml><?xml version="1.0" encoding="utf-8"?>
+<file path=ppt/slides/slide23.xml><?xml version="1.0" encoding="utf-8"?>
 <p:sld xmlns:a="http://schemas.openxmlformats.org/drawingml/2006/main" xmlns:r="http://schemas.openxmlformats.org/officeDocument/2006/relationships" xmlns:p="http://schemas.openxmlformats.org/presentationml/2006/main">
   <p:cSld>
     <p:spTree>
@@ -9826,11 +7967,11 @@
           <a:lstStyle/>
           <a:p>
             <a:r>
-              <a:rPr lang="en-US" dirty="0" smtClean="0"/>
+              <a:rPr lang="en-US" dirty="0"/>
               <a:t>The pipe and filter pattern</a:t>
             </a:r>
             <a:r>
-              <a:rPr lang="en-GB" dirty="0" smtClean="0"/>
+              <a:rPr lang="en-GB" dirty="0"/>
               <a:t> </a:t>
             </a:r>
             <a:endParaRPr lang="en-US" dirty="0"/>
@@ -9890,7 +8031,7 @@
                         </a:tabLst>
                       </a:pPr>
                       <a:r>
-                        <a:rPr lang="en-GB" sz="1400" b="1" dirty="0" smtClean="0">
+                        <a:rPr lang="en-GB" sz="1400" b="1" dirty="0">
                           <a:solidFill>
                             <a:srgbClr val="000000"/>
                           </a:solidFill>
@@ -9900,14 +8041,6 @@
                         </a:rPr>
                         <a:t>Name</a:t>
                       </a:r>
-                      <a:endParaRPr lang="en-GB" sz="1400" b="1" dirty="0">
-                        <a:solidFill>
-                          <a:srgbClr val="000000"/>
-                        </a:solidFill>
-                        <a:latin typeface="Helvetica"/>
-                        <a:ea typeface="Times New Roman"/>
-                        <a:cs typeface="Helvetica"/>
-                      </a:endParaRPr>
                     </a:p>
                   </a:txBody>
                   <a:tcPr marL="68580" marR="68580" marT="0" marB="0"/>
@@ -9936,27 +8069,8 @@
                           <a:ea typeface="Times New Roman"/>
                           <a:cs typeface="Helvetica"/>
                         </a:rPr>
-                        <a:t>Pipe and </a:t>
+                        <a:t>Pipe and filter</a:t>
                       </a:r>
-                      <a:r>
-                        <a:rPr lang="en-GB" sz="1400" b="1" dirty="0" smtClean="0">
-                          <a:solidFill>
-                            <a:srgbClr val="000000"/>
-                          </a:solidFill>
-                          <a:latin typeface="Helvetica"/>
-                          <a:ea typeface="Times New Roman"/>
-                          <a:cs typeface="Helvetica"/>
-                        </a:rPr>
-                        <a:t>filter</a:t>
-                      </a:r>
-                      <a:endParaRPr lang="en-GB" sz="1400" b="1" dirty="0">
-                        <a:solidFill>
-                          <a:srgbClr val="000000"/>
-                        </a:solidFill>
-                        <a:latin typeface="Helvetica"/>
-                        <a:ea typeface="Times New Roman"/>
-                        <a:cs typeface="Helvetica"/>
-                      </a:endParaRPr>
                     </a:p>
                   </a:txBody>
                   <a:tcPr marL="68580" marR="68580" marT="0" marB="0"/>
@@ -9984,7 +8098,7 @@
                         </a:tabLst>
                       </a:pPr>
                       <a:r>
-                        <a:rPr lang="en-GB" sz="1400" b="1" dirty="0" smtClean="0">
+                        <a:rPr lang="en-GB" sz="1400" b="1" dirty="0">
                           <a:solidFill>
                             <a:srgbClr val="000000"/>
                           </a:solidFill>
@@ -10352,27 +8466,8 @@
                           <a:ea typeface="Times New Roman"/>
                           <a:cs typeface="Helvetica"/>
                         </a:rPr>
-                        <a:t> its output to the agreed form. This increases system overhead and may mean that it is impossible to reuse functional transformations that use incompatible data structures</a:t>
+                        <a:t> its output to the agreed form. This increases system overhead and may mean that it is impossible to reuse functional transformations that use incompatible data structures.</a:t>
                       </a:r>
-                      <a:r>
-                        <a:rPr lang="en-GB" sz="1400" dirty="0" smtClean="0">
-                          <a:solidFill>
-                            <a:srgbClr val="000000"/>
-                          </a:solidFill>
-                          <a:latin typeface="Helvetica"/>
-                          <a:ea typeface="Times New Roman"/>
-                          <a:cs typeface="Helvetica"/>
-                        </a:rPr>
-                        <a:t>.</a:t>
-                      </a:r>
-                      <a:endParaRPr lang="en-GB" sz="1400" dirty="0">
-                        <a:solidFill>
-                          <a:srgbClr val="000000"/>
-                        </a:solidFill>
-                        <a:latin typeface="Helvetica"/>
-                        <a:ea typeface="Times New Roman"/>
-                        <a:cs typeface="Helvetica"/>
-                      </a:endParaRPr>
                     </a:p>
                   </a:txBody>
                   <a:tcPr marL="68580" marR="68580" marT="0" marB="0"/>
@@ -10403,10 +8498,9 @@
           <a:lstStyle/>
           <a:p>
             <a:r>
-              <a:rPr lang="en-US" smtClean="0"/>
+              <a:rPr lang="en-US"/>
               <a:t>Chapter 6 Architectural design</a:t>
             </a:r>
-            <a:endParaRPr lang="en-US"/>
           </a:p>
         </p:txBody>
       </p:sp>
@@ -10428,7 +8522,7 @@
             <a:fld id="{EC33B370-F672-B743-B3AF-248A63C17270}" type="slidenum">
               <a:rPr lang="en-US" smtClean="0"/>
               <a:pPr/>
-              <a:t>31</a:t>
+              <a:t>23</a:t>
             </a:fld>
             <a:endParaRPr lang="en-US"/>
           </a:p>
@@ -10439,17 +8533,10 @@
   <p:clrMapOvr>
     <a:masterClrMapping/>
   </p:clrMapOvr>
-  <p:timing>
-    <p:tnLst>
-      <p:par>
-        <p:cTn id="1" dur="indefinite" restart="never" nodeType="tmRoot"/>
-      </p:par>
-    </p:tnLst>
-  </p:timing>
 </p:sld>
 </file>
 
-<file path=ppt/slides/slide32.xml><?xml version="1.0" encoding="utf-8"?>
+<file path=ppt/slides/slide24.xml><?xml version="1.0" encoding="utf-8"?>
 <p:sld xmlns:a="http://schemas.openxmlformats.org/drawingml/2006/main" xmlns:r="http://schemas.openxmlformats.org/officeDocument/2006/relationships" xmlns:p="http://schemas.openxmlformats.org/presentationml/2006/main">
   <p:cSld>
     <p:spTree>
@@ -10484,11 +8571,11 @@
           <a:lstStyle/>
           <a:p>
             <a:r>
-              <a:rPr lang="en-US" dirty="0" smtClean="0"/>
+              <a:rPr lang="en-US" dirty="0"/>
               <a:t>An example of the pipe and filter architecture</a:t>
             </a:r>
             <a:r>
-              <a:rPr lang="en-GB" dirty="0" smtClean="0"/>
+              <a:rPr lang="en-GB" dirty="0"/>
               <a:t> </a:t>
             </a:r>
             <a:endParaRPr lang="en-US" dirty="0"/>
@@ -10511,10 +8598,9 @@
           <a:lstStyle/>
           <a:p>
             <a:r>
-              <a:rPr lang="en-US" smtClean="0"/>
+              <a:rPr lang="en-US"/>
               <a:t>Chapter 6 Architectural design</a:t>
             </a:r>
-            <a:endParaRPr lang="en-US"/>
           </a:p>
         </p:txBody>
       </p:sp>
@@ -10536,7 +8622,7 @@
             <a:fld id="{EC33B370-F672-B743-B3AF-248A63C17270}" type="slidenum">
               <a:rPr lang="en-US" smtClean="0"/>
               <a:pPr/>
-              <a:t>32</a:t>
+              <a:t>24</a:t>
             </a:fld>
             <a:endParaRPr lang="en-US"/>
           </a:p>
@@ -10588,17 +8674,10 @@
   <p:clrMapOvr>
     <a:masterClrMapping/>
   </p:clrMapOvr>
-  <p:timing>
-    <p:tnLst>
-      <p:par>
-        <p:cTn id="1" dur="indefinite" restart="never" nodeType="tmRoot"/>
-      </p:par>
-    </p:tnLst>
-  </p:timing>
 </p:sld>
 </file>
 
-<file path=ppt/slides/slide33.xml><?xml version="1.0" encoding="utf-8"?>
+<file path=ppt/slides/slide25.xml><?xml version="1.0" encoding="utf-8"?>
 <p:sld xmlns:a="http://schemas.openxmlformats.org/drawingml/2006/main" xmlns:r="http://schemas.openxmlformats.org/officeDocument/2006/relationships" xmlns:p="http://schemas.openxmlformats.org/presentationml/2006/main">
   <p:cSld>
     <p:spTree>
@@ -10631,35 +8710,24 @@
           <a:lstStyle/>
           <a:p>
             <a:r>
-              <a:rPr lang="en-US" dirty="0" smtClean="0"/>
-              <a:t>Reading </a:t>
-            </a:r>
-            <a:r>
-              <a:rPr lang="en-US" dirty="0" smtClean="0">
+              <a:rPr lang="en-CA" dirty="0">
+                <a:solidFill>
+                  <a:srgbClr val="FF0000"/>
+                </a:solidFill>
+              </a:rPr>
+              <a:t>Reading</a:t>
+            </a:r>
+            <a:r>
+              <a:rPr lang="en-CA" dirty="0"/>
+              <a:t> </a:t>
+            </a:r>
+            <a:r>
+              <a:rPr lang="en-CA" dirty="0">
                 <a:sym typeface="Wingdings" panose="05000000000000000000" pitchFamily="2" charset="2"/>
               </a:rPr>
               <a:t></a:t>
             </a:r>
-            <a:endParaRPr lang="en-US" dirty="0"/>
-          </a:p>
-        </p:txBody>
-      </p:sp>
-      <p:sp>
-        <p:nvSpPr>
-          <p:cNvPr id="3" name="Content Placeholder 2"/>
-          <p:cNvSpPr>
-            <a:spLocks noGrp="1"/>
-          </p:cNvSpPr>
-          <p:nvPr>
-            <p:ph idx="1"/>
-          </p:nvPr>
-        </p:nvSpPr>
-        <p:spPr/>
-        <p:txBody>
-          <a:bodyPr/>
-          <a:lstStyle/>
-          <a:p>
-            <a:endParaRPr lang="en-US"/>
+            <a:endParaRPr lang="en-CA" dirty="0"/>
           </a:p>
         </p:txBody>
       </p:sp>
@@ -10679,10 +8747,9 @@
           <a:lstStyle/>
           <a:p>
             <a:r>
-              <a:rPr lang="en-US" smtClean="0"/>
+              <a:rPr lang="en-US"/>
               <a:t>Chapter 6 Architectural design</a:t>
             </a:r>
-            <a:endParaRPr lang="en-US"/>
           </a:p>
         </p:txBody>
       </p:sp>
@@ -10704,7 +8771,7 @@
             <a:fld id="{EC33B370-F672-B743-B3AF-248A63C17270}" type="slidenum">
               <a:rPr lang="en-US" smtClean="0"/>
               <a:pPr/>
-              <a:t>33</a:t>
+              <a:t>25</a:t>
             </a:fld>
             <a:endParaRPr lang="en-US"/>
           </a:p>
@@ -10713,7 +8780,7 @@
     </p:spTree>
     <p:extLst>
       <p:ext uri="{BB962C8B-B14F-4D97-AF65-F5344CB8AC3E}">
-        <p14:creationId xmlns:p14="http://schemas.microsoft.com/office/powerpoint/2010/main" val="1170428257"/>
+        <p14:creationId xmlns:p14="http://schemas.microsoft.com/office/powerpoint/2010/main" val="1922686486"/>
       </p:ext>
     </p:extLst>
   </p:cSld>
@@ -10723,7 +8790,7 @@
 </p:sld>
 </file>
 
-<file path=ppt/slides/slide34.xml><?xml version="1.0" encoding="utf-8"?>
+<file path=ppt/slides/slide26.xml><?xml version="1.0" encoding="utf-8"?>
 <p:sld xmlns:a="http://schemas.openxmlformats.org/drawingml/2006/main" xmlns:r="http://schemas.openxmlformats.org/officeDocument/2006/relationships" xmlns:p="http://schemas.openxmlformats.org/presentationml/2006/main">
   <p:cSld>
     <p:spTree>
@@ -10742,7 +8809,7 @@
       </p:grpSpPr>
       <p:sp>
         <p:nvSpPr>
-          <p:cNvPr id="137218" name="Rectangle 2"/>
+          <p:cNvPr id="160770" name="Rectangle 2"/>
           <p:cNvSpPr>
             <a:spLocks noGrp="1" noChangeArrowheads="1"/>
           </p:cNvSpPr>
@@ -10752,20 +8819,21 @@
         </p:nvSpPr>
         <p:spPr/>
         <p:txBody>
-          <a:bodyPr/>
-          <a:lstStyle/>
-          <a:p>
-            <a:r>
-              <a:rPr lang="en-US" dirty="0" smtClean="0"/>
-              <a:t>Application architectures</a:t>
-            </a:r>
-            <a:endParaRPr lang="en-US" dirty="0"/>
-          </a:p>
-        </p:txBody>
-      </p:sp>
-      <p:sp>
-        <p:nvSpPr>
-          <p:cNvPr id="137219" name="Rectangle 3"/>
+          <a:bodyPr>
+            <a:normAutofit fontScale="90000"/>
+          </a:bodyPr>
+          <a:lstStyle/>
+          <a:p>
+            <a:r>
+              <a:rPr lang="en-US"/>
+              <a:t>Language processing systems</a:t>
+            </a:r>
+          </a:p>
+        </p:txBody>
+      </p:sp>
+      <p:sp>
+        <p:nvSpPr>
+          <p:cNvPr id="160771" name="Rectangle 3"/>
           <p:cNvSpPr>
             <a:spLocks noGrp="1" noChangeArrowheads="1"/>
           </p:cNvSpPr>
@@ -10775,42 +8843,31 @@
         </p:nvSpPr>
         <p:spPr/>
         <p:txBody>
-          <a:bodyPr lIns="91797" tIns="45898" rIns="91797" bIns="45898">
-            <a:normAutofit fontScale="70000" lnSpcReduction="20000"/>
-          </a:bodyPr>
-          <a:lstStyle/>
-          <a:p>
-            <a:r>
-              <a:rPr lang="en-US" dirty="0"/>
-              <a:t>Application systems are designed to meet an </a:t>
-            </a:r>
-            <a:r>
-              <a:rPr lang="en-US" dirty="0" smtClean="0"/>
-              <a:t>organizational </a:t>
-            </a:r>
-            <a:r>
-              <a:rPr lang="en-US" dirty="0"/>
-              <a:t>need.</a:t>
-            </a:r>
-          </a:p>
-          <a:p>
-            <a:r>
-              <a:rPr lang="en-US" dirty="0"/>
-              <a:t>As businesses have much in common, their application systems also tend to have a common architecture that reflects the application requirements.</a:t>
-            </a:r>
-          </a:p>
-          <a:p>
-            <a:r>
-              <a:rPr lang="en-US" dirty="0"/>
-              <a:t>A generic</a:t>
-            </a:r>
-            <a:r>
-              <a:rPr lang="en-US" dirty="0" smtClean="0"/>
-              <a:t> application architecture is an architecture for a type of software system that may be configured </a:t>
-            </a:r>
-            <a:r>
-              <a:rPr lang="en-US" dirty="0"/>
-              <a:t>and adapted to create a system that meets specific requirements.</a:t>
+          <a:bodyPr lIns="91797" tIns="45898" rIns="91797" bIns="45898"/>
+          <a:lstStyle/>
+          <a:p>
+            <a:r>
+              <a:rPr lang="en-US" sz="2300" dirty="0"/>
+              <a:t>Accept a natural or artificial language as input and generate some other representation of that language. </a:t>
+            </a:r>
+          </a:p>
+          <a:p>
+            <a:r>
+              <a:rPr lang="en-US" sz="2300" dirty="0"/>
+              <a:t>May include an interpreter to act on the instructions in the language that is being processed.</a:t>
+            </a:r>
+          </a:p>
+          <a:p>
+            <a:r>
+              <a:rPr lang="en-US" sz="2300" dirty="0"/>
+              <a:t>Used in situations where the easiest way to solve a problem is to describe an algorithm or describe the system data</a:t>
+            </a:r>
+          </a:p>
+          <a:p>
+            <a:pPr lvl="1"/>
+            <a:r>
+              <a:rPr lang="en-US" sz="2100" dirty="0"/>
+              <a:t>Meta-case tools process tool descriptions, method rules, etc and generate tools.</a:t>
             </a:r>
           </a:p>
         </p:txBody>
@@ -10831,10 +8888,9 @@
           <a:lstStyle/>
           <a:p>
             <a:r>
-              <a:rPr lang="en-US" smtClean="0"/>
+              <a:rPr lang="en-US"/>
               <a:t>Chapter 6 Architectural design</a:t>
             </a:r>
-            <a:endParaRPr lang="en-US"/>
           </a:p>
         </p:txBody>
       </p:sp>
@@ -10856,7 +8912,7 @@
             <a:fld id="{EC33B370-F672-B743-B3AF-248A63C17270}" type="slidenum">
               <a:rPr lang="en-US" smtClean="0"/>
               <a:pPr/>
-              <a:t>34</a:t>
+              <a:t>26</a:t>
             </a:fld>
             <a:endParaRPr lang="en-US"/>
           </a:p>
@@ -10867,17 +8923,10 @@
   <p:clrMapOvr>
     <a:masterClrMapping/>
   </p:clrMapOvr>
-  <p:timing>
-    <p:tnLst>
-      <p:par>
-        <p:cTn id="1" dur="indefinite" restart="never" nodeType="tmRoot"/>
-      </p:par>
-    </p:tnLst>
-  </p:timing>
 </p:sld>
 </file>
 
-<file path=ppt/slides/slide35.xml><?xml version="1.0" encoding="utf-8"?>
+<file path=ppt/slides/slide27.xml><?xml version="1.0" encoding="utf-8"?>
 <p:sld xmlns:a="http://schemas.openxmlformats.org/drawingml/2006/main" xmlns:r="http://schemas.openxmlformats.org/officeDocument/2006/relationships" xmlns:p="http://schemas.openxmlformats.org/presentationml/2006/main">
   <p:cSld>
     <p:spTree>
@@ -10896,9 +8945,9 @@
       </p:grpSpPr>
       <p:sp>
         <p:nvSpPr>
-          <p:cNvPr id="138242" name="Rectangle 2"/>
-          <p:cNvSpPr>
-            <a:spLocks noGrp="1" noChangeArrowheads="1"/>
+          <p:cNvPr id="2" name="Title 1"/>
+          <p:cNvSpPr>
+            <a:spLocks noGrp="1"/>
           </p:cNvSpPr>
           <p:nvPr>
             <p:ph type="title"/>
@@ -10913,105 +8962,14 @@
           <a:p>
             <a:r>
               <a:rPr lang="en-US" dirty="0"/>
-              <a:t>Use of application architectures</a:t>
-            </a:r>
-          </a:p>
-        </p:txBody>
-      </p:sp>
-      <p:sp>
-        <p:nvSpPr>
-          <p:cNvPr id="138243" name="Rectangle 3"/>
-          <p:cNvSpPr>
-            <a:spLocks noGrp="1" noChangeArrowheads="1"/>
-          </p:cNvSpPr>
-          <p:nvPr>
-            <p:ph idx="1"/>
-          </p:nvPr>
-        </p:nvSpPr>
-        <p:spPr/>
-        <p:txBody>
-          <a:bodyPr lIns="91797" tIns="45898" rIns="91797" bIns="45898">
-            <a:normAutofit fontScale="85000" lnSpcReduction="20000"/>
-          </a:bodyPr>
-          <a:lstStyle/>
-          <a:p>
-            <a:pPr>
-              <a:lnSpc>
-                <a:spcPct val="90000"/>
-              </a:lnSpc>
-            </a:pPr>
-            <a:r>
-              <a:rPr lang="en-US" dirty="0"/>
-              <a:t>As a starting point for architectural design.</a:t>
-            </a:r>
-          </a:p>
-          <a:p>
-            <a:pPr>
-              <a:lnSpc>
-                <a:spcPct val="90000"/>
-              </a:lnSpc>
-            </a:pPr>
-            <a:r>
-              <a:rPr lang="en-US" dirty="0"/>
-              <a:t>As a design checklist.</a:t>
-            </a:r>
-          </a:p>
-          <a:p>
-            <a:pPr>
-              <a:lnSpc>
-                <a:spcPct val="90000"/>
-              </a:lnSpc>
-            </a:pPr>
-            <a:r>
-              <a:rPr lang="en-US" dirty="0"/>
-              <a:t>As a way of </a:t>
-            </a:r>
-            <a:r>
-              <a:rPr lang="en-US" dirty="0" smtClean="0"/>
-              <a:t>organizing </a:t>
-            </a:r>
-            <a:r>
-              <a:rPr lang="en-US" dirty="0"/>
-              <a:t>the work of the development team.</a:t>
-            </a:r>
-          </a:p>
-          <a:p>
-            <a:pPr>
-              <a:lnSpc>
-                <a:spcPct val="90000"/>
-              </a:lnSpc>
-            </a:pPr>
-            <a:r>
-              <a:rPr lang="en-US" dirty="0"/>
-              <a:t>As a means of assessing components for reuse.</a:t>
-            </a:r>
-          </a:p>
-          <a:p>
-            <a:pPr>
-              <a:lnSpc>
-                <a:spcPct val="90000"/>
-              </a:lnSpc>
-            </a:pPr>
-            <a:r>
-              <a:rPr lang="en-US" dirty="0"/>
-              <a:t>As a vocabulary for talking about application types.</a:t>
-            </a:r>
-          </a:p>
-          <a:p>
-            <a:pPr>
-              <a:lnSpc>
-                <a:spcPct val="90000"/>
-              </a:lnSpc>
-              <a:buFont typeface="Zapf Dingbats" charset="2"/>
-              <a:buNone/>
-            </a:pPr>
-            <a:endParaRPr lang="en-US" dirty="0"/>
-          </a:p>
-        </p:txBody>
-      </p:sp>
-      <p:sp>
-        <p:nvSpPr>
-          <p:cNvPr id="5" name="Footer Placeholder 4"/>
+              <a:t>The architecture of a language processing system </a:t>
+            </a:r>
+          </a:p>
+        </p:txBody>
+      </p:sp>
+      <p:sp>
+        <p:nvSpPr>
+          <p:cNvPr id="6" name="Footer Placeholder 5"/>
           <p:cNvSpPr>
             <a:spLocks noGrp="1"/>
           </p:cNvSpPr>
@@ -11025,16 +8983,15 @@
           <a:lstStyle/>
           <a:p>
             <a:r>
-              <a:rPr lang="en-US" smtClean="0"/>
+              <a:rPr lang="en-US"/>
               <a:t>Chapter 6 Architectural design</a:t>
             </a:r>
-            <a:endParaRPr lang="en-US"/>
-          </a:p>
-        </p:txBody>
-      </p:sp>
-      <p:sp>
-        <p:nvSpPr>
-          <p:cNvPr id="4" name="Slide Number Placeholder 3"/>
+          </a:p>
+        </p:txBody>
+      </p:sp>
+      <p:sp>
+        <p:nvSpPr>
+          <p:cNvPr id="5" name="Slide Number Placeholder 4"/>
           <p:cNvSpPr>
             <a:spLocks noGrp="1"/>
           </p:cNvSpPr>
@@ -11050,2174 +9007,7 @@
             <a:fld id="{EC33B370-F672-B743-B3AF-248A63C17270}" type="slidenum">
               <a:rPr lang="en-US" smtClean="0"/>
               <a:pPr/>
-              <a:t>35</a:t>
-            </a:fld>
-            <a:endParaRPr lang="en-US"/>
-          </a:p>
-        </p:txBody>
-      </p:sp>
-    </p:spTree>
-  </p:cSld>
-  <p:clrMapOvr>
-    <a:masterClrMapping/>
-  </p:clrMapOvr>
-  <p:timing>
-    <p:tnLst>
-      <p:par>
-        <p:cTn id="1" dur="indefinite" restart="never" nodeType="tmRoot"/>
-      </p:par>
-    </p:tnLst>
-  </p:timing>
-</p:sld>
-</file>
-
-<file path=ppt/slides/slide36.xml><?xml version="1.0" encoding="utf-8"?>
-<p:sld xmlns:a="http://schemas.openxmlformats.org/drawingml/2006/main" xmlns:r="http://schemas.openxmlformats.org/officeDocument/2006/relationships" xmlns:p="http://schemas.openxmlformats.org/presentationml/2006/main">
-  <p:cSld>
-    <p:spTree>
-      <p:nvGrpSpPr>
-        <p:cNvPr id="1" name=""/>
-        <p:cNvGrpSpPr/>
-        <p:nvPr/>
-      </p:nvGrpSpPr>
-      <p:grpSpPr>
-        <a:xfrm>
-          <a:off x="0" y="0"/>
-          <a:ext cx="0" cy="0"/>
-          <a:chOff x="0" y="0"/>
-          <a:chExt cx="0" cy="0"/>
-        </a:xfrm>
-      </p:grpSpPr>
-      <p:sp>
-        <p:nvSpPr>
-          <p:cNvPr id="139266" name="Rectangle 2"/>
-          <p:cNvSpPr>
-            <a:spLocks noGrp="1" noChangeArrowheads="1"/>
-          </p:cNvSpPr>
-          <p:nvPr>
-            <p:ph type="title"/>
-          </p:nvPr>
-        </p:nvSpPr>
-        <p:spPr/>
-        <p:txBody>
-          <a:bodyPr>
-            <a:normAutofit fontScale="90000"/>
-          </a:bodyPr>
-          <a:lstStyle/>
-          <a:p>
-            <a:r>
-              <a:rPr lang="en-US" smtClean="0"/>
-              <a:t>Examples of application types</a:t>
-            </a:r>
-            <a:endParaRPr lang="en-US" dirty="0"/>
-          </a:p>
-        </p:txBody>
-      </p:sp>
-      <p:sp>
-        <p:nvSpPr>
-          <p:cNvPr id="139267" name="Rectangle 3"/>
-          <p:cNvSpPr>
-            <a:spLocks noGrp="1" noChangeArrowheads="1"/>
-          </p:cNvSpPr>
-          <p:nvPr>
-            <p:ph idx="1"/>
-          </p:nvPr>
-        </p:nvSpPr>
-        <p:spPr/>
-        <p:txBody>
-          <a:bodyPr>
-            <a:normAutofit fontScale="55000" lnSpcReduction="20000"/>
-          </a:bodyPr>
-          <a:lstStyle/>
-          <a:p>
-            <a:r>
-              <a:rPr lang="en-US" dirty="0" smtClean="0"/>
-              <a:t>Data processing applications</a:t>
-            </a:r>
-          </a:p>
-          <a:p>
-            <a:pPr lvl="1"/>
-            <a:r>
-              <a:rPr lang="en-US" dirty="0" smtClean="0"/>
-              <a:t>Data driven applications that process data in batches without explicit user intervention during the processing.</a:t>
-            </a:r>
-          </a:p>
-          <a:p>
-            <a:r>
-              <a:rPr lang="en-US" dirty="0" smtClean="0"/>
-              <a:t>Transaction processing applications</a:t>
-            </a:r>
-          </a:p>
-          <a:p>
-            <a:pPr lvl="1"/>
-            <a:r>
-              <a:rPr lang="en-US" dirty="0" smtClean="0"/>
-              <a:t>Data-</a:t>
-            </a:r>
-            <a:r>
-              <a:rPr lang="en-US" dirty="0" err="1" smtClean="0"/>
-              <a:t>centred</a:t>
-            </a:r>
-            <a:r>
-              <a:rPr lang="en-US" dirty="0" smtClean="0"/>
-              <a:t> applications that process user requests and update information in a system database.</a:t>
-            </a:r>
-          </a:p>
-          <a:p>
-            <a:r>
-              <a:rPr lang="en-US" dirty="0" smtClean="0"/>
-              <a:t>Event processing systems</a:t>
-            </a:r>
-          </a:p>
-          <a:p>
-            <a:pPr lvl="1"/>
-            <a:r>
-              <a:rPr lang="en-US" dirty="0" smtClean="0"/>
-              <a:t>Applications where system actions depend on interpreting events from the system’s environment.</a:t>
-            </a:r>
-          </a:p>
-          <a:p>
-            <a:r>
-              <a:rPr lang="en-US" dirty="0" smtClean="0"/>
-              <a:t>Language processing systems</a:t>
-            </a:r>
-          </a:p>
-          <a:p>
-            <a:pPr lvl="1"/>
-            <a:r>
-              <a:rPr lang="en-US" dirty="0" smtClean="0"/>
-              <a:t>Applications where the users’ intentions are specified in a formal language that is processed and interpreted by the system.</a:t>
-            </a:r>
-            <a:endParaRPr lang="en-US" dirty="0"/>
-          </a:p>
-        </p:txBody>
-      </p:sp>
-      <p:sp>
-        <p:nvSpPr>
-          <p:cNvPr id="5" name="Footer Placeholder 4"/>
-          <p:cNvSpPr>
-            <a:spLocks noGrp="1"/>
-          </p:cNvSpPr>
-          <p:nvPr>
-            <p:ph type="ftr" sz="quarter" idx="11"/>
-          </p:nvPr>
-        </p:nvSpPr>
-        <p:spPr/>
-        <p:txBody>
-          <a:bodyPr/>
-          <a:lstStyle/>
-          <a:p>
-            <a:r>
-              <a:rPr lang="en-US" smtClean="0"/>
-              <a:t>Chapter 6 Architectural design</a:t>
-            </a:r>
-            <a:endParaRPr lang="en-US"/>
-          </a:p>
-        </p:txBody>
-      </p:sp>
-      <p:sp>
-        <p:nvSpPr>
-          <p:cNvPr id="4" name="Slide Number Placeholder 3"/>
-          <p:cNvSpPr>
-            <a:spLocks noGrp="1"/>
-          </p:cNvSpPr>
-          <p:nvPr>
-            <p:ph type="sldNum" sz="quarter" idx="12"/>
-          </p:nvPr>
-        </p:nvSpPr>
-        <p:spPr/>
-        <p:txBody>
-          <a:bodyPr/>
-          <a:lstStyle/>
-          <a:p>
-            <a:fld id="{EC33B370-F672-B743-B3AF-248A63C17270}" type="slidenum">
-              <a:rPr lang="en-US" smtClean="0"/>
-              <a:pPr/>
-              <a:t>36</a:t>
-            </a:fld>
-            <a:endParaRPr lang="en-US"/>
-          </a:p>
-        </p:txBody>
-      </p:sp>
-    </p:spTree>
-  </p:cSld>
-  <p:clrMapOvr>
-    <a:masterClrMapping/>
-  </p:clrMapOvr>
-  <p:timing>
-    <p:tnLst>
-      <p:par>
-        <p:cTn id="1" dur="indefinite" restart="never" nodeType="tmRoot"/>
-      </p:par>
-    </p:tnLst>
-  </p:timing>
-</p:sld>
-</file>
-
-<file path=ppt/slides/slide37.xml><?xml version="1.0" encoding="utf-8"?>
-<p:sld xmlns:a="http://schemas.openxmlformats.org/drawingml/2006/main" xmlns:r="http://schemas.openxmlformats.org/officeDocument/2006/relationships" xmlns:p="http://schemas.openxmlformats.org/presentationml/2006/main">
-  <p:cSld>
-    <p:spTree>
-      <p:nvGrpSpPr>
-        <p:cNvPr id="1" name=""/>
-        <p:cNvGrpSpPr/>
-        <p:nvPr/>
-      </p:nvGrpSpPr>
-      <p:grpSpPr>
-        <a:xfrm>
-          <a:off x="0" y="0"/>
-          <a:ext cx="0" cy="0"/>
-          <a:chOff x="0" y="0"/>
-          <a:chExt cx="0" cy="0"/>
-        </a:xfrm>
-      </p:grpSpPr>
-      <p:sp>
-        <p:nvSpPr>
-          <p:cNvPr id="140290" name="Rectangle 2"/>
-          <p:cNvSpPr>
-            <a:spLocks noGrp="1" noChangeArrowheads="1"/>
-          </p:cNvSpPr>
-          <p:nvPr>
-            <p:ph type="title"/>
-          </p:nvPr>
-        </p:nvSpPr>
-        <p:spPr/>
-        <p:txBody>
-          <a:bodyPr/>
-          <a:lstStyle/>
-          <a:p>
-            <a:r>
-              <a:rPr lang="en-US"/>
-              <a:t>Application type examples</a:t>
-            </a:r>
-          </a:p>
-        </p:txBody>
-      </p:sp>
-      <p:sp>
-        <p:nvSpPr>
-          <p:cNvPr id="140291" name="Rectangle 3"/>
-          <p:cNvSpPr>
-            <a:spLocks noGrp="1" noChangeArrowheads="1"/>
-          </p:cNvSpPr>
-          <p:nvPr>
-            <p:ph idx="1"/>
-          </p:nvPr>
-        </p:nvSpPr>
-        <p:spPr/>
-        <p:txBody>
-          <a:bodyPr lIns="91797" tIns="45898" rIns="91797" bIns="45898"/>
-          <a:lstStyle/>
-          <a:p>
-            <a:pPr>
-              <a:lnSpc>
-                <a:spcPct val="90000"/>
-              </a:lnSpc>
-            </a:pPr>
-            <a:r>
-              <a:rPr lang="en-US" sz="2300" dirty="0" smtClean="0"/>
-              <a:t>Focus here is on transaction processing and language </a:t>
-            </a:r>
-            <a:r>
-              <a:rPr lang="en-US" sz="2300" smtClean="0"/>
-              <a:t>processing systems.</a:t>
-            </a:r>
-          </a:p>
-          <a:p>
-            <a:pPr>
-              <a:lnSpc>
-                <a:spcPct val="90000"/>
-              </a:lnSpc>
-            </a:pPr>
-            <a:r>
-              <a:rPr lang="en-US" sz="2300" dirty="0" smtClean="0"/>
-              <a:t>Transaction </a:t>
-            </a:r>
-            <a:r>
-              <a:rPr lang="en-US" sz="2300" dirty="0"/>
-              <a:t>processing systems</a:t>
-            </a:r>
-          </a:p>
-          <a:p>
-            <a:pPr lvl="1">
-              <a:lnSpc>
-                <a:spcPct val="90000"/>
-              </a:lnSpc>
-            </a:pPr>
-            <a:r>
-              <a:rPr lang="en-US" sz="2100" dirty="0"/>
-              <a:t>E-commerce systems;</a:t>
-            </a:r>
-          </a:p>
-          <a:p>
-            <a:pPr lvl="1">
-              <a:lnSpc>
-                <a:spcPct val="90000"/>
-              </a:lnSpc>
-            </a:pPr>
-            <a:r>
-              <a:rPr lang="en-US" sz="2100" dirty="0"/>
-              <a:t>Reservation systems.</a:t>
-            </a:r>
-            <a:endParaRPr lang="en-US" sz="2100" dirty="0" smtClean="0"/>
-          </a:p>
-          <a:p>
-            <a:pPr>
-              <a:lnSpc>
-                <a:spcPct val="90000"/>
-              </a:lnSpc>
-            </a:pPr>
-            <a:r>
-              <a:rPr lang="en-US" sz="2300" dirty="0" smtClean="0"/>
-              <a:t>Language </a:t>
-            </a:r>
-            <a:r>
-              <a:rPr lang="en-US" sz="2300" dirty="0"/>
-              <a:t>processing systems</a:t>
-            </a:r>
-          </a:p>
-          <a:p>
-            <a:pPr lvl="1">
-              <a:lnSpc>
-                <a:spcPct val="90000"/>
-              </a:lnSpc>
-            </a:pPr>
-            <a:r>
-              <a:rPr lang="en-US" sz="2100" dirty="0"/>
-              <a:t>Compilers;</a:t>
-            </a:r>
-          </a:p>
-          <a:p>
-            <a:pPr lvl="1">
-              <a:lnSpc>
-                <a:spcPct val="90000"/>
-              </a:lnSpc>
-            </a:pPr>
-            <a:r>
-              <a:rPr lang="en-US" sz="2100" dirty="0"/>
-              <a:t>Command interpreters.</a:t>
-            </a:r>
-          </a:p>
-          <a:p>
-            <a:pPr lvl="1">
-              <a:lnSpc>
-                <a:spcPct val="90000"/>
-              </a:lnSpc>
-            </a:pPr>
-            <a:endParaRPr lang="en-US" sz="2100" dirty="0"/>
-          </a:p>
-        </p:txBody>
-      </p:sp>
-      <p:sp>
-        <p:nvSpPr>
-          <p:cNvPr id="5" name="Footer Placeholder 4"/>
-          <p:cNvSpPr>
-            <a:spLocks noGrp="1"/>
-          </p:cNvSpPr>
-          <p:nvPr>
-            <p:ph type="ftr" sz="quarter" idx="11"/>
-          </p:nvPr>
-        </p:nvSpPr>
-        <p:spPr/>
-        <p:txBody>
-          <a:bodyPr/>
-          <a:lstStyle/>
-          <a:p>
-            <a:r>
-              <a:rPr lang="en-US" smtClean="0"/>
-              <a:t>Chapter 6 Architectural design</a:t>
-            </a:r>
-            <a:endParaRPr lang="en-US"/>
-          </a:p>
-        </p:txBody>
-      </p:sp>
-      <p:sp>
-        <p:nvSpPr>
-          <p:cNvPr id="4" name="Slide Number Placeholder 3"/>
-          <p:cNvSpPr>
-            <a:spLocks noGrp="1"/>
-          </p:cNvSpPr>
-          <p:nvPr>
-            <p:ph type="sldNum" sz="quarter" idx="12"/>
-          </p:nvPr>
-        </p:nvSpPr>
-        <p:spPr/>
-        <p:txBody>
-          <a:bodyPr/>
-          <a:lstStyle/>
-          <a:p>
-            <a:fld id="{EC33B370-F672-B743-B3AF-248A63C17270}" type="slidenum">
-              <a:rPr lang="en-US" smtClean="0"/>
-              <a:pPr/>
-              <a:t>37</a:t>
-            </a:fld>
-            <a:endParaRPr lang="en-US"/>
-          </a:p>
-        </p:txBody>
-      </p:sp>
-    </p:spTree>
-  </p:cSld>
-  <p:clrMapOvr>
-    <a:masterClrMapping/>
-  </p:clrMapOvr>
-  <p:timing>
-    <p:tnLst>
-      <p:par>
-        <p:cTn id="1" dur="indefinite" restart="never" nodeType="tmRoot"/>
-      </p:par>
-    </p:tnLst>
-  </p:timing>
-</p:sld>
-</file>
-
-<file path=ppt/slides/slide38.xml><?xml version="1.0" encoding="utf-8"?>
-<p:sld xmlns:a="http://schemas.openxmlformats.org/drawingml/2006/main" xmlns:r="http://schemas.openxmlformats.org/officeDocument/2006/relationships" xmlns:p="http://schemas.openxmlformats.org/presentationml/2006/main">
-  <p:cSld>
-    <p:spTree>
-      <p:nvGrpSpPr>
-        <p:cNvPr id="1" name=""/>
-        <p:cNvGrpSpPr/>
-        <p:nvPr/>
-      </p:nvGrpSpPr>
-      <p:grpSpPr>
-        <a:xfrm>
-          <a:off x="0" y="0"/>
-          <a:ext cx="0" cy="0"/>
-          <a:chOff x="0" y="0"/>
-          <a:chExt cx="0" cy="0"/>
-        </a:xfrm>
-      </p:grpSpPr>
-      <p:sp>
-        <p:nvSpPr>
-          <p:cNvPr id="144386" name="Rectangle 2"/>
-          <p:cNvSpPr>
-            <a:spLocks noGrp="1" noChangeArrowheads="1"/>
-          </p:cNvSpPr>
-          <p:nvPr>
-            <p:ph type="title"/>
-          </p:nvPr>
-        </p:nvSpPr>
-        <p:spPr/>
-        <p:txBody>
-          <a:bodyPr>
-            <a:normAutofit fontScale="90000"/>
-          </a:bodyPr>
-          <a:lstStyle/>
-          <a:p>
-            <a:r>
-              <a:rPr lang="en-US"/>
-              <a:t>Transaction processing systems</a:t>
-            </a:r>
-          </a:p>
-        </p:txBody>
-      </p:sp>
-      <p:sp>
-        <p:nvSpPr>
-          <p:cNvPr id="144387" name="Rectangle 3"/>
-          <p:cNvSpPr>
-            <a:spLocks noGrp="1" noChangeArrowheads="1"/>
-          </p:cNvSpPr>
-          <p:nvPr>
-            <p:ph idx="1"/>
-          </p:nvPr>
-        </p:nvSpPr>
-        <p:spPr/>
-        <p:txBody>
-          <a:bodyPr lIns="91797" tIns="45898" rIns="91797" bIns="45898">
-            <a:normAutofit fontScale="70000" lnSpcReduction="20000"/>
-          </a:bodyPr>
-          <a:lstStyle/>
-          <a:p>
-            <a:pPr>
-              <a:lnSpc>
-                <a:spcPct val="90000"/>
-              </a:lnSpc>
-            </a:pPr>
-            <a:r>
-              <a:rPr lang="en-US"/>
-              <a:t>Process user requests for information from a database or requests to update the database.</a:t>
-            </a:r>
-          </a:p>
-          <a:p>
-            <a:pPr>
-              <a:lnSpc>
-                <a:spcPct val="90000"/>
-              </a:lnSpc>
-            </a:pPr>
-            <a:r>
-              <a:rPr lang="en-US"/>
-              <a:t>From a user perspective a transaction is:</a:t>
-            </a:r>
-          </a:p>
-          <a:p>
-            <a:pPr lvl="1">
-              <a:lnSpc>
-                <a:spcPct val="90000"/>
-              </a:lnSpc>
-            </a:pPr>
-            <a:r>
-              <a:rPr lang="en-US"/>
-              <a:t>Any coherent sequence of operations that satisfies a goal;</a:t>
-            </a:r>
-          </a:p>
-          <a:p>
-            <a:pPr lvl="1">
-              <a:lnSpc>
-                <a:spcPct val="90000"/>
-              </a:lnSpc>
-            </a:pPr>
-            <a:r>
-              <a:rPr lang="en-US"/>
-              <a:t>For example - find the times of flights from London to Paris.</a:t>
-            </a:r>
-          </a:p>
-          <a:p>
-            <a:pPr>
-              <a:lnSpc>
-                <a:spcPct val="90000"/>
-              </a:lnSpc>
-            </a:pPr>
-            <a:r>
-              <a:rPr lang="en-US"/>
-              <a:t>Users make asynchronous requests for service which are then processed by a transaction manager.</a:t>
-            </a:r>
-          </a:p>
-        </p:txBody>
-      </p:sp>
-      <p:sp>
-        <p:nvSpPr>
-          <p:cNvPr id="5" name="Footer Placeholder 4"/>
-          <p:cNvSpPr>
-            <a:spLocks noGrp="1"/>
-          </p:cNvSpPr>
-          <p:nvPr>
-            <p:ph type="ftr" sz="quarter" idx="11"/>
-          </p:nvPr>
-        </p:nvSpPr>
-        <p:spPr/>
-        <p:txBody>
-          <a:bodyPr/>
-          <a:lstStyle/>
-          <a:p>
-            <a:r>
-              <a:rPr lang="en-US" smtClean="0"/>
-              <a:t>Chapter 6 Architectural design</a:t>
-            </a:r>
-            <a:endParaRPr lang="en-US"/>
-          </a:p>
-        </p:txBody>
-      </p:sp>
-      <p:sp>
-        <p:nvSpPr>
-          <p:cNvPr id="4" name="Slide Number Placeholder 3"/>
-          <p:cNvSpPr>
-            <a:spLocks noGrp="1"/>
-          </p:cNvSpPr>
-          <p:nvPr>
-            <p:ph type="sldNum" sz="quarter" idx="12"/>
-          </p:nvPr>
-        </p:nvSpPr>
-        <p:spPr/>
-        <p:txBody>
-          <a:bodyPr/>
-          <a:lstStyle/>
-          <a:p>
-            <a:fld id="{EC33B370-F672-B743-B3AF-248A63C17270}" type="slidenum">
-              <a:rPr lang="en-US" smtClean="0"/>
-              <a:pPr/>
-              <a:t>38</a:t>
-            </a:fld>
-            <a:endParaRPr lang="en-US"/>
-          </a:p>
-        </p:txBody>
-      </p:sp>
-    </p:spTree>
-  </p:cSld>
-  <p:clrMapOvr>
-    <a:masterClrMapping/>
-  </p:clrMapOvr>
-  <p:timing>
-    <p:tnLst>
-      <p:par>
-        <p:cTn id="1" dur="indefinite" restart="never" nodeType="tmRoot"/>
-      </p:par>
-    </p:tnLst>
-  </p:timing>
-</p:sld>
-</file>
-
-<file path=ppt/slides/slide39.xml><?xml version="1.0" encoding="utf-8"?>
-<p:sld xmlns:a="http://schemas.openxmlformats.org/drawingml/2006/main" xmlns:r="http://schemas.openxmlformats.org/officeDocument/2006/relationships" xmlns:p="http://schemas.openxmlformats.org/presentationml/2006/main">
-  <p:cSld>
-    <p:spTree>
-      <p:nvGrpSpPr>
-        <p:cNvPr id="1" name=""/>
-        <p:cNvGrpSpPr/>
-        <p:nvPr/>
-      </p:nvGrpSpPr>
-      <p:grpSpPr>
-        <a:xfrm>
-          <a:off x="0" y="0"/>
-          <a:ext cx="0" cy="0"/>
-          <a:chOff x="0" y="0"/>
-          <a:chExt cx="0" cy="0"/>
-        </a:xfrm>
-      </p:grpSpPr>
-      <p:sp>
-        <p:nvSpPr>
-          <p:cNvPr id="2" name="Title 1"/>
-          <p:cNvSpPr>
-            <a:spLocks noGrp="1"/>
-          </p:cNvSpPr>
-          <p:nvPr>
-            <p:ph type="title"/>
-          </p:nvPr>
-        </p:nvSpPr>
-        <p:spPr/>
-        <p:txBody>
-          <a:bodyPr>
-            <a:normAutofit fontScale="90000"/>
-          </a:bodyPr>
-          <a:lstStyle/>
-          <a:p>
-            <a:r>
-              <a:rPr lang="en-US" dirty="0" smtClean="0"/>
-              <a:t>The structure of transaction processing applications</a:t>
-            </a:r>
-            <a:r>
-              <a:rPr lang="en-GB" dirty="0" smtClean="0"/>
-              <a:t> </a:t>
-            </a:r>
-            <a:endParaRPr lang="en-US" dirty="0"/>
-          </a:p>
-        </p:txBody>
-      </p:sp>
-      <p:sp>
-        <p:nvSpPr>
-          <p:cNvPr id="6" name="Footer Placeholder 5"/>
-          <p:cNvSpPr>
-            <a:spLocks noGrp="1"/>
-          </p:cNvSpPr>
-          <p:nvPr>
-            <p:ph type="ftr" sz="quarter" idx="11"/>
-          </p:nvPr>
-        </p:nvSpPr>
-        <p:spPr/>
-        <p:txBody>
-          <a:bodyPr/>
-          <a:lstStyle/>
-          <a:p>
-            <a:r>
-              <a:rPr lang="en-US" smtClean="0"/>
-              <a:t>Chapter 6 Architectural design</a:t>
-            </a:r>
-            <a:endParaRPr lang="en-US"/>
-          </a:p>
-        </p:txBody>
-      </p:sp>
-      <p:sp>
-        <p:nvSpPr>
-          <p:cNvPr id="5" name="Slide Number Placeholder 4"/>
-          <p:cNvSpPr>
-            <a:spLocks noGrp="1"/>
-          </p:cNvSpPr>
-          <p:nvPr>
-            <p:ph type="sldNum" sz="quarter" idx="12"/>
-          </p:nvPr>
-        </p:nvSpPr>
-        <p:spPr/>
-        <p:txBody>
-          <a:bodyPr/>
-          <a:lstStyle/>
-          <a:p>
-            <a:fld id="{EC33B370-F672-B743-B3AF-248A63C17270}" type="slidenum">
-              <a:rPr lang="en-US" smtClean="0"/>
-              <a:pPr/>
-              <a:t>39</a:t>
-            </a:fld>
-            <a:endParaRPr lang="en-US"/>
-          </a:p>
-        </p:txBody>
-      </p:sp>
-      <p:pic>
-        <p:nvPicPr>
-          <p:cNvPr id="11266" name="Picture 2" descr="Image result for The structure of transaction processing applications"/>
-          <p:cNvPicPr>
-            <a:picLocks noChangeAspect="1" noChangeArrowheads="1"/>
-          </p:cNvPicPr>
-          <p:nvPr/>
-        </p:nvPicPr>
-        <p:blipFill>
-          <a:blip r:embed="rId2">
-            <a:extLst>
-              <a:ext uri="{28A0092B-C50C-407E-A947-70E740481C1C}">
-                <a14:useLocalDpi xmlns:a14="http://schemas.microsoft.com/office/drawing/2010/main" val="0"/>
-              </a:ext>
-            </a:extLst>
-          </a:blip>
-          <a:srcRect/>
-          <a:stretch>
-            <a:fillRect/>
-          </a:stretch>
-        </p:blipFill>
-        <p:spPr bwMode="auto">
-          <a:xfrm>
-            <a:off x="457200" y="2264802"/>
-            <a:ext cx="8143875" cy="1971676"/>
-          </a:xfrm>
-          <a:prstGeom prst="rect">
-            <a:avLst/>
-          </a:prstGeom>
-          <a:noFill/>
-          <a:extLst>
-            <a:ext uri="{909E8E84-426E-40DD-AFC4-6F175D3DCCD1}">
-              <a14:hiddenFill xmlns:a14="http://schemas.microsoft.com/office/drawing/2010/main">
-                <a:solidFill>
-                  <a:srgbClr val="FFFFFF"/>
-                </a:solidFill>
-              </a14:hiddenFill>
-            </a:ext>
-          </a:extLst>
-        </p:spPr>
-      </p:pic>
-    </p:spTree>
-  </p:cSld>
-  <p:clrMapOvr>
-    <a:masterClrMapping/>
-  </p:clrMapOvr>
-  <p:timing>
-    <p:tnLst>
-      <p:par>
-        <p:cTn id="1" dur="indefinite" restart="never" nodeType="tmRoot"/>
-      </p:par>
-    </p:tnLst>
-  </p:timing>
-</p:sld>
-</file>
-
-<file path=ppt/slides/slide4.xml><?xml version="1.0" encoding="utf-8"?>
-<p:sld xmlns:a="http://schemas.openxmlformats.org/drawingml/2006/main" xmlns:r="http://schemas.openxmlformats.org/officeDocument/2006/relationships" xmlns:p="http://schemas.openxmlformats.org/presentationml/2006/main">
-  <p:cSld>
-    <p:spTree>
-      <p:nvGrpSpPr>
-        <p:cNvPr id="1" name=""/>
-        <p:cNvGrpSpPr/>
-        <p:nvPr/>
-      </p:nvGrpSpPr>
-      <p:grpSpPr>
-        <a:xfrm>
-          <a:off x="0" y="0"/>
-          <a:ext cx="0" cy="0"/>
-          <a:chOff x="0" y="0"/>
-          <a:chExt cx="0" cy="0"/>
-        </a:xfrm>
-      </p:grpSpPr>
-      <p:sp>
-        <p:nvSpPr>
-          <p:cNvPr id="2" name="Title 1"/>
-          <p:cNvSpPr>
-            <a:spLocks noGrp="1"/>
-          </p:cNvSpPr>
-          <p:nvPr>
-            <p:ph type="title"/>
-          </p:nvPr>
-        </p:nvSpPr>
-        <p:spPr/>
-        <p:txBody>
-          <a:bodyPr/>
-          <a:lstStyle/>
-          <a:p>
-            <a:r>
-              <a:rPr lang="en-CA" dirty="0" smtClean="0"/>
-              <a:t>Architecture vs. Design</a:t>
-            </a:r>
-            <a:endParaRPr lang="en-CA" dirty="0"/>
-          </a:p>
-        </p:txBody>
-      </p:sp>
-      <p:sp>
-        <p:nvSpPr>
-          <p:cNvPr id="4" name="Footer Placeholder 3"/>
-          <p:cNvSpPr>
-            <a:spLocks noGrp="1"/>
-          </p:cNvSpPr>
-          <p:nvPr>
-            <p:ph type="ftr" sz="quarter" idx="11"/>
-          </p:nvPr>
-        </p:nvSpPr>
-        <p:spPr/>
-        <p:txBody>
-          <a:bodyPr/>
-          <a:lstStyle/>
-          <a:p>
-            <a:r>
-              <a:rPr lang="en-US" smtClean="0"/>
-              <a:t>Chapter 6 Architectural design</a:t>
-            </a:r>
-            <a:endParaRPr lang="en-US"/>
-          </a:p>
-        </p:txBody>
-      </p:sp>
-      <p:sp>
-        <p:nvSpPr>
-          <p:cNvPr id="5" name="Slide Number Placeholder 4"/>
-          <p:cNvSpPr>
-            <a:spLocks noGrp="1"/>
-          </p:cNvSpPr>
-          <p:nvPr>
-            <p:ph type="sldNum" sz="quarter" idx="12"/>
-          </p:nvPr>
-        </p:nvSpPr>
-        <p:spPr/>
-        <p:txBody>
-          <a:bodyPr/>
-          <a:lstStyle/>
-          <a:p>
-            <a:fld id="{EC33B370-F672-B743-B3AF-248A63C17270}" type="slidenum">
-              <a:rPr lang="en-US" smtClean="0"/>
-              <a:pPr/>
-              <a:t>4</a:t>
-            </a:fld>
-            <a:endParaRPr lang="en-US"/>
-          </a:p>
-        </p:txBody>
-      </p:sp>
-      <p:sp>
-        <p:nvSpPr>
-          <p:cNvPr id="6" name="Content Placeholder 5"/>
-          <p:cNvSpPr>
-            <a:spLocks noGrp="1"/>
-          </p:cNvSpPr>
-          <p:nvPr>
-            <p:ph idx="1"/>
-          </p:nvPr>
-        </p:nvSpPr>
-        <p:spPr/>
-        <p:txBody>
-          <a:bodyPr>
-            <a:normAutofit fontScale="77500" lnSpcReduction="20000"/>
-          </a:bodyPr>
-          <a:lstStyle/>
-          <a:p>
-            <a:r>
-              <a:rPr lang="en-CA" dirty="0" smtClean="0"/>
-              <a:t>The </a:t>
-            </a:r>
-            <a:r>
-              <a:rPr lang="en-CA" b="1" dirty="0" smtClean="0"/>
-              <a:t>architecture</a:t>
-            </a:r>
-            <a:r>
-              <a:rPr lang="en-CA" dirty="0" smtClean="0"/>
-              <a:t> of a system is its 'skeleton'. It's the highest level of abstraction of a system. What kind of data storage is present, how do modules interact with each other, what recovery systems are in place. Just like design patterns, there are architectural patterns: MVC, 3-tier layered design, etc.</a:t>
-            </a:r>
-          </a:p>
-          <a:p>
-            <a:endParaRPr lang="en-CA" dirty="0"/>
-          </a:p>
-        </p:txBody>
-      </p:sp>
-    </p:spTree>
-    <p:extLst>
-      <p:ext uri="{BB962C8B-B14F-4D97-AF65-F5344CB8AC3E}">
-        <p14:creationId xmlns:p14="http://schemas.microsoft.com/office/powerpoint/2010/main" val="4242529471"/>
-      </p:ext>
-    </p:extLst>
-  </p:cSld>
-  <p:clrMapOvr>
-    <a:masterClrMapping/>
-  </p:clrMapOvr>
-</p:sld>
-</file>
-
-<file path=ppt/slides/slide40.xml><?xml version="1.0" encoding="utf-8"?>
-<p:sld xmlns:a="http://schemas.openxmlformats.org/drawingml/2006/main" xmlns:r="http://schemas.openxmlformats.org/officeDocument/2006/relationships" xmlns:p="http://schemas.openxmlformats.org/presentationml/2006/main">
-  <p:cSld>
-    <p:spTree>
-      <p:nvGrpSpPr>
-        <p:cNvPr id="1" name=""/>
-        <p:cNvGrpSpPr/>
-        <p:nvPr/>
-      </p:nvGrpSpPr>
-      <p:grpSpPr>
-        <a:xfrm>
-          <a:off x="0" y="0"/>
-          <a:ext cx="0" cy="0"/>
-          <a:chOff x="0" y="0"/>
-          <a:chExt cx="0" cy="0"/>
-        </a:xfrm>
-      </p:grpSpPr>
-      <p:sp>
-        <p:nvSpPr>
-          <p:cNvPr id="2" name="Title 1"/>
-          <p:cNvSpPr>
-            <a:spLocks noGrp="1"/>
-          </p:cNvSpPr>
-          <p:nvPr>
-            <p:ph type="title"/>
-          </p:nvPr>
-        </p:nvSpPr>
-        <p:spPr/>
-        <p:txBody>
-          <a:bodyPr>
-            <a:normAutofit fontScale="90000"/>
-          </a:bodyPr>
-          <a:lstStyle/>
-          <a:p>
-            <a:r>
-              <a:rPr lang="en-US" dirty="0" smtClean="0"/>
-              <a:t>The software architecture of an ATM system</a:t>
-            </a:r>
-            <a:r>
-              <a:rPr lang="en-GB" dirty="0" smtClean="0"/>
-              <a:t> </a:t>
-            </a:r>
-            <a:endParaRPr lang="en-US" dirty="0"/>
-          </a:p>
-        </p:txBody>
-      </p:sp>
-      <p:sp>
-        <p:nvSpPr>
-          <p:cNvPr id="6" name="Footer Placeholder 5"/>
-          <p:cNvSpPr>
-            <a:spLocks noGrp="1"/>
-          </p:cNvSpPr>
-          <p:nvPr>
-            <p:ph type="ftr" sz="quarter" idx="11"/>
-          </p:nvPr>
-        </p:nvSpPr>
-        <p:spPr/>
-        <p:txBody>
-          <a:bodyPr/>
-          <a:lstStyle/>
-          <a:p>
-            <a:r>
-              <a:rPr lang="en-US" smtClean="0"/>
-              <a:t>Chapter 6 Architectural design</a:t>
-            </a:r>
-            <a:endParaRPr lang="en-US"/>
-          </a:p>
-        </p:txBody>
-      </p:sp>
-      <p:sp>
-        <p:nvSpPr>
-          <p:cNvPr id="5" name="Slide Number Placeholder 4"/>
-          <p:cNvSpPr>
-            <a:spLocks noGrp="1"/>
-          </p:cNvSpPr>
-          <p:nvPr>
-            <p:ph type="sldNum" sz="quarter" idx="12"/>
-          </p:nvPr>
-        </p:nvSpPr>
-        <p:spPr/>
-        <p:txBody>
-          <a:bodyPr/>
-          <a:lstStyle/>
-          <a:p>
-            <a:fld id="{EC33B370-F672-B743-B3AF-248A63C17270}" type="slidenum">
-              <a:rPr lang="en-US" smtClean="0"/>
-              <a:pPr/>
-              <a:t>40</a:t>
-            </a:fld>
-            <a:endParaRPr lang="en-US"/>
-          </a:p>
-        </p:txBody>
-      </p:sp>
-      <p:pic>
-        <p:nvPicPr>
-          <p:cNvPr id="12290" name="Picture 2" descr="Image result for The software architecture of an ATM system"/>
-          <p:cNvPicPr>
-            <a:picLocks noChangeAspect="1" noChangeArrowheads="1"/>
-          </p:cNvPicPr>
-          <p:nvPr/>
-        </p:nvPicPr>
-        <p:blipFill>
-          <a:blip r:embed="rId2">
-            <a:extLst>
-              <a:ext uri="{28A0092B-C50C-407E-A947-70E740481C1C}">
-                <a14:useLocalDpi xmlns:a14="http://schemas.microsoft.com/office/drawing/2010/main" val="0"/>
-              </a:ext>
-            </a:extLst>
-          </a:blip>
-          <a:srcRect/>
-          <a:stretch>
-            <a:fillRect/>
-          </a:stretch>
-        </p:blipFill>
-        <p:spPr bwMode="auto">
-          <a:xfrm>
-            <a:off x="457200" y="1833470"/>
-            <a:ext cx="7877175" cy="3857625"/>
-          </a:xfrm>
-          <a:prstGeom prst="rect">
-            <a:avLst/>
-          </a:prstGeom>
-          <a:noFill/>
-          <a:extLst>
-            <a:ext uri="{909E8E84-426E-40DD-AFC4-6F175D3DCCD1}">
-              <a14:hiddenFill xmlns:a14="http://schemas.microsoft.com/office/drawing/2010/main">
-                <a:solidFill>
-                  <a:srgbClr val="FFFFFF"/>
-                </a:solidFill>
-              </a14:hiddenFill>
-            </a:ext>
-          </a:extLst>
-        </p:spPr>
-      </p:pic>
-    </p:spTree>
-  </p:cSld>
-  <p:clrMapOvr>
-    <a:masterClrMapping/>
-  </p:clrMapOvr>
-  <p:timing>
-    <p:tnLst>
-      <p:par>
-        <p:cTn id="1" dur="indefinite" restart="never" nodeType="tmRoot"/>
-      </p:par>
-    </p:tnLst>
-  </p:timing>
-</p:sld>
-</file>
-
-<file path=ppt/slides/slide41.xml><?xml version="1.0" encoding="utf-8"?>
-<p:sld xmlns:a="http://schemas.openxmlformats.org/drawingml/2006/main" xmlns:r="http://schemas.openxmlformats.org/officeDocument/2006/relationships" xmlns:p="http://schemas.openxmlformats.org/presentationml/2006/main">
-  <p:cSld>
-    <p:spTree>
-      <p:nvGrpSpPr>
-        <p:cNvPr id="1" name=""/>
-        <p:cNvGrpSpPr/>
-        <p:nvPr/>
-      </p:nvGrpSpPr>
-      <p:grpSpPr>
-        <a:xfrm>
-          <a:off x="0" y="0"/>
-          <a:ext cx="0" cy="0"/>
-          <a:chOff x="0" y="0"/>
-          <a:chExt cx="0" cy="0"/>
-        </a:xfrm>
-      </p:grpSpPr>
-      <p:sp>
-        <p:nvSpPr>
-          <p:cNvPr id="146434" name="Rectangle 2"/>
-          <p:cNvSpPr>
-            <a:spLocks noGrp="1" noChangeArrowheads="1"/>
-          </p:cNvSpPr>
-          <p:nvPr>
-            <p:ph type="title"/>
-          </p:nvPr>
-        </p:nvSpPr>
-        <p:spPr/>
-        <p:txBody>
-          <a:bodyPr>
-            <a:normAutofit fontScale="90000"/>
-          </a:bodyPr>
-          <a:lstStyle/>
-          <a:p>
-            <a:r>
-              <a:rPr lang="en-US"/>
-              <a:t>Information systems architecture</a:t>
-            </a:r>
-          </a:p>
-        </p:txBody>
-      </p:sp>
-      <p:sp>
-        <p:nvSpPr>
-          <p:cNvPr id="146435" name="Rectangle 3"/>
-          <p:cNvSpPr>
-            <a:spLocks noGrp="1" noChangeArrowheads="1"/>
-          </p:cNvSpPr>
-          <p:nvPr>
-            <p:ph idx="1"/>
-          </p:nvPr>
-        </p:nvSpPr>
-        <p:spPr/>
-        <p:txBody>
-          <a:bodyPr lIns="91797" tIns="45898" rIns="91797" bIns="45898">
-            <a:normAutofit fontScale="62500" lnSpcReduction="20000"/>
-          </a:bodyPr>
-          <a:lstStyle/>
-          <a:p>
-            <a:r>
-              <a:rPr lang="en-US" dirty="0"/>
-              <a:t>Information systems have a generic architecture that can be </a:t>
-            </a:r>
-            <a:r>
-              <a:rPr lang="en-US" dirty="0" smtClean="0"/>
-              <a:t>organized </a:t>
-            </a:r>
-            <a:r>
-              <a:rPr lang="en-US" dirty="0"/>
-              <a:t>as a layered architecture</a:t>
-            </a:r>
-            <a:r>
-              <a:rPr lang="en-US" dirty="0" smtClean="0"/>
-              <a:t>.</a:t>
-            </a:r>
-          </a:p>
-          <a:p>
-            <a:r>
-              <a:rPr lang="en-US" dirty="0" smtClean="0"/>
-              <a:t>These are transaction-based systems as interaction with these systems generally involves database transactions.</a:t>
-            </a:r>
-          </a:p>
-          <a:p>
-            <a:r>
-              <a:rPr lang="en-US" dirty="0"/>
-              <a:t>Layers include:</a:t>
-            </a:r>
-          </a:p>
-          <a:p>
-            <a:pPr lvl="1"/>
-            <a:r>
-              <a:rPr lang="en-US" dirty="0"/>
-              <a:t>The user interface</a:t>
-            </a:r>
-          </a:p>
-          <a:p>
-            <a:pPr lvl="1"/>
-            <a:r>
-              <a:rPr lang="en-US" dirty="0"/>
-              <a:t>User communications</a:t>
-            </a:r>
-          </a:p>
-          <a:p>
-            <a:pPr lvl="1"/>
-            <a:r>
-              <a:rPr lang="en-US" dirty="0"/>
-              <a:t>Information retrieval</a:t>
-            </a:r>
-          </a:p>
-          <a:p>
-            <a:pPr lvl="1"/>
-            <a:r>
-              <a:rPr lang="en-US" dirty="0"/>
-              <a:t>System database</a:t>
-            </a:r>
-          </a:p>
-        </p:txBody>
-      </p:sp>
-      <p:sp>
-        <p:nvSpPr>
-          <p:cNvPr id="5" name="Footer Placeholder 4"/>
-          <p:cNvSpPr>
-            <a:spLocks noGrp="1"/>
-          </p:cNvSpPr>
-          <p:nvPr>
-            <p:ph type="ftr" sz="quarter" idx="11"/>
-          </p:nvPr>
-        </p:nvSpPr>
-        <p:spPr/>
-        <p:txBody>
-          <a:bodyPr/>
-          <a:lstStyle/>
-          <a:p>
-            <a:r>
-              <a:rPr lang="en-US" smtClean="0"/>
-              <a:t>Chapter 6 Architectural design</a:t>
-            </a:r>
-            <a:endParaRPr lang="en-US"/>
-          </a:p>
-        </p:txBody>
-      </p:sp>
-      <p:sp>
-        <p:nvSpPr>
-          <p:cNvPr id="4" name="Slide Number Placeholder 3"/>
-          <p:cNvSpPr>
-            <a:spLocks noGrp="1"/>
-          </p:cNvSpPr>
-          <p:nvPr>
-            <p:ph type="sldNum" sz="quarter" idx="12"/>
-          </p:nvPr>
-        </p:nvSpPr>
-        <p:spPr/>
-        <p:txBody>
-          <a:bodyPr/>
-          <a:lstStyle/>
-          <a:p>
-            <a:fld id="{EC33B370-F672-B743-B3AF-248A63C17270}" type="slidenum">
-              <a:rPr lang="en-US" smtClean="0"/>
-              <a:pPr/>
-              <a:t>41</a:t>
-            </a:fld>
-            <a:endParaRPr lang="en-US"/>
-          </a:p>
-        </p:txBody>
-      </p:sp>
-    </p:spTree>
-  </p:cSld>
-  <p:clrMapOvr>
-    <a:masterClrMapping/>
-  </p:clrMapOvr>
-  <p:timing>
-    <p:tnLst>
-      <p:par>
-        <p:cTn id="1" dur="indefinite" restart="never" nodeType="tmRoot"/>
-      </p:par>
-    </p:tnLst>
-  </p:timing>
-</p:sld>
-</file>
-
-<file path=ppt/slides/slide42.xml><?xml version="1.0" encoding="utf-8"?>
-<p:sld xmlns:a="http://schemas.openxmlformats.org/drawingml/2006/main" xmlns:r="http://schemas.openxmlformats.org/officeDocument/2006/relationships" xmlns:p="http://schemas.openxmlformats.org/presentationml/2006/main">
-  <p:cSld>
-    <p:spTree>
-      <p:nvGrpSpPr>
-        <p:cNvPr id="1" name=""/>
-        <p:cNvGrpSpPr/>
-        <p:nvPr/>
-      </p:nvGrpSpPr>
-      <p:grpSpPr>
-        <a:xfrm>
-          <a:off x="0" y="0"/>
-          <a:ext cx="0" cy="0"/>
-          <a:chOff x="0" y="0"/>
-          <a:chExt cx="0" cy="0"/>
-        </a:xfrm>
-      </p:grpSpPr>
-      <p:sp>
-        <p:nvSpPr>
-          <p:cNvPr id="2" name="Title 1"/>
-          <p:cNvSpPr>
-            <a:spLocks noGrp="1"/>
-          </p:cNvSpPr>
-          <p:nvPr>
-            <p:ph type="title"/>
-          </p:nvPr>
-        </p:nvSpPr>
-        <p:spPr/>
-        <p:txBody>
-          <a:bodyPr>
-            <a:normAutofit fontScale="90000"/>
-          </a:bodyPr>
-          <a:lstStyle/>
-          <a:p>
-            <a:r>
-              <a:rPr lang="en-US" dirty="0" smtClean="0"/>
-              <a:t>Layered information system architecture</a:t>
-            </a:r>
-            <a:r>
-              <a:rPr lang="en-GB" dirty="0" smtClean="0"/>
-              <a:t> </a:t>
-            </a:r>
-            <a:endParaRPr lang="en-US" dirty="0"/>
-          </a:p>
-        </p:txBody>
-      </p:sp>
-      <p:sp>
-        <p:nvSpPr>
-          <p:cNvPr id="6" name="Footer Placeholder 5"/>
-          <p:cNvSpPr>
-            <a:spLocks noGrp="1"/>
-          </p:cNvSpPr>
-          <p:nvPr>
-            <p:ph type="ftr" sz="quarter" idx="11"/>
-          </p:nvPr>
-        </p:nvSpPr>
-        <p:spPr/>
-        <p:txBody>
-          <a:bodyPr/>
-          <a:lstStyle/>
-          <a:p>
-            <a:r>
-              <a:rPr lang="en-US" smtClean="0"/>
-              <a:t>Chapter 6 Architectural design</a:t>
-            </a:r>
-            <a:endParaRPr lang="en-US"/>
-          </a:p>
-        </p:txBody>
-      </p:sp>
-      <p:sp>
-        <p:nvSpPr>
-          <p:cNvPr id="5" name="Slide Number Placeholder 4"/>
-          <p:cNvSpPr>
-            <a:spLocks noGrp="1"/>
-          </p:cNvSpPr>
-          <p:nvPr>
-            <p:ph type="sldNum" sz="quarter" idx="12"/>
-          </p:nvPr>
-        </p:nvSpPr>
-        <p:spPr/>
-        <p:txBody>
-          <a:bodyPr/>
-          <a:lstStyle/>
-          <a:p>
-            <a:fld id="{EC33B370-F672-B743-B3AF-248A63C17270}" type="slidenum">
-              <a:rPr lang="en-US" smtClean="0"/>
-              <a:pPr/>
-              <a:t>42</a:t>
-            </a:fld>
-            <a:endParaRPr lang="en-US"/>
-          </a:p>
-        </p:txBody>
-      </p:sp>
-      <p:pic>
-        <p:nvPicPr>
-          <p:cNvPr id="13314" name="Picture 2" descr="Image result for Layered information system architecture"/>
-          <p:cNvPicPr>
-            <a:picLocks noChangeAspect="1" noChangeArrowheads="1"/>
-          </p:cNvPicPr>
-          <p:nvPr/>
-        </p:nvPicPr>
-        <p:blipFill>
-          <a:blip r:embed="rId2">
-            <a:extLst>
-              <a:ext uri="{28A0092B-C50C-407E-A947-70E740481C1C}">
-                <a14:useLocalDpi xmlns:a14="http://schemas.microsoft.com/office/drawing/2010/main" val="0"/>
-              </a:ext>
-            </a:extLst>
-          </a:blip>
-          <a:srcRect/>
-          <a:stretch>
-            <a:fillRect/>
-          </a:stretch>
-        </p:blipFill>
-        <p:spPr bwMode="auto">
-          <a:xfrm>
-            <a:off x="1294093" y="1730375"/>
-            <a:ext cx="6143625" cy="4343400"/>
-          </a:xfrm>
-          <a:prstGeom prst="rect">
-            <a:avLst/>
-          </a:prstGeom>
-          <a:noFill/>
-          <a:extLst>
-            <a:ext uri="{909E8E84-426E-40DD-AFC4-6F175D3DCCD1}">
-              <a14:hiddenFill xmlns:a14="http://schemas.microsoft.com/office/drawing/2010/main">
-                <a:solidFill>
-                  <a:srgbClr val="FFFFFF"/>
-                </a:solidFill>
-              </a14:hiddenFill>
-            </a:ext>
-          </a:extLst>
-        </p:spPr>
-      </p:pic>
-    </p:spTree>
-  </p:cSld>
-  <p:clrMapOvr>
-    <a:masterClrMapping/>
-  </p:clrMapOvr>
-  <p:timing>
-    <p:tnLst>
-      <p:par>
-        <p:cTn id="1" dur="indefinite" restart="never" nodeType="tmRoot"/>
-      </p:par>
-    </p:tnLst>
-  </p:timing>
-</p:sld>
-</file>
-
-<file path=ppt/slides/slide43.xml><?xml version="1.0" encoding="utf-8"?>
-<p:sld xmlns:a="http://schemas.openxmlformats.org/drawingml/2006/main" xmlns:r="http://schemas.openxmlformats.org/officeDocument/2006/relationships" xmlns:p="http://schemas.openxmlformats.org/presentationml/2006/main">
-  <p:cSld>
-    <p:spTree>
-      <p:nvGrpSpPr>
-        <p:cNvPr id="1" name=""/>
-        <p:cNvGrpSpPr/>
-        <p:nvPr/>
-      </p:nvGrpSpPr>
-      <p:grpSpPr>
-        <a:xfrm>
-          <a:off x="0" y="0"/>
-          <a:ext cx="0" cy="0"/>
-          <a:chOff x="0" y="0"/>
-          <a:chExt cx="0" cy="0"/>
-        </a:xfrm>
-      </p:grpSpPr>
-      <p:sp>
-        <p:nvSpPr>
-          <p:cNvPr id="2" name="Title 1"/>
-          <p:cNvSpPr>
-            <a:spLocks noGrp="1"/>
-          </p:cNvSpPr>
-          <p:nvPr>
-            <p:ph type="title"/>
-          </p:nvPr>
-        </p:nvSpPr>
-        <p:spPr/>
-        <p:txBody>
-          <a:bodyPr>
-            <a:normAutofit fontScale="90000"/>
-          </a:bodyPr>
-          <a:lstStyle/>
-          <a:p>
-            <a:r>
-              <a:rPr lang="en-US" dirty="0" smtClean="0"/>
-              <a:t>The architecture of the MHC-PMS</a:t>
-            </a:r>
-            <a:r>
-              <a:rPr lang="en-GB" dirty="0" smtClean="0"/>
-              <a:t> </a:t>
-            </a:r>
-            <a:endParaRPr lang="en-US" dirty="0"/>
-          </a:p>
-        </p:txBody>
-      </p:sp>
-      <p:sp>
-        <p:nvSpPr>
-          <p:cNvPr id="6" name="Footer Placeholder 5"/>
-          <p:cNvSpPr>
-            <a:spLocks noGrp="1"/>
-          </p:cNvSpPr>
-          <p:nvPr>
-            <p:ph type="ftr" sz="quarter" idx="11"/>
-          </p:nvPr>
-        </p:nvSpPr>
-        <p:spPr/>
-        <p:txBody>
-          <a:bodyPr/>
-          <a:lstStyle/>
-          <a:p>
-            <a:r>
-              <a:rPr lang="en-US" smtClean="0"/>
-              <a:t>Chapter 6 Architectural design</a:t>
-            </a:r>
-            <a:endParaRPr lang="en-US"/>
-          </a:p>
-        </p:txBody>
-      </p:sp>
-      <p:sp>
-        <p:nvSpPr>
-          <p:cNvPr id="4" name="Slide Number Placeholder 3"/>
-          <p:cNvSpPr>
-            <a:spLocks noGrp="1"/>
-          </p:cNvSpPr>
-          <p:nvPr>
-            <p:ph type="sldNum" sz="quarter" idx="12"/>
-          </p:nvPr>
-        </p:nvSpPr>
-        <p:spPr/>
-        <p:txBody>
-          <a:bodyPr/>
-          <a:lstStyle/>
-          <a:p>
-            <a:fld id="{EC33B370-F672-B743-B3AF-248A63C17270}" type="slidenum">
-              <a:rPr lang="en-US" smtClean="0"/>
-              <a:pPr/>
-              <a:t>43</a:t>
-            </a:fld>
-            <a:endParaRPr lang="en-US"/>
-          </a:p>
-        </p:txBody>
-      </p:sp>
-      <p:pic>
-        <p:nvPicPr>
-          <p:cNvPr id="14338" name="Picture 2" descr="Image result for The architecture of the MHC-PMS"/>
-          <p:cNvPicPr>
-            <a:picLocks noChangeAspect="1" noChangeArrowheads="1"/>
-          </p:cNvPicPr>
-          <p:nvPr/>
-        </p:nvPicPr>
-        <p:blipFill>
-          <a:blip r:embed="rId2">
-            <a:extLst>
-              <a:ext uri="{28A0092B-C50C-407E-A947-70E740481C1C}">
-                <a14:useLocalDpi xmlns:a14="http://schemas.microsoft.com/office/drawing/2010/main" val="0"/>
-              </a:ext>
-            </a:extLst>
-          </a:blip>
-          <a:srcRect/>
-          <a:stretch>
-            <a:fillRect/>
-          </a:stretch>
-        </p:blipFill>
-        <p:spPr bwMode="auto">
-          <a:xfrm>
-            <a:off x="1419599" y="1667622"/>
-            <a:ext cx="6067425" cy="4333875"/>
-          </a:xfrm>
-          <a:prstGeom prst="rect">
-            <a:avLst/>
-          </a:prstGeom>
-          <a:noFill/>
-          <a:extLst>
-            <a:ext uri="{909E8E84-426E-40DD-AFC4-6F175D3DCCD1}">
-              <a14:hiddenFill xmlns:a14="http://schemas.microsoft.com/office/drawing/2010/main">
-                <a:solidFill>
-                  <a:srgbClr val="FFFFFF"/>
-                </a:solidFill>
-              </a14:hiddenFill>
-            </a:ext>
-          </a:extLst>
-        </p:spPr>
-      </p:pic>
-    </p:spTree>
-  </p:cSld>
-  <p:clrMapOvr>
-    <a:masterClrMapping/>
-  </p:clrMapOvr>
-  <p:timing>
-    <p:tnLst>
-      <p:par>
-        <p:cTn id="1" dur="indefinite" restart="never" nodeType="tmRoot"/>
-      </p:par>
-    </p:tnLst>
-  </p:timing>
-</p:sld>
-</file>
-
-<file path=ppt/slides/slide44.xml><?xml version="1.0" encoding="utf-8"?>
-<p:sld xmlns:a="http://schemas.openxmlformats.org/drawingml/2006/main" xmlns:r="http://schemas.openxmlformats.org/officeDocument/2006/relationships" xmlns:p="http://schemas.openxmlformats.org/presentationml/2006/main">
-  <p:cSld>
-    <p:spTree>
-      <p:nvGrpSpPr>
-        <p:cNvPr id="1" name=""/>
-        <p:cNvGrpSpPr/>
-        <p:nvPr/>
-      </p:nvGrpSpPr>
-      <p:grpSpPr>
-        <a:xfrm>
-          <a:off x="0" y="0"/>
-          <a:ext cx="0" cy="0"/>
-          <a:chOff x="0" y="0"/>
-          <a:chExt cx="0" cy="0"/>
-        </a:xfrm>
-      </p:grpSpPr>
-      <p:sp>
-        <p:nvSpPr>
-          <p:cNvPr id="2" name="Title 1"/>
-          <p:cNvSpPr>
-            <a:spLocks noGrp="1"/>
-          </p:cNvSpPr>
-          <p:nvPr>
-            <p:ph type="title"/>
-          </p:nvPr>
-        </p:nvSpPr>
-        <p:spPr/>
-        <p:txBody>
-          <a:bodyPr>
-            <a:normAutofit fontScale="90000"/>
-          </a:bodyPr>
-          <a:lstStyle/>
-          <a:p>
-            <a:r>
-              <a:rPr lang="en-US" dirty="0" smtClean="0"/>
-              <a:t>Web-based information systems</a:t>
-            </a:r>
-            <a:endParaRPr lang="en-US" dirty="0"/>
-          </a:p>
-        </p:txBody>
-      </p:sp>
-      <p:sp>
-        <p:nvSpPr>
-          <p:cNvPr id="3" name="Content Placeholder 2"/>
-          <p:cNvSpPr>
-            <a:spLocks noGrp="1"/>
-          </p:cNvSpPr>
-          <p:nvPr>
-            <p:ph idx="1"/>
-          </p:nvPr>
-        </p:nvSpPr>
-        <p:spPr/>
-        <p:txBody>
-          <a:bodyPr>
-            <a:noAutofit/>
-          </a:bodyPr>
-          <a:lstStyle/>
-          <a:p>
-            <a:r>
-              <a:rPr lang="en-US" sz="2400" dirty="0" smtClean="0"/>
-              <a:t>Information and resource management systems are now usually web-based systems where the user interfaces are implemented using a web browser. </a:t>
-            </a:r>
-          </a:p>
-          <a:p>
-            <a:r>
-              <a:rPr lang="en-US" sz="2400" dirty="0" smtClean="0"/>
-              <a:t>For example, </a:t>
-            </a:r>
-            <a:r>
-              <a:rPr lang="en-US" sz="2400" dirty="0" err="1" smtClean="0"/>
-              <a:t>e</a:t>
-            </a:r>
-            <a:r>
-              <a:rPr lang="en-US" sz="2400" dirty="0" smtClean="0"/>
-              <a:t>-commerce systems are Internet-based resource management systems that accept electronic orders for goods or services and then arrange delivery of these goods or services to the customer</a:t>
-            </a:r>
-            <a:r>
-              <a:rPr lang="en-US" sz="2400" i="1" dirty="0" smtClean="0"/>
-              <a:t>. </a:t>
-            </a:r>
-          </a:p>
-          <a:p>
-            <a:r>
-              <a:rPr lang="en-US" sz="2400" dirty="0" smtClean="0"/>
-              <a:t>In an </a:t>
-            </a:r>
-            <a:r>
-              <a:rPr lang="en-US" sz="2400" dirty="0" err="1" smtClean="0"/>
-              <a:t>e</a:t>
-            </a:r>
-            <a:r>
-              <a:rPr lang="en-US" sz="2400" dirty="0" smtClean="0"/>
-              <a:t>-commerce system, the application-specific layer includes additional functionality supporting a ‘shopping cart’ in which users can place a number of items in separate transactions, then pay for them all together in a single transaction.</a:t>
-            </a:r>
-            <a:endParaRPr lang="en-GB" sz="2400" dirty="0" smtClean="0"/>
-          </a:p>
-          <a:p>
-            <a:pPr>
-              <a:buNone/>
-            </a:pPr>
-            <a:endParaRPr lang="en-US" sz="2400" dirty="0"/>
-          </a:p>
-        </p:txBody>
-      </p:sp>
-      <p:sp>
-        <p:nvSpPr>
-          <p:cNvPr id="4" name="Footer Placeholder 3"/>
-          <p:cNvSpPr>
-            <a:spLocks noGrp="1"/>
-          </p:cNvSpPr>
-          <p:nvPr>
-            <p:ph type="ftr" sz="quarter" idx="11"/>
-          </p:nvPr>
-        </p:nvSpPr>
-        <p:spPr/>
-        <p:txBody>
-          <a:bodyPr/>
-          <a:lstStyle/>
-          <a:p>
-            <a:r>
-              <a:rPr lang="en-US" dirty="0" smtClean="0"/>
-              <a:t>Chapter 6 Architectural design</a:t>
-            </a:r>
-            <a:endParaRPr lang="en-US" dirty="0"/>
-          </a:p>
-        </p:txBody>
-      </p:sp>
-      <p:sp>
-        <p:nvSpPr>
-          <p:cNvPr id="5" name="Slide Number Placeholder 4"/>
-          <p:cNvSpPr>
-            <a:spLocks noGrp="1"/>
-          </p:cNvSpPr>
-          <p:nvPr>
-            <p:ph type="sldNum" sz="quarter" idx="12"/>
-          </p:nvPr>
-        </p:nvSpPr>
-        <p:spPr/>
-        <p:txBody>
-          <a:bodyPr/>
-          <a:lstStyle/>
-          <a:p>
-            <a:fld id="{EC33B370-F672-B743-B3AF-248A63C17270}" type="slidenum">
-              <a:rPr lang="en-US" smtClean="0"/>
-              <a:pPr/>
-              <a:t>44</a:t>
-            </a:fld>
-            <a:endParaRPr lang="en-US" dirty="0"/>
-          </a:p>
-        </p:txBody>
-      </p:sp>
-    </p:spTree>
-  </p:cSld>
-  <p:clrMapOvr>
-    <a:masterClrMapping/>
-  </p:clrMapOvr>
-  <p:timing>
-    <p:tnLst>
-      <p:par>
-        <p:cTn id="1" dur="indefinite" restart="never" nodeType="tmRoot"/>
-      </p:par>
-    </p:tnLst>
-  </p:timing>
-</p:sld>
-</file>
-
-<file path=ppt/slides/slide45.xml><?xml version="1.0" encoding="utf-8"?>
-<p:sld xmlns:a="http://schemas.openxmlformats.org/drawingml/2006/main" xmlns:r="http://schemas.openxmlformats.org/officeDocument/2006/relationships" xmlns:p="http://schemas.openxmlformats.org/presentationml/2006/main">
-  <p:cSld>
-    <p:spTree>
-      <p:nvGrpSpPr>
-        <p:cNvPr id="1" name=""/>
-        <p:cNvGrpSpPr/>
-        <p:nvPr/>
-      </p:nvGrpSpPr>
-      <p:grpSpPr>
-        <a:xfrm>
-          <a:off x="0" y="0"/>
-          <a:ext cx="0" cy="0"/>
-          <a:chOff x="0" y="0"/>
-          <a:chExt cx="0" cy="0"/>
-        </a:xfrm>
-      </p:grpSpPr>
-      <p:sp>
-        <p:nvSpPr>
-          <p:cNvPr id="2" name="Title 1"/>
-          <p:cNvSpPr>
-            <a:spLocks noGrp="1"/>
-          </p:cNvSpPr>
-          <p:nvPr>
-            <p:ph type="title"/>
-          </p:nvPr>
-        </p:nvSpPr>
-        <p:spPr/>
-        <p:txBody>
-          <a:bodyPr/>
-          <a:lstStyle/>
-          <a:p>
-            <a:r>
-              <a:rPr lang="en-US" dirty="0" smtClean="0"/>
-              <a:t>Server implementation</a:t>
-            </a:r>
-            <a:endParaRPr lang="en-US" dirty="0"/>
-          </a:p>
-        </p:txBody>
-      </p:sp>
-      <p:sp>
-        <p:nvSpPr>
-          <p:cNvPr id="3" name="Content Placeholder 2"/>
-          <p:cNvSpPr>
-            <a:spLocks noGrp="1"/>
-          </p:cNvSpPr>
-          <p:nvPr>
-            <p:ph idx="1"/>
-          </p:nvPr>
-        </p:nvSpPr>
-        <p:spPr/>
-        <p:txBody>
-          <a:bodyPr>
-            <a:normAutofit fontScale="62500" lnSpcReduction="20000"/>
-          </a:bodyPr>
-          <a:lstStyle/>
-          <a:p>
-            <a:r>
-              <a:rPr lang="en-US" dirty="0" smtClean="0"/>
-              <a:t>These systems are often implemented as multi-tier client server/architectures (discussed in Chapter 18)</a:t>
-            </a:r>
-            <a:endParaRPr lang="en-GB" dirty="0" smtClean="0"/>
-          </a:p>
-          <a:p>
-            <a:pPr lvl="1"/>
-            <a:r>
-              <a:rPr lang="en-US" dirty="0" smtClean="0"/>
-              <a:t>The web server is responsible for all user communications, with the user interface implemented using a web browser;</a:t>
-            </a:r>
-            <a:endParaRPr lang="en-GB" dirty="0" smtClean="0"/>
-          </a:p>
-          <a:p>
-            <a:pPr lvl="1"/>
-            <a:r>
-              <a:rPr lang="en-US" dirty="0" smtClean="0"/>
-              <a:t>The application server is responsible for implementing application-specific logic as well as information storage and retrieval requests; </a:t>
-            </a:r>
-            <a:endParaRPr lang="en-GB" dirty="0" smtClean="0"/>
-          </a:p>
-          <a:p>
-            <a:pPr lvl="1"/>
-            <a:r>
-              <a:rPr lang="en-US" dirty="0" smtClean="0"/>
-              <a:t>The database server moves information to and from the database and handles transaction management. </a:t>
-            </a:r>
-            <a:endParaRPr lang="en-GB" dirty="0" smtClean="0"/>
-          </a:p>
-          <a:p>
-            <a:endParaRPr lang="en-US" dirty="0"/>
-          </a:p>
-        </p:txBody>
-      </p:sp>
-      <p:sp>
-        <p:nvSpPr>
-          <p:cNvPr id="4" name="Footer Placeholder 3"/>
-          <p:cNvSpPr>
-            <a:spLocks noGrp="1"/>
-          </p:cNvSpPr>
-          <p:nvPr>
-            <p:ph type="ftr" sz="quarter" idx="11"/>
-          </p:nvPr>
-        </p:nvSpPr>
-        <p:spPr/>
-        <p:txBody>
-          <a:bodyPr/>
-          <a:lstStyle/>
-          <a:p>
-            <a:r>
-              <a:rPr lang="en-US" smtClean="0"/>
-              <a:t>Chapter 6 Architectural design</a:t>
-            </a:r>
-            <a:endParaRPr lang="en-US"/>
-          </a:p>
-        </p:txBody>
-      </p:sp>
-      <p:sp>
-        <p:nvSpPr>
-          <p:cNvPr id="5" name="Slide Number Placeholder 4"/>
-          <p:cNvSpPr>
-            <a:spLocks noGrp="1"/>
-          </p:cNvSpPr>
-          <p:nvPr>
-            <p:ph type="sldNum" sz="quarter" idx="12"/>
-          </p:nvPr>
-        </p:nvSpPr>
-        <p:spPr/>
-        <p:txBody>
-          <a:bodyPr/>
-          <a:lstStyle/>
-          <a:p>
-            <a:fld id="{EC33B370-F672-B743-B3AF-248A63C17270}" type="slidenum">
-              <a:rPr lang="en-US" smtClean="0"/>
-              <a:pPr/>
-              <a:t>45</a:t>
-            </a:fld>
-            <a:endParaRPr lang="en-US"/>
-          </a:p>
-        </p:txBody>
-      </p:sp>
-    </p:spTree>
-  </p:cSld>
-  <p:clrMapOvr>
-    <a:masterClrMapping/>
-  </p:clrMapOvr>
-  <p:timing>
-    <p:tnLst>
-      <p:par>
-        <p:cTn id="1" dur="indefinite" restart="never" nodeType="tmRoot"/>
-      </p:par>
-    </p:tnLst>
-  </p:timing>
-</p:sld>
-</file>
-
-<file path=ppt/slides/slide46.xml><?xml version="1.0" encoding="utf-8"?>
-<p:sld xmlns:a="http://schemas.openxmlformats.org/drawingml/2006/main" xmlns:r="http://schemas.openxmlformats.org/officeDocument/2006/relationships" xmlns:p="http://schemas.openxmlformats.org/presentationml/2006/main">
-  <p:cSld>
-    <p:spTree>
-      <p:nvGrpSpPr>
-        <p:cNvPr id="1" name=""/>
-        <p:cNvGrpSpPr/>
-        <p:nvPr/>
-      </p:nvGrpSpPr>
-      <p:grpSpPr>
-        <a:xfrm>
-          <a:off x="0" y="0"/>
-          <a:ext cx="0" cy="0"/>
-          <a:chOff x="0" y="0"/>
-          <a:chExt cx="0" cy="0"/>
-        </a:xfrm>
-      </p:grpSpPr>
-      <p:sp>
-        <p:nvSpPr>
-          <p:cNvPr id="2" name="Title 1"/>
-          <p:cNvSpPr>
-            <a:spLocks noGrp="1"/>
-          </p:cNvSpPr>
-          <p:nvPr>
-            <p:ph type="title"/>
-          </p:nvPr>
-        </p:nvSpPr>
-        <p:spPr/>
-        <p:txBody>
-          <a:bodyPr/>
-          <a:lstStyle/>
-          <a:p>
-            <a:r>
-              <a:rPr lang="en-CA" dirty="0" smtClean="0">
-                <a:solidFill>
-                  <a:srgbClr val="FF0000"/>
-                </a:solidFill>
-              </a:rPr>
-              <a:t>Reading</a:t>
-            </a:r>
-            <a:r>
-              <a:rPr lang="en-CA" dirty="0" smtClean="0"/>
-              <a:t> </a:t>
-            </a:r>
-            <a:r>
-              <a:rPr lang="en-CA" dirty="0" smtClean="0">
-                <a:sym typeface="Wingdings" panose="05000000000000000000" pitchFamily="2" charset="2"/>
-              </a:rPr>
-              <a:t></a:t>
-            </a:r>
-            <a:endParaRPr lang="en-CA" dirty="0"/>
-          </a:p>
-        </p:txBody>
-      </p:sp>
-      <p:sp>
-        <p:nvSpPr>
-          <p:cNvPr id="4" name="Footer Placeholder 3"/>
-          <p:cNvSpPr>
-            <a:spLocks noGrp="1"/>
-          </p:cNvSpPr>
-          <p:nvPr>
-            <p:ph type="ftr" sz="quarter" idx="11"/>
-          </p:nvPr>
-        </p:nvSpPr>
-        <p:spPr/>
-        <p:txBody>
-          <a:bodyPr/>
-          <a:lstStyle/>
-          <a:p>
-            <a:r>
-              <a:rPr lang="en-US" smtClean="0"/>
-              <a:t>Chapter 6 Architectural design</a:t>
-            </a:r>
-            <a:endParaRPr lang="en-US"/>
-          </a:p>
-        </p:txBody>
-      </p:sp>
-      <p:sp>
-        <p:nvSpPr>
-          <p:cNvPr id="5" name="Slide Number Placeholder 4"/>
-          <p:cNvSpPr>
-            <a:spLocks noGrp="1"/>
-          </p:cNvSpPr>
-          <p:nvPr>
-            <p:ph type="sldNum" sz="quarter" idx="12"/>
-          </p:nvPr>
-        </p:nvSpPr>
-        <p:spPr/>
-        <p:txBody>
-          <a:bodyPr/>
-          <a:lstStyle/>
-          <a:p>
-            <a:fld id="{EC33B370-F672-B743-B3AF-248A63C17270}" type="slidenum">
-              <a:rPr lang="en-US" smtClean="0"/>
-              <a:pPr/>
-              <a:t>46</a:t>
-            </a:fld>
-            <a:endParaRPr lang="en-US"/>
-          </a:p>
-        </p:txBody>
-      </p:sp>
-    </p:spTree>
-    <p:extLst>
-      <p:ext uri="{BB962C8B-B14F-4D97-AF65-F5344CB8AC3E}">
-        <p14:creationId xmlns:p14="http://schemas.microsoft.com/office/powerpoint/2010/main" val="1922686486"/>
-      </p:ext>
-    </p:extLst>
-  </p:cSld>
-  <p:clrMapOvr>
-    <a:masterClrMapping/>
-  </p:clrMapOvr>
-</p:sld>
-</file>
-
-<file path=ppt/slides/slide47.xml><?xml version="1.0" encoding="utf-8"?>
-<p:sld xmlns:a="http://schemas.openxmlformats.org/drawingml/2006/main" xmlns:r="http://schemas.openxmlformats.org/officeDocument/2006/relationships" xmlns:p="http://schemas.openxmlformats.org/presentationml/2006/main">
-  <p:cSld>
-    <p:spTree>
-      <p:nvGrpSpPr>
-        <p:cNvPr id="1" name=""/>
-        <p:cNvGrpSpPr/>
-        <p:nvPr/>
-      </p:nvGrpSpPr>
-      <p:grpSpPr>
-        <a:xfrm>
-          <a:off x="0" y="0"/>
-          <a:ext cx="0" cy="0"/>
-          <a:chOff x="0" y="0"/>
-          <a:chExt cx="0" cy="0"/>
-        </a:xfrm>
-      </p:grpSpPr>
-      <p:sp>
-        <p:nvSpPr>
-          <p:cNvPr id="160770" name="Rectangle 2"/>
-          <p:cNvSpPr>
-            <a:spLocks noGrp="1" noChangeArrowheads="1"/>
-          </p:cNvSpPr>
-          <p:nvPr>
-            <p:ph type="title"/>
-          </p:nvPr>
-        </p:nvSpPr>
-        <p:spPr/>
-        <p:txBody>
-          <a:bodyPr>
-            <a:normAutofit fontScale="90000"/>
-          </a:bodyPr>
-          <a:lstStyle/>
-          <a:p>
-            <a:r>
-              <a:rPr lang="en-US"/>
-              <a:t>Language processing systems</a:t>
-            </a:r>
-          </a:p>
-        </p:txBody>
-      </p:sp>
-      <p:sp>
-        <p:nvSpPr>
-          <p:cNvPr id="160771" name="Rectangle 3"/>
-          <p:cNvSpPr>
-            <a:spLocks noGrp="1" noChangeArrowheads="1"/>
-          </p:cNvSpPr>
-          <p:nvPr>
-            <p:ph idx="1"/>
-          </p:nvPr>
-        </p:nvSpPr>
-        <p:spPr/>
-        <p:txBody>
-          <a:bodyPr lIns="91797" tIns="45898" rIns="91797" bIns="45898"/>
-          <a:lstStyle/>
-          <a:p>
-            <a:r>
-              <a:rPr lang="en-US" sz="2300" dirty="0"/>
-              <a:t>Accept a natural or artificial language as input and generate some other representation of that language. </a:t>
-            </a:r>
-          </a:p>
-          <a:p>
-            <a:r>
-              <a:rPr lang="en-US" sz="2300" dirty="0"/>
-              <a:t>May include an interpreter to act on the instructions in the language that is being processed.</a:t>
-            </a:r>
-          </a:p>
-          <a:p>
-            <a:r>
-              <a:rPr lang="en-US" sz="2300" dirty="0"/>
-              <a:t>Used in situations where the easiest way to solve a problem is to describe an algorithm or describe the system data</a:t>
-            </a:r>
-          </a:p>
-          <a:p>
-            <a:pPr lvl="1"/>
-            <a:r>
-              <a:rPr lang="en-US" sz="2100" dirty="0"/>
-              <a:t>Meta-case tools process tool descriptions, method rules, etc and generate tools.</a:t>
-            </a:r>
-          </a:p>
-        </p:txBody>
-      </p:sp>
-      <p:sp>
-        <p:nvSpPr>
-          <p:cNvPr id="5" name="Footer Placeholder 4"/>
-          <p:cNvSpPr>
-            <a:spLocks noGrp="1"/>
-          </p:cNvSpPr>
-          <p:nvPr>
-            <p:ph type="ftr" sz="quarter" idx="11"/>
-          </p:nvPr>
-        </p:nvSpPr>
-        <p:spPr/>
-        <p:txBody>
-          <a:bodyPr/>
-          <a:lstStyle/>
-          <a:p>
-            <a:r>
-              <a:rPr lang="en-US" smtClean="0"/>
-              <a:t>Chapter 6 Architectural design</a:t>
-            </a:r>
-            <a:endParaRPr lang="en-US"/>
-          </a:p>
-        </p:txBody>
-      </p:sp>
-      <p:sp>
-        <p:nvSpPr>
-          <p:cNvPr id="4" name="Slide Number Placeholder 3"/>
-          <p:cNvSpPr>
-            <a:spLocks noGrp="1"/>
-          </p:cNvSpPr>
-          <p:nvPr>
-            <p:ph type="sldNum" sz="quarter" idx="12"/>
-          </p:nvPr>
-        </p:nvSpPr>
-        <p:spPr/>
-        <p:txBody>
-          <a:bodyPr/>
-          <a:lstStyle/>
-          <a:p>
-            <a:fld id="{EC33B370-F672-B743-B3AF-248A63C17270}" type="slidenum">
-              <a:rPr lang="en-US" smtClean="0"/>
-              <a:pPr/>
-              <a:t>47</a:t>
-            </a:fld>
-            <a:endParaRPr lang="en-US"/>
-          </a:p>
-        </p:txBody>
-      </p:sp>
-    </p:spTree>
-  </p:cSld>
-  <p:clrMapOvr>
-    <a:masterClrMapping/>
-  </p:clrMapOvr>
-  <p:timing>
-    <p:tnLst>
-      <p:par>
-        <p:cTn id="1" dur="indefinite" restart="never" nodeType="tmRoot"/>
-      </p:par>
-    </p:tnLst>
-  </p:timing>
-</p:sld>
-</file>
-
-<file path=ppt/slides/slide48.xml><?xml version="1.0" encoding="utf-8"?>
-<p:sld xmlns:a="http://schemas.openxmlformats.org/drawingml/2006/main" xmlns:r="http://schemas.openxmlformats.org/officeDocument/2006/relationships" xmlns:p="http://schemas.openxmlformats.org/presentationml/2006/main">
-  <p:cSld>
-    <p:spTree>
-      <p:nvGrpSpPr>
-        <p:cNvPr id="1" name=""/>
-        <p:cNvGrpSpPr/>
-        <p:nvPr/>
-      </p:nvGrpSpPr>
-      <p:grpSpPr>
-        <a:xfrm>
-          <a:off x="0" y="0"/>
-          <a:ext cx="0" cy="0"/>
-          <a:chOff x="0" y="0"/>
-          <a:chExt cx="0" cy="0"/>
-        </a:xfrm>
-      </p:grpSpPr>
-      <p:sp>
-        <p:nvSpPr>
-          <p:cNvPr id="2" name="Title 1"/>
-          <p:cNvSpPr>
-            <a:spLocks noGrp="1"/>
-          </p:cNvSpPr>
-          <p:nvPr>
-            <p:ph type="title"/>
-          </p:nvPr>
-        </p:nvSpPr>
-        <p:spPr/>
-        <p:txBody>
-          <a:bodyPr>
-            <a:normAutofit fontScale="90000"/>
-          </a:bodyPr>
-          <a:lstStyle/>
-          <a:p>
-            <a:r>
-              <a:rPr lang="en-US" dirty="0" smtClean="0"/>
-              <a:t>The architecture of a language processing system </a:t>
-            </a:r>
-            <a:endParaRPr lang="en-US" dirty="0"/>
-          </a:p>
-        </p:txBody>
-      </p:sp>
-      <p:sp>
-        <p:nvSpPr>
-          <p:cNvPr id="6" name="Footer Placeholder 5"/>
-          <p:cNvSpPr>
-            <a:spLocks noGrp="1"/>
-          </p:cNvSpPr>
-          <p:nvPr>
-            <p:ph type="ftr" sz="quarter" idx="11"/>
-          </p:nvPr>
-        </p:nvSpPr>
-        <p:spPr/>
-        <p:txBody>
-          <a:bodyPr/>
-          <a:lstStyle/>
-          <a:p>
-            <a:r>
-              <a:rPr lang="en-US" smtClean="0"/>
-              <a:t>Chapter 6 Architectural design</a:t>
-            </a:r>
-            <a:endParaRPr lang="en-US"/>
-          </a:p>
-        </p:txBody>
-      </p:sp>
-      <p:sp>
-        <p:nvSpPr>
-          <p:cNvPr id="5" name="Slide Number Placeholder 4"/>
-          <p:cNvSpPr>
-            <a:spLocks noGrp="1"/>
-          </p:cNvSpPr>
-          <p:nvPr>
-            <p:ph type="sldNum" sz="quarter" idx="12"/>
-          </p:nvPr>
-        </p:nvSpPr>
-        <p:spPr/>
-        <p:txBody>
-          <a:bodyPr/>
-          <a:lstStyle/>
-          <a:p>
-            <a:fld id="{EC33B370-F672-B743-B3AF-248A63C17270}" type="slidenum">
-              <a:rPr lang="en-US" smtClean="0"/>
-              <a:pPr/>
-              <a:t>48</a:t>
+              <a:t>27</a:t>
             </a:fld>
             <a:endParaRPr lang="en-US"/>
           </a:p>
@@ -13269,17 +9059,10 @@
   <p:clrMapOvr>
     <a:masterClrMapping/>
   </p:clrMapOvr>
-  <p:timing>
-    <p:tnLst>
-      <p:par>
-        <p:cTn id="1" dur="indefinite" restart="never" nodeType="tmRoot"/>
-      </p:par>
-    </p:tnLst>
-  </p:timing>
 </p:sld>
 </file>
 
-<file path=ppt/slides/slide49.xml><?xml version="1.0" encoding="utf-8"?>
+<file path=ppt/slides/slide28.xml><?xml version="1.0" encoding="utf-8"?>
 <p:sld xmlns:a="http://schemas.openxmlformats.org/drawingml/2006/main" xmlns:r="http://schemas.openxmlformats.org/officeDocument/2006/relationships" xmlns:p="http://schemas.openxmlformats.org/presentationml/2006/main">
   <p:cSld>
     <p:spTree>
@@ -13312,10 +9095,9 @@
           <a:lstStyle/>
           <a:p>
             <a:r>
-              <a:rPr lang="en-US" dirty="0" smtClean="0"/>
+              <a:rPr lang="en-US" dirty="0"/>
               <a:t>Compiler components</a:t>
             </a:r>
-            <a:endParaRPr lang="en-US" dirty="0"/>
           </a:p>
         </p:txBody>
       </p:sp>
@@ -13342,31 +9124,31 @@
           <a:lstStyle/>
           <a:p>
             <a:r>
-              <a:rPr lang="en-US" dirty="0" smtClean="0"/>
+              <a:rPr lang="en-US" dirty="0"/>
               <a:t>A lexical analyzer, which takes input language tokens and converts them to an internal form.</a:t>
             </a:r>
-            <a:endParaRPr lang="en-GB" dirty="0" smtClean="0"/>
-          </a:p>
-          <a:p>
-            <a:r>
-              <a:rPr lang="en-US" dirty="0" smtClean="0"/>
+            <a:endParaRPr lang="en-GB" dirty="0"/>
+          </a:p>
+          <a:p>
+            <a:r>
+              <a:rPr lang="en-US" dirty="0"/>
               <a:t>A symbol table, which holds information about the names of entities (variables, class names, object names, etc.) used in the text that is being translated.</a:t>
             </a:r>
-            <a:endParaRPr lang="en-GB" dirty="0" smtClean="0"/>
-          </a:p>
-          <a:p>
-            <a:r>
-              <a:rPr lang="en-US" dirty="0" smtClean="0"/>
+            <a:endParaRPr lang="en-GB" dirty="0"/>
+          </a:p>
+          <a:p>
+            <a:r>
+              <a:rPr lang="en-US" dirty="0"/>
               <a:t>A syntax analyzer, which checks the syntax of the language being translated. </a:t>
             </a:r>
-            <a:endParaRPr lang="en-GB" dirty="0" smtClean="0"/>
-          </a:p>
-          <a:p>
-            <a:r>
-              <a:rPr lang="en-US" dirty="0" smtClean="0"/>
+            <a:endParaRPr lang="en-GB" dirty="0"/>
+          </a:p>
+          <a:p>
+            <a:r>
+              <a:rPr lang="en-US" dirty="0"/>
               <a:t>A syntax tree, which is an internal structure representing the program being compiled.</a:t>
             </a:r>
-            <a:endParaRPr lang="en-GB" dirty="0" smtClean="0"/>
+            <a:endParaRPr lang="en-GB" dirty="0"/>
           </a:p>
           <a:p>
             <a:endParaRPr lang="en-US" dirty="0"/>
@@ -13389,10 +9171,9 @@
           <a:lstStyle/>
           <a:p>
             <a:r>
-              <a:rPr lang="en-US" smtClean="0"/>
+              <a:rPr lang="en-US"/>
               <a:t>Chapter 6 Architectural design</a:t>
             </a:r>
-            <a:endParaRPr lang="en-US"/>
           </a:p>
         </p:txBody>
       </p:sp>
@@ -13414,7 +9195,7 @@
             <a:fld id="{EC33B370-F672-B743-B3AF-248A63C17270}" type="slidenum">
               <a:rPr lang="en-US" smtClean="0"/>
               <a:pPr/>
-              <a:t>49</a:t>
+              <a:t>28</a:t>
             </a:fld>
             <a:endParaRPr lang="en-US"/>
           </a:p>
@@ -13425,17 +9206,10 @@
   <p:clrMapOvr>
     <a:masterClrMapping/>
   </p:clrMapOvr>
-  <p:timing>
-    <p:tnLst>
-      <p:par>
-        <p:cTn id="1" dur="indefinite" restart="never" nodeType="tmRoot"/>
-      </p:par>
-    </p:tnLst>
-  </p:timing>
 </p:sld>
 </file>
 
-<file path=ppt/slides/slide5.xml><?xml version="1.0" encoding="utf-8"?>
+<file path=ppt/slides/slide29.xml><?xml version="1.0" encoding="utf-8"?>
 <p:sld xmlns:a="http://schemas.openxmlformats.org/drawingml/2006/main" xmlns:r="http://schemas.openxmlformats.org/officeDocument/2006/relationships" xmlns:p="http://schemas.openxmlformats.org/presentationml/2006/main">
   <p:cSld>
     <p:spTree>
@@ -13454,6 +9228,28 @@
       </p:grpSpPr>
       <p:sp>
         <p:nvSpPr>
+          <p:cNvPr id="2" name="Title 1"/>
+          <p:cNvSpPr>
+            <a:spLocks noGrp="1"/>
+          </p:cNvSpPr>
+          <p:nvPr>
+            <p:ph type="title"/>
+          </p:nvPr>
+        </p:nvSpPr>
+        <p:spPr/>
+        <p:txBody>
+          <a:bodyPr/>
+          <a:lstStyle/>
+          <a:p>
+            <a:r>
+              <a:rPr lang="en-US" dirty="0"/>
+              <a:t>Compiler components</a:t>
+            </a:r>
+          </a:p>
+        </p:txBody>
+      </p:sp>
+      <p:sp>
+        <p:nvSpPr>
           <p:cNvPr id="3" name="Content Placeholder 2"/>
           <p:cNvSpPr>
             <a:spLocks noGrp="1"/>
@@ -13462,41 +9258,32 @@
             <p:ph idx="1"/>
           </p:nvPr>
         </p:nvSpPr>
-        <p:spPr>
-          <a:xfrm>
-            <a:off x="434340" y="1497330"/>
-            <a:ext cx="8526780" cy="4525963"/>
-          </a:xfrm>
-        </p:spPr>
+        <p:spPr/>
         <p:txBody>
           <a:bodyPr>
             <a:noAutofit/>
           </a:bodyPr>
           <a:lstStyle/>
           <a:p>
-            <a:pPr fontAlgn="base"/>
-            <a:r>
-              <a:rPr lang="en-CA" sz="3000" dirty="0" smtClean="0"/>
-              <a:t>Software </a:t>
-            </a:r>
-            <a:r>
-              <a:rPr lang="en-CA" sz="3000" b="1" dirty="0"/>
-              <a:t>design</a:t>
-            </a:r>
-            <a:r>
-              <a:rPr lang="en-CA" sz="3000" dirty="0"/>
-              <a:t> is about designing the individual modules / components. What are the responsibilities, functions, of module x? Of class Y? What can it do, and what not? What design patterns can be used?</a:t>
-            </a:r>
-          </a:p>
-          <a:p>
-            <a:pPr fontAlgn="base"/>
-            <a:r>
-              <a:rPr lang="en-CA" sz="3000" dirty="0"/>
-              <a:t>So in short, Software architecture is more about the design of the entire system, while software design emphasizes on module / component / class level.</a:t>
-            </a:r>
-          </a:p>
-          <a:p>
-            <a:endParaRPr lang="en-CA" sz="3000" dirty="0"/>
+            <a:r>
+              <a:rPr lang="en-US" sz="3600" dirty="0"/>
+              <a:t>A semantic analyzer that uses information from the syntax tree and the symbol table to check the semantic correctness of the input language text.</a:t>
+            </a:r>
+            <a:r>
+              <a:rPr lang="en-GB" sz="3600" dirty="0"/>
+              <a:t> </a:t>
+            </a:r>
+            <a:endParaRPr lang="en-US" sz="3600" dirty="0"/>
+          </a:p>
+          <a:p>
+            <a:r>
+              <a:rPr lang="en-US" sz="3600" dirty="0"/>
+              <a:t>A code generator that ‘walks’ the syntax tree and generates abstract machine code.</a:t>
+            </a:r>
+            <a:endParaRPr lang="en-GB" sz="3600" dirty="0"/>
+          </a:p>
+          <a:p>
+            <a:endParaRPr lang="en-US" sz="3600" dirty="0"/>
           </a:p>
         </p:txBody>
       </p:sp>
@@ -13516,10 +9303,9 @@
           <a:lstStyle/>
           <a:p>
             <a:r>
-              <a:rPr lang="en-US" smtClean="0"/>
+              <a:rPr lang="en-US"/>
               <a:t>Chapter 6 Architectural design</a:t>
             </a:r>
-            <a:endParaRPr lang="en-US"/>
           </a:p>
         </p:txBody>
       </p:sp>
@@ -13541,46 +9327,13 @@
             <a:fld id="{EC33B370-F672-B743-B3AF-248A63C17270}" type="slidenum">
               <a:rPr lang="en-US" smtClean="0"/>
               <a:pPr/>
-              <a:t>5</a:t>
+              <a:t>29</a:t>
             </a:fld>
             <a:endParaRPr lang="en-US"/>
           </a:p>
         </p:txBody>
       </p:sp>
-      <p:sp>
-        <p:nvSpPr>
-          <p:cNvPr id="6" name="Title 1"/>
-          <p:cNvSpPr>
-            <a:spLocks noGrp="1"/>
-          </p:cNvSpPr>
-          <p:nvPr>
-            <p:ph type="title"/>
-          </p:nvPr>
-        </p:nvSpPr>
-        <p:spPr>
-          <a:xfrm>
-            <a:off x="457200" y="274638"/>
-            <a:ext cx="8229600" cy="1143000"/>
-          </a:xfrm>
-        </p:spPr>
-        <p:txBody>
-          <a:bodyPr/>
-          <a:lstStyle/>
-          <a:p>
-            <a:r>
-              <a:rPr lang="en-CA" dirty="0" smtClean="0"/>
-              <a:t>Architecture vs. Design</a:t>
-            </a:r>
-            <a:endParaRPr lang="en-CA" dirty="0"/>
-          </a:p>
-        </p:txBody>
-      </p:sp>
     </p:spTree>
-    <p:extLst>
-      <p:ext uri="{BB962C8B-B14F-4D97-AF65-F5344CB8AC3E}">
-        <p14:creationId xmlns:p14="http://schemas.microsoft.com/office/powerpoint/2010/main" val="2429648926"/>
-      </p:ext>
-    </p:extLst>
   </p:cSld>
   <p:clrMapOvr>
     <a:masterClrMapping/>
@@ -13588,7 +9341,7 @@
 </p:sld>
 </file>
 
-<file path=ppt/slides/slide50.xml><?xml version="1.0" encoding="utf-8"?>
+<file path=ppt/slides/slide3.xml><?xml version="1.0" encoding="utf-8"?>
 <p:sld xmlns:a="http://schemas.openxmlformats.org/drawingml/2006/main" xmlns:r="http://schemas.openxmlformats.org/officeDocument/2006/relationships" xmlns:p="http://schemas.openxmlformats.org/presentationml/2006/main">
   <p:cSld>
     <p:spTree>
@@ -13607,9 +9360,9 @@
       </p:grpSpPr>
       <p:sp>
         <p:nvSpPr>
-          <p:cNvPr id="2" name="Title 1"/>
-          <p:cNvSpPr>
-            <a:spLocks noGrp="1"/>
+          <p:cNvPr id="44034" name="Rectangle 2"/>
+          <p:cNvSpPr>
+            <a:spLocks noGrp="1" noChangeArrowheads="1"/>
           </p:cNvSpPr>
           <p:nvPr>
             <p:ph type="title"/>
@@ -13621,18 +9374,17 @@
           <a:lstStyle/>
           <a:p>
             <a:r>
-              <a:rPr lang="en-US" dirty="0" smtClean="0"/>
-              <a:t>Compiler components</a:t>
-            </a:r>
-            <a:endParaRPr lang="en-US" dirty="0"/>
-          </a:p>
-        </p:txBody>
-      </p:sp>
-      <p:sp>
-        <p:nvSpPr>
-          <p:cNvPr id="3" name="Content Placeholder 2"/>
-          <p:cNvSpPr>
-            <a:spLocks noGrp="1"/>
+              <a:rPr lang="en-GB"/>
+              <a:t>Software architecture</a:t>
+            </a:r>
+          </a:p>
+        </p:txBody>
+      </p:sp>
+      <p:sp>
+        <p:nvSpPr>
+          <p:cNvPr id="44035" name="Rectangle 3"/>
+          <p:cNvSpPr>
+            <a:spLocks noGrp="1" noChangeArrowheads="1"/>
           </p:cNvSpPr>
           <p:nvPr>
             <p:ph idx="1"/>
@@ -13641,35 +9393,53 @@
         <p:spPr/>
         <p:txBody>
           <a:bodyPr>
-            <a:noAutofit/>
+            <a:normAutofit fontScale="85000" lnSpcReduction="20000"/>
           </a:bodyPr>
           <a:lstStyle/>
           <a:p>
             <a:r>
-              <a:rPr lang="en-US" sz="3600" dirty="0" smtClean="0"/>
-              <a:t>A semantic analyzer that uses information from the syntax tree and the symbol table to check the semantic correctness of the input language text.</a:t>
-            </a:r>
-            <a:r>
-              <a:rPr lang="en-GB" sz="3600" dirty="0" smtClean="0"/>
+              <a:rPr lang="en-GB" dirty="0"/>
+              <a:t>The design process for identifying the sub-systems making up a system and the framework for sub-system control and communication is </a:t>
+            </a:r>
+            <a:r>
+              <a:rPr lang="en-GB" dirty="0">
+                <a:solidFill>
+                  <a:schemeClr val="accent1"/>
+                </a:solidFill>
+              </a:rPr>
+              <a:t>architectural design</a:t>
+            </a:r>
+            <a:r>
+              <a:rPr lang="en-GB" i="1" dirty="0"/>
+              <a:t>.</a:t>
+            </a:r>
+          </a:p>
+          <a:p>
+            <a:r>
+              <a:rPr lang="en-GB" dirty="0"/>
+              <a:t>The output of this design process is a description of the</a:t>
+            </a:r>
+            <a:r>
+              <a:rPr lang="en-GB" i="1" dirty="0"/>
               <a:t> </a:t>
             </a:r>
-            <a:endParaRPr lang="en-US" sz="3600" dirty="0" smtClean="0"/>
-          </a:p>
-          <a:p>
-            <a:r>
-              <a:rPr lang="en-US" sz="3600" dirty="0" smtClean="0"/>
-              <a:t>A code generator that ‘walks’ the syntax tree and generates abstract machine code.</a:t>
-            </a:r>
-            <a:endParaRPr lang="en-GB" sz="3600" dirty="0" smtClean="0"/>
-          </a:p>
-          <a:p>
-            <a:endParaRPr lang="en-US" sz="3600" dirty="0"/>
-          </a:p>
-        </p:txBody>
-      </p:sp>
-      <p:sp>
-        <p:nvSpPr>
-          <p:cNvPr id="4" name="Footer Placeholder 3"/>
+            <a:r>
+              <a:rPr lang="en-GB" dirty="0">
+                <a:solidFill>
+                  <a:schemeClr val="accent1"/>
+                </a:solidFill>
+              </a:rPr>
+              <a:t>software architecture.</a:t>
+            </a:r>
+          </a:p>
+          <a:p>
+            <a:endParaRPr lang="en-GB" dirty="0"/>
+          </a:p>
+        </p:txBody>
+      </p:sp>
+      <p:sp>
+        <p:nvSpPr>
+          <p:cNvPr id="5" name="Footer Placeholder 4"/>
           <p:cNvSpPr>
             <a:spLocks noGrp="1"/>
           </p:cNvSpPr>
@@ -13683,16 +9453,15 @@
           <a:lstStyle/>
           <a:p>
             <a:r>
-              <a:rPr lang="en-US" smtClean="0"/>
+              <a:rPr lang="en-US"/>
               <a:t>Chapter 6 Architectural design</a:t>
             </a:r>
-            <a:endParaRPr lang="en-US"/>
-          </a:p>
-        </p:txBody>
-      </p:sp>
-      <p:sp>
-        <p:nvSpPr>
-          <p:cNvPr id="5" name="Slide Number Placeholder 4"/>
+          </a:p>
+        </p:txBody>
+      </p:sp>
+      <p:sp>
+        <p:nvSpPr>
+          <p:cNvPr id="4" name="Slide Number Placeholder 3"/>
           <p:cNvSpPr>
             <a:spLocks noGrp="1"/>
           </p:cNvSpPr>
@@ -13708,7 +9477,7 @@
             <a:fld id="{EC33B370-F672-B743-B3AF-248A63C17270}" type="slidenum">
               <a:rPr lang="en-US" smtClean="0"/>
               <a:pPr/>
-              <a:t>50</a:t>
+              <a:t>3</a:t>
             </a:fld>
             <a:endParaRPr lang="en-US"/>
           </a:p>
@@ -13719,17 +9488,10 @@
   <p:clrMapOvr>
     <a:masterClrMapping/>
   </p:clrMapOvr>
-  <p:timing>
-    <p:tnLst>
-      <p:par>
-        <p:cTn id="1" dur="indefinite" restart="never" nodeType="tmRoot"/>
-      </p:par>
-    </p:tnLst>
-  </p:timing>
 </p:sld>
 </file>
 
-<file path=ppt/slides/slide51.xml><?xml version="1.0" encoding="utf-8"?>
+<file path=ppt/slides/slide30.xml><?xml version="1.0" encoding="utf-8"?>
 <p:sld xmlns:a="http://schemas.openxmlformats.org/drawingml/2006/main" xmlns:r="http://schemas.openxmlformats.org/officeDocument/2006/relationships" xmlns:p="http://schemas.openxmlformats.org/presentationml/2006/main">
   <p:cSld>
     <p:spTree>
@@ -13764,11 +9526,11 @@
           <a:lstStyle/>
           <a:p>
             <a:r>
-              <a:rPr lang="en-US" dirty="0" smtClean="0"/>
+              <a:rPr lang="en-US" dirty="0"/>
               <a:t>A pipe and filter compiler architecture</a:t>
             </a:r>
             <a:r>
-              <a:rPr lang="en-GB" dirty="0" smtClean="0"/>
+              <a:rPr lang="en-GB" dirty="0"/>
               <a:t> </a:t>
             </a:r>
             <a:endParaRPr lang="en-US" dirty="0"/>
@@ -13791,10 +9553,9 @@
           <a:lstStyle/>
           <a:p>
             <a:r>
-              <a:rPr lang="en-US" smtClean="0"/>
+              <a:rPr lang="en-US"/>
               <a:t>Chapter 6 Architectural design</a:t>
             </a:r>
-            <a:endParaRPr lang="en-US"/>
           </a:p>
         </p:txBody>
       </p:sp>
@@ -13816,7 +9577,7 @@
             <a:fld id="{EC33B370-F672-B743-B3AF-248A63C17270}" type="slidenum">
               <a:rPr lang="en-US" smtClean="0"/>
               <a:pPr/>
-              <a:t>51</a:t>
+              <a:t>30</a:t>
             </a:fld>
             <a:endParaRPr lang="en-US"/>
           </a:p>
@@ -13868,17 +9629,10 @@
   <p:clrMapOvr>
     <a:masterClrMapping/>
   </p:clrMapOvr>
-  <p:timing>
-    <p:tnLst>
-      <p:par>
-        <p:cTn id="1" dur="indefinite" restart="never" nodeType="tmRoot"/>
-      </p:par>
-    </p:tnLst>
-  </p:timing>
 </p:sld>
 </file>
 
-<file path=ppt/slides/slide52.xml><?xml version="1.0" encoding="utf-8"?>
+<file path=ppt/slides/slide31.xml><?xml version="1.0" encoding="utf-8"?>
 <p:sld xmlns:a="http://schemas.openxmlformats.org/drawingml/2006/main" xmlns:r="http://schemas.openxmlformats.org/officeDocument/2006/relationships" xmlns:p="http://schemas.openxmlformats.org/presentationml/2006/main">
   <p:cSld>
     <p:spTree>
@@ -13913,10 +9667,9 @@
           <a:lstStyle/>
           <a:p>
             <a:r>
-              <a:rPr lang="en-US" dirty="0" smtClean="0"/>
+              <a:rPr lang="en-US" dirty="0"/>
               <a:t>A repository architecture for a language processing system</a:t>
             </a:r>
-            <a:endParaRPr lang="en-US" dirty="0"/>
           </a:p>
         </p:txBody>
       </p:sp>
@@ -13936,10 +9689,9 @@
           <a:lstStyle/>
           <a:p>
             <a:r>
-              <a:rPr lang="en-US" smtClean="0"/>
+              <a:rPr lang="en-US"/>
               <a:t>Chapter 6 Architectural design</a:t>
             </a:r>
-            <a:endParaRPr lang="en-US"/>
           </a:p>
         </p:txBody>
       </p:sp>
@@ -13961,7 +9713,7 @@
             <a:fld id="{EC33B370-F672-B743-B3AF-248A63C17270}" type="slidenum">
               <a:rPr lang="en-US" smtClean="0"/>
               <a:pPr/>
-              <a:t>52</a:t>
+              <a:t>31</a:t>
             </a:fld>
             <a:endParaRPr lang="en-US"/>
           </a:p>
@@ -14013,17 +9765,10 @@
   <p:clrMapOvr>
     <a:masterClrMapping/>
   </p:clrMapOvr>
-  <p:timing>
-    <p:tnLst>
-      <p:par>
-        <p:cTn id="1" dur="indefinite" restart="never" nodeType="tmRoot"/>
-      </p:par>
-    </p:tnLst>
-  </p:timing>
 </p:sld>
 </file>
 
-<file path=ppt/slides/slide53.xml><?xml version="1.0" encoding="utf-8"?>
+<file path=ppt/slides/slide32.xml><?xml version="1.0" encoding="utf-8"?>
 <p:sld xmlns:a="http://schemas.openxmlformats.org/drawingml/2006/main" xmlns:r="http://schemas.openxmlformats.org/officeDocument/2006/relationships" xmlns:p="http://schemas.openxmlformats.org/presentationml/2006/main">
   <p:cSld>
     <p:spTree>
@@ -14056,10 +9801,9 @@
           <a:lstStyle/>
           <a:p>
             <a:r>
-              <a:rPr lang="en-US" dirty="0" smtClean="0"/>
+              <a:rPr lang="en-US" dirty="0"/>
               <a:t>Key points</a:t>
             </a:r>
-            <a:endParaRPr lang="en-US" dirty="0"/>
           </a:p>
         </p:txBody>
       </p:sp>
@@ -14081,23 +9825,23 @@
           <a:lstStyle/>
           <a:p>
             <a:r>
-              <a:rPr lang="en-US" dirty="0" smtClean="0"/>
+              <a:rPr lang="en-US" dirty="0"/>
               <a:t>Models of application systems architectures help us understand and compare applications, validate application system designs and assess large-scale components for reuse.</a:t>
             </a:r>
-            <a:endParaRPr lang="en-GB" dirty="0" smtClean="0"/>
-          </a:p>
-          <a:p>
-            <a:r>
-              <a:rPr lang="en-US" dirty="0" smtClean="0"/>
+            <a:endParaRPr lang="en-GB" dirty="0"/>
+          </a:p>
+          <a:p>
+            <a:r>
+              <a:rPr lang="en-US" dirty="0"/>
               <a:t>Transaction processing systems are interactive systems that allow information in a database to be remotely accessed and modified by a number of users. </a:t>
             </a:r>
           </a:p>
           <a:p>
             <a:r>
-              <a:rPr lang="en-US" dirty="0" smtClean="0"/>
+              <a:rPr lang="en-US" dirty="0"/>
               <a:t>Language processing systems are used to translate texts from one language into another and to carry out the instructions specified in the input language. They include a translator and an abstract machine that executes the generated language.</a:t>
             </a:r>
-            <a:endParaRPr lang="en-GB" dirty="0" smtClean="0"/>
+            <a:endParaRPr lang="en-GB" dirty="0"/>
           </a:p>
           <a:p>
             <a:endParaRPr lang="en-US" dirty="0"/>
@@ -14120,10 +9864,9 @@
           <a:lstStyle/>
           <a:p>
             <a:r>
-              <a:rPr lang="en-US" smtClean="0"/>
+              <a:rPr lang="en-US"/>
               <a:t>Chapter 6 Architectural design</a:t>
             </a:r>
-            <a:endParaRPr lang="en-US"/>
           </a:p>
         </p:txBody>
       </p:sp>
@@ -14145,7 +9888,7 @@
             <a:fld id="{EC33B370-F672-B743-B3AF-248A63C17270}" type="slidenum">
               <a:rPr lang="en-US" smtClean="0"/>
               <a:pPr/>
-              <a:t>53</a:t>
+              <a:t>32</a:t>
             </a:fld>
             <a:endParaRPr lang="en-US" dirty="0"/>
           </a:p>
@@ -14156,13 +9899,290 @@
   <p:clrMapOvr>
     <a:masterClrMapping/>
   </p:clrMapOvr>
-  <p:timing>
-    <p:tnLst>
-      <p:par>
-        <p:cTn id="1" dur="indefinite" restart="never" nodeType="tmRoot"/>
-      </p:par>
-    </p:tnLst>
-  </p:timing>
+</p:sld>
+</file>
+
+<file path=ppt/slides/slide4.xml><?xml version="1.0" encoding="utf-8"?>
+<p:sld xmlns:a="http://schemas.openxmlformats.org/drawingml/2006/main" xmlns:r="http://schemas.openxmlformats.org/officeDocument/2006/relationships" xmlns:p="http://schemas.openxmlformats.org/presentationml/2006/main">
+  <p:cSld>
+    <p:spTree>
+      <p:nvGrpSpPr>
+        <p:cNvPr id="1" name=""/>
+        <p:cNvGrpSpPr/>
+        <p:nvPr/>
+      </p:nvGrpSpPr>
+      <p:grpSpPr>
+        <a:xfrm>
+          <a:off x="0" y="0"/>
+          <a:ext cx="0" cy="0"/>
+          <a:chOff x="0" y="0"/>
+          <a:chExt cx="0" cy="0"/>
+        </a:xfrm>
+      </p:grpSpPr>
+      <p:sp>
+        <p:nvSpPr>
+          <p:cNvPr id="2" name="Title 1"/>
+          <p:cNvSpPr>
+            <a:spLocks noGrp="1"/>
+          </p:cNvSpPr>
+          <p:nvPr>
+            <p:ph type="title"/>
+          </p:nvPr>
+        </p:nvSpPr>
+        <p:spPr/>
+        <p:txBody>
+          <a:bodyPr/>
+          <a:lstStyle/>
+          <a:p>
+            <a:r>
+              <a:rPr lang="en-CA" dirty="0"/>
+              <a:t>Architecture vs. Design</a:t>
+            </a:r>
+          </a:p>
+        </p:txBody>
+      </p:sp>
+      <p:sp>
+        <p:nvSpPr>
+          <p:cNvPr id="4" name="Footer Placeholder 3"/>
+          <p:cNvSpPr>
+            <a:spLocks noGrp="1"/>
+          </p:cNvSpPr>
+          <p:nvPr>
+            <p:ph type="ftr" sz="quarter" idx="11"/>
+          </p:nvPr>
+        </p:nvSpPr>
+        <p:spPr/>
+        <p:txBody>
+          <a:bodyPr/>
+          <a:lstStyle/>
+          <a:p>
+            <a:r>
+              <a:rPr lang="en-US"/>
+              <a:t>Chapter 6 Architectural design</a:t>
+            </a:r>
+          </a:p>
+        </p:txBody>
+      </p:sp>
+      <p:sp>
+        <p:nvSpPr>
+          <p:cNvPr id="5" name="Slide Number Placeholder 4"/>
+          <p:cNvSpPr>
+            <a:spLocks noGrp="1"/>
+          </p:cNvSpPr>
+          <p:nvPr>
+            <p:ph type="sldNum" sz="quarter" idx="12"/>
+          </p:nvPr>
+        </p:nvSpPr>
+        <p:spPr/>
+        <p:txBody>
+          <a:bodyPr/>
+          <a:lstStyle/>
+          <a:p>
+            <a:fld id="{EC33B370-F672-B743-B3AF-248A63C17270}" type="slidenum">
+              <a:rPr lang="en-US" smtClean="0"/>
+              <a:pPr/>
+              <a:t>4</a:t>
+            </a:fld>
+            <a:endParaRPr lang="en-US"/>
+          </a:p>
+        </p:txBody>
+      </p:sp>
+      <p:sp>
+        <p:nvSpPr>
+          <p:cNvPr id="6" name="Content Placeholder 5"/>
+          <p:cNvSpPr>
+            <a:spLocks noGrp="1"/>
+          </p:cNvSpPr>
+          <p:nvPr>
+            <p:ph idx="1"/>
+          </p:nvPr>
+        </p:nvSpPr>
+        <p:spPr/>
+        <p:txBody>
+          <a:bodyPr>
+            <a:normAutofit fontScale="77500" lnSpcReduction="20000"/>
+          </a:bodyPr>
+          <a:lstStyle/>
+          <a:p>
+            <a:r>
+              <a:rPr lang="en-CA" dirty="0"/>
+              <a:t>The </a:t>
+            </a:r>
+            <a:r>
+              <a:rPr lang="en-CA" b="1" dirty="0"/>
+              <a:t>architecture</a:t>
+            </a:r>
+            <a:r>
+              <a:rPr lang="en-CA" dirty="0"/>
+              <a:t> of a system is its 'skeleton'. It's the highest level of abstraction of a system. What kind of data storage is present, how do modules interact with each other, what recovery systems are in place. Just like design patterns, there are architectural patterns: MVC, 3-tier layered design, etc.</a:t>
+            </a:r>
+          </a:p>
+          <a:p>
+            <a:endParaRPr lang="en-CA" dirty="0"/>
+          </a:p>
+        </p:txBody>
+      </p:sp>
+    </p:spTree>
+    <p:extLst>
+      <p:ext uri="{BB962C8B-B14F-4D97-AF65-F5344CB8AC3E}">
+        <p14:creationId xmlns:p14="http://schemas.microsoft.com/office/powerpoint/2010/main" val="4242529471"/>
+      </p:ext>
+    </p:extLst>
+  </p:cSld>
+  <p:clrMapOvr>
+    <a:masterClrMapping/>
+  </p:clrMapOvr>
+</p:sld>
+</file>
+
+<file path=ppt/slides/slide5.xml><?xml version="1.0" encoding="utf-8"?>
+<p:sld xmlns:a="http://schemas.openxmlformats.org/drawingml/2006/main" xmlns:r="http://schemas.openxmlformats.org/officeDocument/2006/relationships" xmlns:p="http://schemas.openxmlformats.org/presentationml/2006/main">
+  <p:cSld>
+    <p:spTree>
+      <p:nvGrpSpPr>
+        <p:cNvPr id="1" name=""/>
+        <p:cNvGrpSpPr/>
+        <p:nvPr/>
+      </p:nvGrpSpPr>
+      <p:grpSpPr>
+        <a:xfrm>
+          <a:off x="0" y="0"/>
+          <a:ext cx="0" cy="0"/>
+          <a:chOff x="0" y="0"/>
+          <a:chExt cx="0" cy="0"/>
+        </a:xfrm>
+      </p:grpSpPr>
+      <p:sp>
+        <p:nvSpPr>
+          <p:cNvPr id="3" name="Content Placeholder 2"/>
+          <p:cNvSpPr>
+            <a:spLocks noGrp="1"/>
+          </p:cNvSpPr>
+          <p:nvPr>
+            <p:ph idx="1"/>
+          </p:nvPr>
+        </p:nvSpPr>
+        <p:spPr>
+          <a:xfrm>
+            <a:off x="434340" y="1497330"/>
+            <a:ext cx="8526780" cy="4525963"/>
+          </a:xfrm>
+        </p:spPr>
+        <p:txBody>
+          <a:bodyPr>
+            <a:noAutofit/>
+          </a:bodyPr>
+          <a:lstStyle/>
+          <a:p>
+            <a:pPr fontAlgn="base"/>
+            <a:r>
+              <a:rPr lang="en-CA" sz="3000" dirty="0"/>
+              <a:t>Software </a:t>
+            </a:r>
+            <a:r>
+              <a:rPr lang="en-CA" sz="3000" b="1" dirty="0"/>
+              <a:t>design</a:t>
+            </a:r>
+            <a:r>
+              <a:rPr lang="en-CA" sz="3000" dirty="0"/>
+              <a:t> is about designing the individual modules / components. What are the responsibilities, functions, of module x? Of class Y? What can it do, and what not? What design patterns can be used?</a:t>
+            </a:r>
+          </a:p>
+          <a:p>
+            <a:pPr fontAlgn="base"/>
+            <a:r>
+              <a:rPr lang="en-CA" sz="3000" dirty="0"/>
+              <a:t>So in short, Software architecture is more about the design of the entire system, while software design emphasizes on module / component / class level.</a:t>
+            </a:r>
+          </a:p>
+          <a:p>
+            <a:endParaRPr lang="en-CA" sz="3000" dirty="0"/>
+          </a:p>
+        </p:txBody>
+      </p:sp>
+      <p:sp>
+        <p:nvSpPr>
+          <p:cNvPr id="4" name="Footer Placeholder 3"/>
+          <p:cNvSpPr>
+            <a:spLocks noGrp="1"/>
+          </p:cNvSpPr>
+          <p:nvPr>
+            <p:ph type="ftr" sz="quarter" idx="11"/>
+          </p:nvPr>
+        </p:nvSpPr>
+        <p:spPr/>
+        <p:txBody>
+          <a:bodyPr/>
+          <a:lstStyle/>
+          <a:p>
+            <a:r>
+              <a:rPr lang="en-US"/>
+              <a:t>Chapter 6 Architectural design</a:t>
+            </a:r>
+          </a:p>
+        </p:txBody>
+      </p:sp>
+      <p:sp>
+        <p:nvSpPr>
+          <p:cNvPr id="5" name="Slide Number Placeholder 4"/>
+          <p:cNvSpPr>
+            <a:spLocks noGrp="1"/>
+          </p:cNvSpPr>
+          <p:nvPr>
+            <p:ph type="sldNum" sz="quarter" idx="12"/>
+          </p:nvPr>
+        </p:nvSpPr>
+        <p:spPr/>
+        <p:txBody>
+          <a:bodyPr/>
+          <a:lstStyle/>
+          <a:p>
+            <a:fld id="{EC33B370-F672-B743-B3AF-248A63C17270}" type="slidenum">
+              <a:rPr lang="en-US" smtClean="0"/>
+              <a:pPr/>
+              <a:t>5</a:t>
+            </a:fld>
+            <a:endParaRPr lang="en-US"/>
+          </a:p>
+        </p:txBody>
+      </p:sp>
+      <p:sp>
+        <p:nvSpPr>
+          <p:cNvPr id="6" name="Title 1"/>
+          <p:cNvSpPr>
+            <a:spLocks noGrp="1"/>
+          </p:cNvSpPr>
+          <p:nvPr>
+            <p:ph type="title"/>
+          </p:nvPr>
+        </p:nvSpPr>
+        <p:spPr>
+          <a:xfrm>
+            <a:off x="457200" y="274638"/>
+            <a:ext cx="8229600" cy="1143000"/>
+          </a:xfrm>
+        </p:spPr>
+        <p:txBody>
+          <a:bodyPr/>
+          <a:lstStyle/>
+          <a:p>
+            <a:r>
+              <a:rPr lang="en-CA" dirty="0"/>
+              <a:t>Architecture vs. Design</a:t>
+            </a:r>
+          </a:p>
+        </p:txBody>
+      </p:sp>
+    </p:spTree>
+    <p:extLst>
+      <p:ext uri="{BB962C8B-B14F-4D97-AF65-F5344CB8AC3E}">
+        <p14:creationId xmlns:p14="http://schemas.microsoft.com/office/powerpoint/2010/main" val="2429648926"/>
+      </p:ext>
+    </p:extLst>
+  </p:cSld>
+  <p:clrMapOvr>
+    <a:masterClrMapping/>
+  </p:clrMapOvr>
 </p:sld>
 </file>
 
@@ -14273,10 +10293,9 @@
           <a:lstStyle/>
           <a:p>
             <a:r>
-              <a:rPr lang="en-US" smtClean="0"/>
+              <a:rPr lang="en-US"/>
               <a:t>Chapter 6 Architectural design</a:t>
             </a:r>
-            <a:endParaRPr lang="en-US"/>
           </a:p>
         </p:txBody>
       </p:sp>
@@ -14310,13 +10329,6 @@
     <a:masterClrMapping/>
   </p:clrMapOvr>
   <p:transition/>
-  <p:timing>
-    <p:tnLst>
-      <p:par>
-        <p:cTn id="1" dur="indefinite" restart="never" nodeType="tmRoot"/>
-      </p:par>
-    </p:tnLst>
-  </p:timing>
 </p:sld>
 </file>
 
@@ -14447,13 +10459,6 @@
     <a:masterClrMapping/>
   </p:clrMapOvr>
   <p:transition/>
-  <p:timing>
-    <p:tnLst>
-      <p:par>
-        <p:cTn id="1" dur="indefinite" restart="never" nodeType="tmRoot"/>
-      </p:par>
-    </p:tnLst>
-  </p:timing>
 </p:sld>
 </file>
 
@@ -14791,120 +10796,113 @@
       </p:grpSpPr>
       <p:sp>
         <p:nvSpPr>
-          <p:cNvPr id="11266" name="Rectangle 2"/>
-          <p:cNvSpPr>
-            <a:spLocks noGrp="1" noChangeArrowheads="1"/>
+          <p:cNvPr id="2" name="Title 1"/>
+          <p:cNvSpPr>
+            <a:spLocks noGrp="1"/>
           </p:cNvSpPr>
           <p:nvPr>
             <p:ph type="title"/>
           </p:nvPr>
         </p:nvSpPr>
-        <p:spPr>
-          <a:noFill/>
-          <a:ln/>
-        </p:spPr>
-        <p:txBody>
-          <a:bodyPr/>
-          <a:lstStyle/>
-          <a:p>
-            <a:pPr algn="ctr"/>
-            <a:r>
-              <a:rPr lang="en-GB" altLang="en-US"/>
-              <a:t>System structuring</a:t>
-            </a:r>
-          </a:p>
-        </p:txBody>
-      </p:sp>
-      <p:sp>
-        <p:nvSpPr>
-          <p:cNvPr id="11267" name="Rectangle 3"/>
-          <p:cNvSpPr>
-            <a:spLocks noGrp="1" noChangeArrowheads="1"/>
-          </p:cNvSpPr>
-          <p:nvPr>
-            <p:ph type="body" idx="1"/>
-          </p:nvPr>
-        </p:nvSpPr>
-        <p:spPr>
-          <a:noFill/>
-          <a:ln/>
-        </p:spPr>
+        <p:spPr/>
+        <p:txBody>
+          <a:bodyPr/>
+          <a:lstStyle/>
+          <a:p>
+            <a:r>
+              <a:rPr lang="en-US" dirty="0"/>
+              <a:t>Architectural patterns</a:t>
+            </a:r>
+          </a:p>
+        </p:txBody>
+      </p:sp>
+      <p:sp>
+        <p:nvSpPr>
+          <p:cNvPr id="3" name="Content Placeholder 2"/>
+          <p:cNvSpPr>
+            <a:spLocks noGrp="1"/>
+          </p:cNvSpPr>
+          <p:nvPr>
+            <p:ph idx="1"/>
+          </p:nvPr>
+        </p:nvSpPr>
+        <p:spPr/>
         <p:txBody>
           <a:bodyPr>
-            <a:normAutofit fontScale="77500" lnSpcReduction="20000"/>
+            <a:noAutofit/>
           </a:bodyPr>
           <a:lstStyle/>
           <a:p>
-            <a:pPr algn="ctr">
-              <a:buFont typeface="Zapf Dingbats" charset="2"/>
+            <a:r>
+              <a:rPr lang="en-US" sz="3600" dirty="0"/>
+              <a:t>Patterns are a means of representing, sharing and reusing knowledge.</a:t>
+            </a:r>
+          </a:p>
+          <a:p>
+            <a:r>
+              <a:rPr lang="en-US" sz="3600" dirty="0"/>
+              <a:t>An architectural pattern is a stylized description of good design practice, which has been tried and tested in different environments.</a:t>
+            </a:r>
+          </a:p>
+          <a:p>
+            <a:pPr>
               <a:buNone/>
             </a:pPr>
-            <a:r>
-              <a:rPr lang="en-GB" altLang="en-US" b="1" dirty="0">
-                <a:solidFill>
-                  <a:srgbClr val="0066FF"/>
-                </a:solidFill>
-              </a:rPr>
-              <a:t>Concerned with decomposing the system into interacting sub-systems</a:t>
-            </a:r>
-          </a:p>
-          <a:p>
-            <a:r>
-              <a:rPr lang="en-GB" altLang="en-US" dirty="0"/>
-              <a:t>The </a:t>
-            </a:r>
-            <a:r>
-              <a:rPr lang="en-GB" altLang="en-US" dirty="0">
-                <a:solidFill>
-                  <a:srgbClr val="FF0000"/>
-                </a:solidFill>
-              </a:rPr>
-              <a:t>architectural design </a:t>
-            </a:r>
-            <a:r>
-              <a:rPr lang="en-GB" altLang="en-US" dirty="0"/>
-              <a:t>is normally expressed as a </a:t>
-            </a:r>
-            <a:r>
-              <a:rPr lang="en-GB" altLang="en-US" u="sng" dirty="0"/>
-              <a:t>block diagram</a:t>
-            </a:r>
-            <a:r>
-              <a:rPr lang="en-GB" altLang="en-US" dirty="0"/>
-              <a:t> presenting an overview of the system structure</a:t>
-            </a:r>
-          </a:p>
-          <a:p>
-            <a:pPr lvl="1"/>
-            <a:r>
-              <a:rPr lang="en-GB" altLang="en-US" dirty="0">
-                <a:solidFill>
-                  <a:srgbClr val="FF0000"/>
-                </a:solidFill>
-              </a:rPr>
-              <a:t>(More specific models showing how sub-systems share data, are distributed and interface with each other may also be developed)</a:t>
-            </a:r>
+            <a:endParaRPr lang="en-US" sz="3600" dirty="0"/>
+          </a:p>
+        </p:txBody>
+      </p:sp>
+      <p:sp>
+        <p:nvSpPr>
+          <p:cNvPr id="5" name="Footer Placeholder 4"/>
+          <p:cNvSpPr>
+            <a:spLocks noGrp="1"/>
+          </p:cNvSpPr>
+          <p:nvPr>
+            <p:ph type="ftr" sz="quarter" idx="11"/>
+          </p:nvPr>
+        </p:nvSpPr>
+        <p:spPr/>
+        <p:txBody>
+          <a:bodyPr/>
+          <a:lstStyle/>
+          <a:p>
+            <a:r>
+              <a:rPr lang="en-US"/>
+              <a:t>Chapter 6 Architectural design</a:t>
+            </a:r>
+          </a:p>
+        </p:txBody>
+      </p:sp>
+      <p:sp>
+        <p:nvSpPr>
+          <p:cNvPr id="4" name="Slide Number Placeholder 3"/>
+          <p:cNvSpPr>
+            <a:spLocks noGrp="1"/>
+          </p:cNvSpPr>
+          <p:nvPr>
+            <p:ph type="sldNum" sz="quarter" idx="12"/>
+          </p:nvPr>
+        </p:nvSpPr>
+        <p:spPr/>
+        <p:txBody>
+          <a:bodyPr/>
+          <a:lstStyle/>
+          <a:p>
+            <a:fld id="{EC33B370-F672-B743-B3AF-248A63C17270}" type="slidenum">
+              <a:rPr lang="en-US" smtClean="0"/>
+              <a:pPr/>
+              <a:t>9</a:t>
+            </a:fld>
+            <a:endParaRPr lang="en-US"/>
           </a:p>
         </p:txBody>
       </p:sp>
     </p:spTree>
-    <p:extLst>
-      <p:ext uri="{BB962C8B-B14F-4D97-AF65-F5344CB8AC3E}">
-        <p14:creationId xmlns:p14="http://schemas.microsoft.com/office/powerpoint/2010/main" val="145508290"/>
-      </p:ext>
-    </p:extLst>
   </p:cSld>
   <p:clrMapOvr>
     <a:masterClrMapping/>
   </p:clrMapOvr>
-  <p:transition/>
-  <p:timing>
-    <p:tnLst>
-      <p:par>
-        <p:cTn id="1" dur="indefinite" restart="never" nodeType="tmRoot"/>
-      </p:par>
-    </p:tnLst>
-  </p:timing>
 </p:sld>
 </file>
 
